--- a/Report_of_LED_cube.pptx
+++ b/Report_of_LED_cube.pptx
@@ -1,28 +1,28 @@
 
 <file path=ppt/presentation.xml><?xml version="1.0" encoding="utf-8"?>
-<p:presentation xmlns:a="http://schemas.openxmlformats.org/drawingml/2006/main" xmlns:r="http://schemas.openxmlformats.org/officeDocument/2006/relationships" xmlns:mc="http://schemas.openxmlformats.org/markup-compatibility/2006" xmlns:mv="urn:schemas-microsoft-com:mac:vml" xmlns:p="http://schemas.openxmlformats.org/presentationml/2006/main" xmlns:c="http://schemas.openxmlformats.org/drawingml/2006/chart" xmlns:dgm="http://schemas.openxmlformats.org/drawingml/2006/diagram" xmlns:o="urn:schemas-microsoft-com:office:office" xmlns:v="urn:schemas-microsoft-com:vml" xmlns:pvml="urn:schemas-microsoft-com:office:powerpoint" xmlns:com="http://schemas.openxmlformats.org/drawingml/2006/compatibility" xmlns:p14="http://schemas.microsoft.com/office/powerpoint/2010/main" xmlns:p15="http://schemas.microsoft.com/office/powerpoint/2012/main" xmlns:ahyp="http://schemas.microsoft.com/office/drawing/2018/hyperlinkcolor" autoCompressPictures="0" strictFirstAndLastChars="0" saveSubsetFonts="1">
+<p:presentation xmlns:a="http://schemas.openxmlformats.org/drawingml/2006/main" xmlns:r="http://schemas.openxmlformats.org/officeDocument/2006/relationships" xmlns:p="http://schemas.openxmlformats.org/presentationml/2006/main" strictFirstAndLastChars="0" saveSubsetFonts="1" autoCompressPictures="0">
   <p:sldMasterIdLst>
-    <p:sldMasterId id="2147483659" r:id="rId4"/>
+    <p:sldMasterId id="2147483659" r:id="rId1"/>
   </p:sldMasterIdLst>
   <p:notesMasterIdLst>
-    <p:notesMasterId r:id="rId5"/>
+    <p:notesMasterId r:id="rId12"/>
   </p:notesMasterIdLst>
   <p:sldIdLst>
-    <p:sldId id="256" r:id="rId6"/>
-    <p:sldId id="257" r:id="rId7"/>
-    <p:sldId id="258" r:id="rId8"/>
-    <p:sldId id="259" r:id="rId9"/>
-    <p:sldId id="260" r:id="rId10"/>
-    <p:sldId id="261" r:id="rId11"/>
-    <p:sldId id="262" r:id="rId12"/>
-    <p:sldId id="263" r:id="rId13"/>
-    <p:sldId id="264" r:id="rId14"/>
-    <p:sldId id="265" r:id="rId15"/>
+    <p:sldId id="256" r:id="rId2"/>
+    <p:sldId id="257" r:id="rId3"/>
+    <p:sldId id="258" r:id="rId4"/>
+    <p:sldId id="259" r:id="rId5"/>
+    <p:sldId id="260" r:id="rId6"/>
+    <p:sldId id="261" r:id="rId7"/>
+    <p:sldId id="262" r:id="rId8"/>
+    <p:sldId id="263" r:id="rId9"/>
+    <p:sldId id="264" r:id="rId10"/>
+    <p:sldId id="265" r:id="rId11"/>
   </p:sldIdLst>
-  <p:sldSz cy="5143500" cx="9144000"/>
+  <p:sldSz cx="9144000" cy="5143500" type="screen16x9"/>
   <p:notesSz cx="6858000" cy="9144000"/>
   <p:defaultTextStyle>
-    <a:defPPr lvl="0" marR="0" rtl="0" algn="l">
+    <a:defPPr marR="0" lvl="0" algn="l" rtl="0">
       <a:lnSpc>
         <a:spcPct val="100000"/>
       </a:lnSpc>
@@ -33,7 +33,7 @@
         <a:spcPts val="0"/>
       </a:spcAft>
     </a:defPPr>
-    <a:lvl1pPr lvl="0" marR="0" rtl="0" algn="l">
+    <a:lvl1pPr marR="0" lvl="0" algn="l" rtl="0">
       <a:lnSpc>
         <a:spcPct val="100000"/>
       </a:lnSpc>
@@ -47,7 +47,7 @@
         <a:srgbClr val="000000"/>
       </a:buClr>
       <a:buFont typeface="Arial"/>
-      <a:defRPr b="0" i="0" sz="1400" u="none" cap="none" strike="noStrike">
+      <a:defRPr sz="1400" b="0" i="0" u="none" strike="noStrike" cap="none">
         <a:solidFill>
           <a:srgbClr val="000000"/>
         </a:solidFill>
@@ -57,7 +57,7 @@
         <a:sym typeface="Arial"/>
       </a:defRPr>
     </a:lvl1pPr>
-    <a:lvl2pPr lvl="1" marR="0" rtl="0" algn="l">
+    <a:lvl2pPr marR="0" lvl="1" algn="l" rtl="0">
       <a:lnSpc>
         <a:spcPct val="100000"/>
       </a:lnSpc>
@@ -71,7 +71,7 @@
         <a:srgbClr val="000000"/>
       </a:buClr>
       <a:buFont typeface="Arial"/>
-      <a:defRPr b="0" i="0" sz="1400" u="none" cap="none" strike="noStrike">
+      <a:defRPr sz="1400" b="0" i="0" u="none" strike="noStrike" cap="none">
         <a:solidFill>
           <a:srgbClr val="000000"/>
         </a:solidFill>
@@ -81,7 +81,7 @@
         <a:sym typeface="Arial"/>
       </a:defRPr>
     </a:lvl2pPr>
-    <a:lvl3pPr lvl="2" marR="0" rtl="0" algn="l">
+    <a:lvl3pPr marR="0" lvl="2" algn="l" rtl="0">
       <a:lnSpc>
         <a:spcPct val="100000"/>
       </a:lnSpc>
@@ -95,7 +95,7 @@
         <a:srgbClr val="000000"/>
       </a:buClr>
       <a:buFont typeface="Arial"/>
-      <a:defRPr b="0" i="0" sz="1400" u="none" cap="none" strike="noStrike">
+      <a:defRPr sz="1400" b="0" i="0" u="none" strike="noStrike" cap="none">
         <a:solidFill>
           <a:srgbClr val="000000"/>
         </a:solidFill>
@@ -105,7 +105,7 @@
         <a:sym typeface="Arial"/>
       </a:defRPr>
     </a:lvl3pPr>
-    <a:lvl4pPr lvl="3" marR="0" rtl="0" algn="l">
+    <a:lvl4pPr marR="0" lvl="3" algn="l" rtl="0">
       <a:lnSpc>
         <a:spcPct val="100000"/>
       </a:lnSpc>
@@ -119,7 +119,7 @@
         <a:srgbClr val="000000"/>
       </a:buClr>
       <a:buFont typeface="Arial"/>
-      <a:defRPr b="0" i="0" sz="1400" u="none" cap="none" strike="noStrike">
+      <a:defRPr sz="1400" b="0" i="0" u="none" strike="noStrike" cap="none">
         <a:solidFill>
           <a:srgbClr val="000000"/>
         </a:solidFill>
@@ -129,7 +129,7 @@
         <a:sym typeface="Arial"/>
       </a:defRPr>
     </a:lvl4pPr>
-    <a:lvl5pPr lvl="4" marR="0" rtl="0" algn="l">
+    <a:lvl5pPr marR="0" lvl="4" algn="l" rtl="0">
       <a:lnSpc>
         <a:spcPct val="100000"/>
       </a:lnSpc>
@@ -143,7 +143,7 @@
         <a:srgbClr val="000000"/>
       </a:buClr>
       <a:buFont typeface="Arial"/>
-      <a:defRPr b="0" i="0" sz="1400" u="none" cap="none" strike="noStrike">
+      <a:defRPr sz="1400" b="0" i="0" u="none" strike="noStrike" cap="none">
         <a:solidFill>
           <a:srgbClr val="000000"/>
         </a:solidFill>
@@ -153,7 +153,7 @@
         <a:sym typeface="Arial"/>
       </a:defRPr>
     </a:lvl5pPr>
-    <a:lvl6pPr lvl="5" marR="0" rtl="0" algn="l">
+    <a:lvl6pPr marR="0" lvl="5" algn="l" rtl="0">
       <a:lnSpc>
         <a:spcPct val="100000"/>
       </a:lnSpc>
@@ -167,7 +167,7 @@
         <a:srgbClr val="000000"/>
       </a:buClr>
       <a:buFont typeface="Arial"/>
-      <a:defRPr b="0" i="0" sz="1400" u="none" cap="none" strike="noStrike">
+      <a:defRPr sz="1400" b="0" i="0" u="none" strike="noStrike" cap="none">
         <a:solidFill>
           <a:srgbClr val="000000"/>
         </a:solidFill>
@@ -177,7 +177,7 @@
         <a:sym typeface="Arial"/>
       </a:defRPr>
     </a:lvl6pPr>
-    <a:lvl7pPr lvl="6" marR="0" rtl="0" algn="l">
+    <a:lvl7pPr marR="0" lvl="6" algn="l" rtl="0">
       <a:lnSpc>
         <a:spcPct val="100000"/>
       </a:lnSpc>
@@ -191,7 +191,7 @@
         <a:srgbClr val="000000"/>
       </a:buClr>
       <a:buFont typeface="Arial"/>
-      <a:defRPr b="0" i="0" sz="1400" u="none" cap="none" strike="noStrike">
+      <a:defRPr sz="1400" b="0" i="0" u="none" strike="noStrike" cap="none">
         <a:solidFill>
           <a:srgbClr val="000000"/>
         </a:solidFill>
@@ -201,7 +201,7 @@
         <a:sym typeface="Arial"/>
       </a:defRPr>
     </a:lvl7pPr>
-    <a:lvl8pPr lvl="7" marR="0" rtl="0" algn="l">
+    <a:lvl8pPr marR="0" lvl="7" algn="l" rtl="0">
       <a:lnSpc>
         <a:spcPct val="100000"/>
       </a:lnSpc>
@@ -215,7 +215,7 @@
         <a:srgbClr val="000000"/>
       </a:buClr>
       <a:buFont typeface="Arial"/>
-      <a:defRPr b="0" i="0" sz="1400" u="none" cap="none" strike="noStrike">
+      <a:defRPr sz="1400" b="0" i="0" u="none" strike="noStrike" cap="none">
         <a:solidFill>
           <a:srgbClr val="000000"/>
         </a:solidFill>
@@ -225,7 +225,7 @@
         <a:sym typeface="Arial"/>
       </a:defRPr>
     </a:lvl8pPr>
-    <a:lvl9pPr lvl="8" marR="0" rtl="0" algn="l">
+    <a:lvl9pPr marR="0" lvl="8" algn="l" rtl="0">
       <a:lnSpc>
         <a:spcPct val="100000"/>
       </a:lnSpc>
@@ -239,7 +239,7 @@
         <a:srgbClr val="000000"/>
       </a:buClr>
       <a:buFont typeface="Arial"/>
-      <a:defRPr b="0" i="0" sz="1400" u="none" cap="none" strike="noStrike">
+      <a:defRPr sz="1400" b="0" i="0" u="none" strike="noStrike" cap="none">
         <a:solidFill>
           <a:srgbClr val="000000"/>
         </a:solidFill>
@@ -252,7 +252,7 @@
   </p:defaultTextStyle>
   <p:extLst>
     <p:ext uri="{EFAFB233-063F-42B5-8137-9DF3F51BA10A}">
-      <p15:sldGuideLst>
+      <p15:sldGuideLst xmlns:p15="http://schemas.microsoft.com/office/powerpoint/2012/main">
         <p15:guide id="1" orient="horz" pos="1620">
           <p15:clr>
             <a:srgbClr val="A4A3A4"/>
@@ -270,11 +270,16 @@
 </file>
 
 <file path=ppt/notesMasters/notesMaster1.xml><?xml version="1.0" encoding="utf-8"?>
-<p:notesMaster xmlns:a="http://schemas.openxmlformats.org/drawingml/2006/main" xmlns:r="http://schemas.openxmlformats.org/officeDocument/2006/relationships" xmlns:mc="http://schemas.openxmlformats.org/markup-compatibility/2006" xmlns:mv="urn:schemas-microsoft-com:mac:vml" xmlns:p="http://schemas.openxmlformats.org/presentationml/2006/main" xmlns:c="http://schemas.openxmlformats.org/drawingml/2006/chart" xmlns:dgm="http://schemas.openxmlformats.org/drawingml/2006/diagram" xmlns:o="urn:schemas-microsoft-com:office:office" xmlns:v="urn:schemas-microsoft-com:vml" xmlns:pvml="urn:schemas-microsoft-com:office:powerpoint" xmlns:com="http://schemas.openxmlformats.org/drawingml/2006/compatibility" xmlns:p14="http://schemas.microsoft.com/office/powerpoint/2010/main" xmlns:p15="http://schemas.microsoft.com/office/powerpoint/2012/main" xmlns:ahyp="http://schemas.microsoft.com/office/drawing/2018/hyperlinkcolor">
+<p:notesMaster xmlns:a="http://schemas.openxmlformats.org/drawingml/2006/main" xmlns:r="http://schemas.openxmlformats.org/officeDocument/2006/relationships" xmlns:p="http://schemas.openxmlformats.org/presentationml/2006/main">
   <p:cSld>
+    <p:bg>
+      <p:bgRef idx="1001">
+        <a:schemeClr val="bg1"/>
+      </p:bgRef>
+    </p:bg>
     <p:spTree>
       <p:nvGrpSpPr>
-        <p:cNvPr id="2" name="Shape 2"/>
+        <p:cNvPr id="1" name="Shape 2"/>
         <p:cNvGrpSpPr/>
         <p:nvPr/>
       </p:nvGrpSpPr>
@@ -289,9 +294,11 @@
       <p:sp>
         <p:nvSpPr>
           <p:cNvPr id="3" name="Google Shape;3;n"/>
-          <p:cNvSpPr/>
+          <p:cNvSpPr>
+            <a:spLocks noGrp="1" noRot="1" noChangeAspect="1"/>
+          </p:cNvSpPr>
           <p:nvPr>
-            <p:ph idx="2" type="sldImg"/>
+            <p:ph type="sldImg" idx="2"/>
           </p:nvPr>
         </p:nvSpPr>
         <p:spPr>
@@ -300,9 +307,13 @@
             <a:ext cx="6096075" cy="3429000"/>
           </a:xfrm>
           <a:custGeom>
-            <a:rect b="b" l="l" r="r" t="t"/>
+            <a:avLst/>
+            <a:gdLst/>
+            <a:ahLst/>
+            <a:cxnLst/>
+            <a:rect l="l" t="t" r="r" b="b"/>
             <a:pathLst>
-              <a:path extrusionOk="0" h="120000" w="120000">
+              <a:path w="120000" h="120000" extrusionOk="0">
                 <a:moveTo>
                   <a:pt x="0" y="0"/>
                 </a:moveTo>
@@ -320,23 +331,25 @@
             </a:pathLst>
           </a:custGeom>
           <a:noFill/>
-          <a:ln cap="flat" cmpd="sng" w="9525">
+          <a:ln w="9525" cap="flat" cmpd="sng">
             <a:solidFill>
               <a:srgbClr val="000000"/>
             </a:solidFill>
             <a:prstDash val="solid"/>
             <a:round/>
-            <a:headEnd len="sm" w="sm" type="none"/>
-            <a:tailEnd len="sm" w="sm" type="none"/>
+            <a:headEnd type="none" w="sm" len="sm"/>
+            <a:tailEnd type="none" w="sm" len="sm"/>
           </a:ln>
         </p:spPr>
       </p:sp>
       <p:sp>
         <p:nvSpPr>
           <p:cNvPr id="4" name="Google Shape;4;n"/>
-          <p:cNvSpPr txBox="1"/>
+          <p:cNvSpPr txBox="1">
+            <a:spLocks noGrp="1"/>
+          </p:cNvSpPr>
           <p:nvPr>
-            <p:ph idx="1" type="body"/>
+            <p:ph type="body" idx="1"/>
           </p:nvPr>
         </p:nvSpPr>
         <p:spPr>
@@ -353,11 +366,11 @@
           </a:ln>
         </p:spPr>
         <p:txBody>
-          <a:bodyPr anchorCtr="0" anchor="t" bIns="91425" lIns="91425" spcFirstLastPara="1" rIns="91425" wrap="square" tIns="91425">
+          <a:bodyPr spcFirstLastPara="1" wrap="square" lIns="91425" tIns="91425" rIns="91425" bIns="91425" anchor="t" anchorCtr="0">
             <a:noAutofit/>
           </a:bodyPr>
           <a:lstStyle>
-            <a:lvl1pPr indent="-298450" lvl="0" marL="457200">
+            <a:lvl1pPr marL="457200" lvl="0" indent="-298450">
               <a:spcBef>
                 <a:spcPts val="0"/>
               </a:spcBef>
@@ -368,7 +381,7 @@
               <a:buChar char="●"/>
               <a:defRPr sz="1100"/>
             </a:lvl1pPr>
-            <a:lvl2pPr indent="-298450" lvl="1" marL="914400">
+            <a:lvl2pPr marL="914400" lvl="1" indent="-298450">
               <a:spcBef>
                 <a:spcPts val="0"/>
               </a:spcBef>
@@ -379,7 +392,7 @@
               <a:buChar char="○"/>
               <a:defRPr sz="1100"/>
             </a:lvl2pPr>
-            <a:lvl3pPr indent="-298450" lvl="2" marL="1371600">
+            <a:lvl3pPr marL="1371600" lvl="2" indent="-298450">
               <a:spcBef>
                 <a:spcPts val="0"/>
               </a:spcBef>
@@ -390,7 +403,7 @@
               <a:buChar char="■"/>
               <a:defRPr sz="1100"/>
             </a:lvl3pPr>
-            <a:lvl4pPr indent="-298450" lvl="3" marL="1828800">
+            <a:lvl4pPr marL="1828800" lvl="3" indent="-298450">
               <a:spcBef>
                 <a:spcPts val="0"/>
               </a:spcBef>
@@ -401,7 +414,7 @@
               <a:buChar char="●"/>
               <a:defRPr sz="1100"/>
             </a:lvl4pPr>
-            <a:lvl5pPr indent="-298450" lvl="4" marL="2286000">
+            <a:lvl5pPr marL="2286000" lvl="4" indent="-298450">
               <a:spcBef>
                 <a:spcPts val="0"/>
               </a:spcBef>
@@ -412,7 +425,7 @@
               <a:buChar char="○"/>
               <a:defRPr sz="1100"/>
             </a:lvl5pPr>
-            <a:lvl6pPr indent="-298450" lvl="5" marL="2743200">
+            <a:lvl6pPr marL="2743200" lvl="5" indent="-298450">
               <a:spcBef>
                 <a:spcPts val="0"/>
               </a:spcBef>
@@ -423,7 +436,7 @@
               <a:buChar char="■"/>
               <a:defRPr sz="1100"/>
             </a:lvl6pPr>
-            <a:lvl7pPr indent="-298450" lvl="6" marL="3200400">
+            <a:lvl7pPr marL="3200400" lvl="6" indent="-298450">
               <a:spcBef>
                 <a:spcPts val="0"/>
               </a:spcBef>
@@ -434,7 +447,7 @@
               <a:buChar char="●"/>
               <a:defRPr sz="1100"/>
             </a:lvl7pPr>
-            <a:lvl8pPr indent="-298450" lvl="7" marL="3657600">
+            <a:lvl8pPr marL="3657600" lvl="7" indent="-298450">
               <a:spcBef>
                 <a:spcPts val="0"/>
               </a:spcBef>
@@ -445,7 +458,7 @@
               <a:buChar char="○"/>
               <a:defRPr sz="1100"/>
             </a:lvl8pPr>
-            <a:lvl9pPr indent="-298450" lvl="8" marL="4114800">
+            <a:lvl9pPr marL="4114800" lvl="8" indent="-298450">
               <a:spcBef>
                 <a:spcPts val="0"/>
               </a:spcBef>
@@ -457,14 +470,16 @@
               <a:defRPr sz="1100"/>
             </a:lvl9pPr>
           </a:lstStyle>
-          <a:p/>
+          <a:p>
+            <a:endParaRPr/>
+          </a:p>
         </p:txBody>
       </p:sp>
     </p:spTree>
   </p:cSld>
-  <p:clrMap accent1="accent1" accent2="accent2" accent3="accent3" accent4="accent4" accent5="accent5" accent6="accent6" bg1="lt1" bg2="dk2" tx1="dk1" tx2="lt2" folHlink="folHlink" hlink="hlink"/>
+  <p:clrMap bg1="lt1" tx1="dk1" bg2="dk2" tx2="lt2" accent1="accent1" accent2="accent2" accent3="accent3" accent4="accent4" accent5="accent5" accent6="accent6" hlink="hlink" folHlink="folHlink"/>
   <p:notesStyle>
-    <a:defPPr lvl="0" marR="0" rtl="0" algn="l">
+    <a:defPPr marR="0" lvl="0" algn="l" rtl="0">
       <a:lnSpc>
         <a:spcPct val="100000"/>
       </a:lnSpc>
@@ -475,7 +490,7 @@
         <a:spcPts val="0"/>
       </a:spcAft>
     </a:defPPr>
-    <a:lvl1pPr lvl="0" marR="0" rtl="0" algn="l">
+    <a:lvl1pPr marR="0" lvl="0" algn="l" rtl="0">
       <a:lnSpc>
         <a:spcPct val="100000"/>
       </a:lnSpc>
@@ -489,7 +504,7 @@
         <a:srgbClr val="000000"/>
       </a:buClr>
       <a:buFont typeface="Arial"/>
-      <a:defRPr b="0" i="0" sz="1400" u="none" cap="none" strike="noStrike">
+      <a:defRPr sz="1400" b="0" i="0" u="none" strike="noStrike" cap="none">
         <a:solidFill>
           <a:srgbClr val="000000"/>
         </a:solidFill>
@@ -499,7 +514,7 @@
         <a:sym typeface="Arial"/>
       </a:defRPr>
     </a:lvl1pPr>
-    <a:lvl2pPr lvl="1" marR="0" rtl="0" algn="l">
+    <a:lvl2pPr marR="0" lvl="1" algn="l" rtl="0">
       <a:lnSpc>
         <a:spcPct val="100000"/>
       </a:lnSpc>
@@ -513,7 +528,7 @@
         <a:srgbClr val="000000"/>
       </a:buClr>
       <a:buFont typeface="Arial"/>
-      <a:defRPr b="0" i="0" sz="1400" u="none" cap="none" strike="noStrike">
+      <a:defRPr sz="1400" b="0" i="0" u="none" strike="noStrike" cap="none">
         <a:solidFill>
           <a:srgbClr val="000000"/>
         </a:solidFill>
@@ -523,7 +538,7 @@
         <a:sym typeface="Arial"/>
       </a:defRPr>
     </a:lvl2pPr>
-    <a:lvl3pPr lvl="2" marR="0" rtl="0" algn="l">
+    <a:lvl3pPr marR="0" lvl="2" algn="l" rtl="0">
       <a:lnSpc>
         <a:spcPct val="100000"/>
       </a:lnSpc>
@@ -537,7 +552,7 @@
         <a:srgbClr val="000000"/>
       </a:buClr>
       <a:buFont typeface="Arial"/>
-      <a:defRPr b="0" i="0" sz="1400" u="none" cap="none" strike="noStrike">
+      <a:defRPr sz="1400" b="0" i="0" u="none" strike="noStrike" cap="none">
         <a:solidFill>
           <a:srgbClr val="000000"/>
         </a:solidFill>
@@ -547,7 +562,7 @@
         <a:sym typeface="Arial"/>
       </a:defRPr>
     </a:lvl3pPr>
-    <a:lvl4pPr lvl="3" marR="0" rtl="0" algn="l">
+    <a:lvl4pPr marR="0" lvl="3" algn="l" rtl="0">
       <a:lnSpc>
         <a:spcPct val="100000"/>
       </a:lnSpc>
@@ -561,7 +576,7 @@
         <a:srgbClr val="000000"/>
       </a:buClr>
       <a:buFont typeface="Arial"/>
-      <a:defRPr b="0" i="0" sz="1400" u="none" cap="none" strike="noStrike">
+      <a:defRPr sz="1400" b="0" i="0" u="none" strike="noStrike" cap="none">
         <a:solidFill>
           <a:srgbClr val="000000"/>
         </a:solidFill>
@@ -571,7 +586,7 @@
         <a:sym typeface="Arial"/>
       </a:defRPr>
     </a:lvl4pPr>
-    <a:lvl5pPr lvl="4" marR="0" rtl="0" algn="l">
+    <a:lvl5pPr marR="0" lvl="4" algn="l" rtl="0">
       <a:lnSpc>
         <a:spcPct val="100000"/>
       </a:lnSpc>
@@ -585,7 +600,7 @@
         <a:srgbClr val="000000"/>
       </a:buClr>
       <a:buFont typeface="Arial"/>
-      <a:defRPr b="0" i="0" sz="1400" u="none" cap="none" strike="noStrike">
+      <a:defRPr sz="1400" b="0" i="0" u="none" strike="noStrike" cap="none">
         <a:solidFill>
           <a:srgbClr val="000000"/>
         </a:solidFill>
@@ -595,7 +610,7 @@
         <a:sym typeface="Arial"/>
       </a:defRPr>
     </a:lvl5pPr>
-    <a:lvl6pPr lvl="5" marR="0" rtl="0" algn="l">
+    <a:lvl6pPr marR="0" lvl="5" algn="l" rtl="0">
       <a:lnSpc>
         <a:spcPct val="100000"/>
       </a:lnSpc>
@@ -609,7 +624,7 @@
         <a:srgbClr val="000000"/>
       </a:buClr>
       <a:buFont typeface="Arial"/>
-      <a:defRPr b="0" i="0" sz="1400" u="none" cap="none" strike="noStrike">
+      <a:defRPr sz="1400" b="0" i="0" u="none" strike="noStrike" cap="none">
         <a:solidFill>
           <a:srgbClr val="000000"/>
         </a:solidFill>
@@ -619,7 +634,7 @@
         <a:sym typeface="Arial"/>
       </a:defRPr>
     </a:lvl6pPr>
-    <a:lvl7pPr lvl="6" marR="0" rtl="0" algn="l">
+    <a:lvl7pPr marR="0" lvl="6" algn="l" rtl="0">
       <a:lnSpc>
         <a:spcPct val="100000"/>
       </a:lnSpc>
@@ -633,7 +648,7 @@
         <a:srgbClr val="000000"/>
       </a:buClr>
       <a:buFont typeface="Arial"/>
-      <a:defRPr b="0" i="0" sz="1400" u="none" cap="none" strike="noStrike">
+      <a:defRPr sz="1400" b="0" i="0" u="none" strike="noStrike" cap="none">
         <a:solidFill>
           <a:srgbClr val="000000"/>
         </a:solidFill>
@@ -643,7 +658,7 @@
         <a:sym typeface="Arial"/>
       </a:defRPr>
     </a:lvl7pPr>
-    <a:lvl8pPr lvl="7" marR="0" rtl="0" algn="l">
+    <a:lvl8pPr marR="0" lvl="7" algn="l" rtl="0">
       <a:lnSpc>
         <a:spcPct val="100000"/>
       </a:lnSpc>
@@ -657,7 +672,7 @@
         <a:srgbClr val="000000"/>
       </a:buClr>
       <a:buFont typeface="Arial"/>
-      <a:defRPr b="0" i="0" sz="1400" u="none" cap="none" strike="noStrike">
+      <a:defRPr sz="1400" b="0" i="0" u="none" strike="noStrike" cap="none">
         <a:solidFill>
           <a:srgbClr val="000000"/>
         </a:solidFill>
@@ -667,7 +682,7 @@
         <a:sym typeface="Arial"/>
       </a:defRPr>
     </a:lvl8pPr>
-    <a:lvl9pPr lvl="8" marR="0" rtl="0" algn="l">
+    <a:lvl9pPr marR="0" lvl="8" algn="l" rtl="0">
       <a:lnSpc>
         <a:spcPct val="100000"/>
       </a:lnSpc>
@@ -681,7 +696,7 @@
         <a:srgbClr val="000000"/>
       </a:buClr>
       <a:buFont typeface="Arial"/>
-      <a:defRPr b="0" i="0" sz="1400" u="none" cap="none" strike="noStrike">
+      <a:defRPr sz="1400" b="0" i="0" u="none" strike="noStrike" cap="none">
         <a:solidFill>
           <a:srgbClr val="000000"/>
         </a:solidFill>
@@ -696,11 +711,11 @@
 </file>
 
 <file path=ppt/notesSlides/notesSlide1.xml><?xml version="1.0" encoding="utf-8"?>
-<p:notes xmlns:a="http://schemas.openxmlformats.org/drawingml/2006/main" xmlns:r="http://schemas.openxmlformats.org/officeDocument/2006/relationships" xmlns:mc="http://schemas.openxmlformats.org/markup-compatibility/2006" xmlns:mv="urn:schemas-microsoft-com:mac:vml" xmlns:p="http://schemas.openxmlformats.org/presentationml/2006/main" xmlns:c="http://schemas.openxmlformats.org/drawingml/2006/chart" xmlns:dgm="http://schemas.openxmlformats.org/drawingml/2006/diagram" xmlns:o="urn:schemas-microsoft-com:office:office" xmlns:v="urn:schemas-microsoft-com:vml" xmlns:pvml="urn:schemas-microsoft-com:office:powerpoint" xmlns:com="http://schemas.openxmlformats.org/drawingml/2006/compatibility" xmlns:p14="http://schemas.microsoft.com/office/powerpoint/2010/main" xmlns:p15="http://schemas.microsoft.com/office/powerpoint/2012/main" xmlns:ahyp="http://schemas.microsoft.com/office/drawing/2018/hyperlinkcolor" showMasterPhAnim="0" showMasterSp="0">
+<p:notes xmlns:a="http://schemas.openxmlformats.org/drawingml/2006/main" xmlns:r="http://schemas.openxmlformats.org/officeDocument/2006/relationships" xmlns:p="http://schemas.openxmlformats.org/presentationml/2006/main" showMasterSp="0" showMasterPhAnim="0">
   <p:cSld>
     <p:spTree>
       <p:nvGrpSpPr>
-        <p:cNvPr id="50" name="Shape 50"/>
+        <p:cNvPr id="1" name="Shape 50"/>
         <p:cNvGrpSpPr/>
         <p:nvPr/>
       </p:nvGrpSpPr>
@@ -715,9 +730,11 @@
       <p:sp>
         <p:nvSpPr>
           <p:cNvPr id="51" name="Google Shape;51;p:notes"/>
-          <p:cNvSpPr/>
+          <p:cNvSpPr>
+            <a:spLocks noGrp="1" noRot="1" noChangeAspect="1"/>
+          </p:cNvSpPr>
           <p:nvPr>
-            <p:ph idx="2" type="sldImg"/>
+            <p:ph type="sldImg" idx="2"/>
           </p:nvPr>
         </p:nvSpPr>
         <p:spPr>
@@ -726,9 +743,13 @@
             <a:ext cx="6096075" cy="3429000"/>
           </a:xfrm>
           <a:custGeom>
-            <a:rect b="b" l="l" r="r" t="t"/>
+            <a:avLst/>
+            <a:gdLst/>
+            <a:ahLst/>
+            <a:cxnLst/>
+            <a:rect l="l" t="t" r="r" b="b"/>
             <a:pathLst>
-              <a:path extrusionOk="0" h="120000" w="120000">
+              <a:path w="120000" h="120000" extrusionOk="0">
                 <a:moveTo>
                   <a:pt x="0" y="0"/>
                 </a:moveTo>
@@ -750,9 +771,11 @@
       <p:sp>
         <p:nvSpPr>
           <p:cNvPr id="52" name="Google Shape;52;p:notes"/>
-          <p:cNvSpPr txBox="1"/>
+          <p:cNvSpPr txBox="1">
+            <a:spLocks noGrp="1"/>
+          </p:cNvSpPr>
           <p:nvPr>
-            <p:ph idx="1" type="body"/>
+            <p:ph type="body" idx="1"/>
           </p:nvPr>
         </p:nvSpPr>
         <p:spPr>
@@ -765,12 +788,12 @@
           </a:prstGeom>
         </p:spPr>
         <p:txBody>
-          <a:bodyPr anchorCtr="0" anchor="t" bIns="91425" lIns="91425" spcFirstLastPara="1" rIns="91425" wrap="square" tIns="91425">
+          <a:bodyPr spcFirstLastPara="1" wrap="square" lIns="91425" tIns="91425" rIns="91425" bIns="91425" anchor="t" anchorCtr="0">
             <a:noAutofit/>
           </a:bodyPr>
           <a:lstStyle/>
           <a:p>
-            <a:pPr indent="0" lvl="0" marL="0" rtl="0" algn="l">
+            <a:pPr marL="0" lvl="0" indent="0" algn="l" rtl="0">
               <a:spcBef>
                 <a:spcPts val="0"/>
               </a:spcBef>
@@ -779,9 +802,6 @@
               </a:spcAft>
               <a:buNone/>
             </a:pPr>
-            <a:r>
-              <a:t/>
-            </a:r>
             <a:endParaRPr/>
           </a:p>
         </p:txBody>
@@ -795,11 +815,11 @@
 </file>
 
 <file path=ppt/notesSlides/notesSlide10.xml><?xml version="1.0" encoding="utf-8"?>
-<p:notes xmlns:a="http://schemas.openxmlformats.org/drawingml/2006/main" xmlns:r="http://schemas.openxmlformats.org/officeDocument/2006/relationships" xmlns:mc="http://schemas.openxmlformats.org/markup-compatibility/2006" xmlns:mv="urn:schemas-microsoft-com:mac:vml" xmlns:p="http://schemas.openxmlformats.org/presentationml/2006/main" xmlns:c="http://schemas.openxmlformats.org/drawingml/2006/chart" xmlns:dgm="http://schemas.openxmlformats.org/drawingml/2006/diagram" xmlns:o="urn:schemas-microsoft-com:office:office" xmlns:v="urn:schemas-microsoft-com:vml" xmlns:pvml="urn:schemas-microsoft-com:office:powerpoint" xmlns:com="http://schemas.openxmlformats.org/drawingml/2006/compatibility" xmlns:p14="http://schemas.microsoft.com/office/powerpoint/2010/main" xmlns:p15="http://schemas.microsoft.com/office/powerpoint/2012/main" xmlns:ahyp="http://schemas.microsoft.com/office/drawing/2018/hyperlinkcolor" showMasterPhAnim="0" showMasterSp="0">
+<p:notes xmlns:a="http://schemas.openxmlformats.org/drawingml/2006/main" xmlns:r="http://schemas.openxmlformats.org/officeDocument/2006/relationships" xmlns:p="http://schemas.openxmlformats.org/presentationml/2006/main" showMasterSp="0" showMasterPhAnim="0">
   <p:cSld>
     <p:spTree>
       <p:nvGrpSpPr>
-        <p:cNvPr id="112" name="Shape 112"/>
+        <p:cNvPr id="1" name="Shape 112"/>
         <p:cNvGrpSpPr/>
         <p:nvPr/>
       </p:nvGrpSpPr>
@@ -814,9 +834,11 @@
       <p:sp>
         <p:nvSpPr>
           <p:cNvPr id="113" name="Google Shape;113;g1d2aea97f5a_8_0:notes"/>
-          <p:cNvSpPr/>
+          <p:cNvSpPr>
+            <a:spLocks noGrp="1" noRot="1" noChangeAspect="1"/>
+          </p:cNvSpPr>
           <p:nvPr>
-            <p:ph idx="2" type="sldImg"/>
+            <p:ph type="sldImg" idx="2"/>
           </p:nvPr>
         </p:nvSpPr>
         <p:spPr>
@@ -825,9 +847,13 @@
             <a:ext cx="6096000" cy="3429000"/>
           </a:xfrm>
           <a:custGeom>
-            <a:rect b="b" l="l" r="r" t="t"/>
+            <a:avLst/>
+            <a:gdLst/>
+            <a:ahLst/>
+            <a:cxnLst/>
+            <a:rect l="l" t="t" r="r" b="b"/>
             <a:pathLst>
-              <a:path extrusionOk="0" h="120000" w="120000">
+              <a:path w="120000" h="120000" extrusionOk="0">
                 <a:moveTo>
                   <a:pt x="0" y="0"/>
                 </a:moveTo>
@@ -849,9 +875,11 @@
       <p:sp>
         <p:nvSpPr>
           <p:cNvPr id="114" name="Google Shape;114;g1d2aea97f5a_8_0:notes"/>
-          <p:cNvSpPr txBox="1"/>
+          <p:cNvSpPr txBox="1">
+            <a:spLocks noGrp="1"/>
+          </p:cNvSpPr>
           <p:nvPr>
-            <p:ph idx="1" type="body"/>
+            <p:ph type="body" idx="1"/>
           </p:nvPr>
         </p:nvSpPr>
         <p:spPr>
@@ -864,12 +892,12 @@
           </a:prstGeom>
         </p:spPr>
         <p:txBody>
-          <a:bodyPr anchorCtr="0" anchor="t" bIns="91425" lIns="91425" spcFirstLastPara="1" rIns="91425" wrap="square" tIns="91425">
+          <a:bodyPr spcFirstLastPara="1" wrap="square" lIns="91425" tIns="91425" rIns="91425" bIns="91425" anchor="t" anchorCtr="0">
             <a:noAutofit/>
           </a:bodyPr>
           <a:lstStyle/>
           <a:p>
-            <a:pPr indent="0" lvl="0" marL="0" rtl="0" algn="l">
+            <a:pPr marL="0" lvl="0" indent="0" algn="l" rtl="0">
               <a:spcBef>
                 <a:spcPts val="0"/>
               </a:spcBef>
@@ -878,9 +906,6 @@
               </a:spcAft>
               <a:buNone/>
             </a:pPr>
-            <a:r>
-              <a:t/>
-            </a:r>
             <a:endParaRPr/>
           </a:p>
         </p:txBody>
@@ -894,11 +919,11 @@
 </file>
 
 <file path=ppt/notesSlides/notesSlide2.xml><?xml version="1.0" encoding="utf-8"?>
-<p:notes xmlns:a="http://schemas.openxmlformats.org/drawingml/2006/main" xmlns:r="http://schemas.openxmlformats.org/officeDocument/2006/relationships" xmlns:mc="http://schemas.openxmlformats.org/markup-compatibility/2006" xmlns:mv="urn:schemas-microsoft-com:mac:vml" xmlns:p="http://schemas.openxmlformats.org/presentationml/2006/main" xmlns:c="http://schemas.openxmlformats.org/drawingml/2006/chart" xmlns:dgm="http://schemas.openxmlformats.org/drawingml/2006/diagram" xmlns:o="urn:schemas-microsoft-com:office:office" xmlns:v="urn:schemas-microsoft-com:vml" xmlns:pvml="urn:schemas-microsoft-com:office:powerpoint" xmlns:com="http://schemas.openxmlformats.org/drawingml/2006/compatibility" xmlns:p14="http://schemas.microsoft.com/office/powerpoint/2010/main" xmlns:p15="http://schemas.microsoft.com/office/powerpoint/2012/main" xmlns:ahyp="http://schemas.microsoft.com/office/drawing/2018/hyperlinkcolor" showMasterPhAnim="0" showMasterSp="0">
+<p:notes xmlns:a="http://schemas.openxmlformats.org/drawingml/2006/main" xmlns:r="http://schemas.openxmlformats.org/officeDocument/2006/relationships" xmlns:p="http://schemas.openxmlformats.org/presentationml/2006/main" showMasterSp="0" showMasterPhAnim="0">
   <p:cSld>
     <p:spTree>
       <p:nvGrpSpPr>
-        <p:cNvPr id="57" name="Shape 57"/>
+        <p:cNvPr id="1" name="Shape 57"/>
         <p:cNvGrpSpPr/>
         <p:nvPr/>
       </p:nvGrpSpPr>
@@ -913,9 +938,11 @@
       <p:sp>
         <p:nvSpPr>
           <p:cNvPr id="58" name="Google Shape;58;g1d2ad6a59b9_0_45:notes"/>
-          <p:cNvSpPr/>
+          <p:cNvSpPr>
+            <a:spLocks noGrp="1" noRot="1" noChangeAspect="1"/>
+          </p:cNvSpPr>
           <p:nvPr>
-            <p:ph idx="2" type="sldImg"/>
+            <p:ph type="sldImg" idx="2"/>
           </p:nvPr>
         </p:nvSpPr>
         <p:spPr>
@@ -924,9 +951,13 @@
             <a:ext cx="6096000" cy="3429000"/>
           </a:xfrm>
           <a:custGeom>
-            <a:rect b="b" l="l" r="r" t="t"/>
+            <a:avLst/>
+            <a:gdLst/>
+            <a:ahLst/>
+            <a:cxnLst/>
+            <a:rect l="l" t="t" r="r" b="b"/>
             <a:pathLst>
-              <a:path extrusionOk="0" h="120000" w="120000">
+              <a:path w="120000" h="120000" extrusionOk="0">
                 <a:moveTo>
                   <a:pt x="0" y="0"/>
                 </a:moveTo>
@@ -948,9 +979,11 @@
       <p:sp>
         <p:nvSpPr>
           <p:cNvPr id="59" name="Google Shape;59;g1d2ad6a59b9_0_45:notes"/>
-          <p:cNvSpPr txBox="1"/>
+          <p:cNvSpPr txBox="1">
+            <a:spLocks noGrp="1"/>
+          </p:cNvSpPr>
           <p:nvPr>
-            <p:ph idx="1" type="body"/>
+            <p:ph type="body" idx="1"/>
           </p:nvPr>
         </p:nvSpPr>
         <p:spPr>
@@ -963,12 +996,12 @@
           </a:prstGeom>
         </p:spPr>
         <p:txBody>
-          <a:bodyPr anchorCtr="0" anchor="t" bIns="91425" lIns="91425" spcFirstLastPara="1" rIns="91425" wrap="square" tIns="91425">
+          <a:bodyPr spcFirstLastPara="1" wrap="square" lIns="91425" tIns="91425" rIns="91425" bIns="91425" anchor="t" anchorCtr="0">
             <a:noAutofit/>
           </a:bodyPr>
           <a:lstStyle/>
           <a:p>
-            <a:pPr indent="0" lvl="0" marL="0" rtl="0" algn="l">
+            <a:pPr marL="0" lvl="0" indent="0" algn="l" rtl="0">
               <a:spcBef>
                 <a:spcPts val="0"/>
               </a:spcBef>
@@ -977,9 +1010,6 @@
               </a:spcAft>
               <a:buNone/>
             </a:pPr>
-            <a:r>
-              <a:t/>
-            </a:r>
             <a:endParaRPr/>
           </a:p>
         </p:txBody>
@@ -993,11 +1023,11 @@
 </file>
 
 <file path=ppt/notesSlides/notesSlide3.xml><?xml version="1.0" encoding="utf-8"?>
-<p:notes xmlns:a="http://schemas.openxmlformats.org/drawingml/2006/main" xmlns:r="http://schemas.openxmlformats.org/officeDocument/2006/relationships" xmlns:mc="http://schemas.openxmlformats.org/markup-compatibility/2006" xmlns:mv="urn:schemas-microsoft-com:mac:vml" xmlns:p="http://schemas.openxmlformats.org/presentationml/2006/main" xmlns:c="http://schemas.openxmlformats.org/drawingml/2006/chart" xmlns:dgm="http://schemas.openxmlformats.org/drawingml/2006/diagram" xmlns:o="urn:schemas-microsoft-com:office:office" xmlns:v="urn:schemas-microsoft-com:vml" xmlns:pvml="urn:schemas-microsoft-com:office:powerpoint" xmlns:com="http://schemas.openxmlformats.org/drawingml/2006/compatibility" xmlns:p14="http://schemas.microsoft.com/office/powerpoint/2010/main" xmlns:p15="http://schemas.microsoft.com/office/powerpoint/2012/main" xmlns:ahyp="http://schemas.microsoft.com/office/drawing/2018/hyperlinkcolor" showMasterPhAnim="0" showMasterSp="0">
+<p:notes xmlns:a="http://schemas.openxmlformats.org/drawingml/2006/main" xmlns:r="http://schemas.openxmlformats.org/officeDocument/2006/relationships" xmlns:p="http://schemas.openxmlformats.org/presentationml/2006/main" showMasterSp="0" showMasterPhAnim="0">
   <p:cSld>
     <p:spTree>
       <p:nvGrpSpPr>
-        <p:cNvPr id="64" name="Shape 64"/>
+        <p:cNvPr id="1" name="Shape 64"/>
         <p:cNvGrpSpPr/>
         <p:nvPr/>
       </p:nvGrpSpPr>
@@ -1012,9 +1042,11 @@
       <p:sp>
         <p:nvSpPr>
           <p:cNvPr id="65" name="Google Shape;65;g1d2ad6a59b9_0_60:notes"/>
-          <p:cNvSpPr/>
+          <p:cNvSpPr>
+            <a:spLocks noGrp="1" noRot="1" noChangeAspect="1"/>
+          </p:cNvSpPr>
           <p:nvPr>
-            <p:ph idx="2" type="sldImg"/>
+            <p:ph type="sldImg" idx="2"/>
           </p:nvPr>
         </p:nvSpPr>
         <p:spPr>
@@ -1023,9 +1055,13 @@
             <a:ext cx="6096000" cy="3429000"/>
           </a:xfrm>
           <a:custGeom>
-            <a:rect b="b" l="l" r="r" t="t"/>
+            <a:avLst/>
+            <a:gdLst/>
+            <a:ahLst/>
+            <a:cxnLst/>
+            <a:rect l="l" t="t" r="r" b="b"/>
             <a:pathLst>
-              <a:path extrusionOk="0" h="120000" w="120000">
+              <a:path w="120000" h="120000" extrusionOk="0">
                 <a:moveTo>
                   <a:pt x="0" y="0"/>
                 </a:moveTo>
@@ -1047,9 +1083,11 @@
       <p:sp>
         <p:nvSpPr>
           <p:cNvPr id="66" name="Google Shape;66;g1d2ad6a59b9_0_60:notes"/>
-          <p:cNvSpPr txBox="1"/>
+          <p:cNvSpPr txBox="1">
+            <a:spLocks noGrp="1"/>
+          </p:cNvSpPr>
           <p:nvPr>
-            <p:ph idx="1" type="body"/>
+            <p:ph type="body" idx="1"/>
           </p:nvPr>
         </p:nvSpPr>
         <p:spPr>
@@ -1062,12 +1100,12 @@
           </a:prstGeom>
         </p:spPr>
         <p:txBody>
-          <a:bodyPr anchorCtr="0" anchor="t" bIns="91425" lIns="91425" spcFirstLastPara="1" rIns="91425" wrap="square" tIns="91425">
+          <a:bodyPr spcFirstLastPara="1" wrap="square" lIns="91425" tIns="91425" rIns="91425" bIns="91425" anchor="t" anchorCtr="0">
             <a:noAutofit/>
           </a:bodyPr>
           <a:lstStyle/>
           <a:p>
-            <a:pPr indent="0" lvl="0" marL="0" rtl="0" algn="l">
+            <a:pPr marL="0" lvl="0" indent="0" algn="l" rtl="0">
               <a:spcBef>
                 <a:spcPts val="0"/>
               </a:spcBef>
@@ -1076,9 +1114,6 @@
               </a:spcAft>
               <a:buNone/>
             </a:pPr>
-            <a:r>
-              <a:t/>
-            </a:r>
             <a:endParaRPr/>
           </a:p>
         </p:txBody>
@@ -1092,11 +1127,11 @@
 </file>
 
 <file path=ppt/notesSlides/notesSlide4.xml><?xml version="1.0" encoding="utf-8"?>
-<p:notes xmlns:a="http://schemas.openxmlformats.org/drawingml/2006/main" xmlns:r="http://schemas.openxmlformats.org/officeDocument/2006/relationships" xmlns:mc="http://schemas.openxmlformats.org/markup-compatibility/2006" xmlns:mv="urn:schemas-microsoft-com:mac:vml" xmlns:p="http://schemas.openxmlformats.org/presentationml/2006/main" xmlns:c="http://schemas.openxmlformats.org/drawingml/2006/chart" xmlns:dgm="http://schemas.openxmlformats.org/drawingml/2006/diagram" xmlns:o="urn:schemas-microsoft-com:office:office" xmlns:v="urn:schemas-microsoft-com:vml" xmlns:pvml="urn:schemas-microsoft-com:office:powerpoint" xmlns:com="http://schemas.openxmlformats.org/drawingml/2006/compatibility" xmlns:p14="http://schemas.microsoft.com/office/powerpoint/2010/main" xmlns:p15="http://schemas.microsoft.com/office/powerpoint/2012/main" xmlns:ahyp="http://schemas.microsoft.com/office/drawing/2018/hyperlinkcolor" showMasterPhAnim="0" showMasterSp="0">
+<p:notes xmlns:a="http://schemas.openxmlformats.org/drawingml/2006/main" xmlns:r="http://schemas.openxmlformats.org/officeDocument/2006/relationships" xmlns:p="http://schemas.openxmlformats.org/presentationml/2006/main" showMasterSp="0" showMasterPhAnim="0">
   <p:cSld>
     <p:spTree>
       <p:nvGrpSpPr>
-        <p:cNvPr id="71" name="Shape 71"/>
+        <p:cNvPr id="1" name="Shape 71"/>
         <p:cNvGrpSpPr/>
         <p:nvPr/>
       </p:nvGrpSpPr>
@@ -1111,9 +1146,11 @@
       <p:sp>
         <p:nvSpPr>
           <p:cNvPr id="72" name="Google Shape;72;g1d2ad6a59b9_0_67:notes"/>
-          <p:cNvSpPr/>
+          <p:cNvSpPr>
+            <a:spLocks noGrp="1" noRot="1" noChangeAspect="1"/>
+          </p:cNvSpPr>
           <p:nvPr>
-            <p:ph idx="2" type="sldImg"/>
+            <p:ph type="sldImg" idx="2"/>
           </p:nvPr>
         </p:nvSpPr>
         <p:spPr>
@@ -1122,9 +1159,13 @@
             <a:ext cx="6096000" cy="3429000"/>
           </a:xfrm>
           <a:custGeom>
-            <a:rect b="b" l="l" r="r" t="t"/>
+            <a:avLst/>
+            <a:gdLst/>
+            <a:ahLst/>
+            <a:cxnLst/>
+            <a:rect l="l" t="t" r="r" b="b"/>
             <a:pathLst>
-              <a:path extrusionOk="0" h="120000" w="120000">
+              <a:path w="120000" h="120000" extrusionOk="0">
                 <a:moveTo>
                   <a:pt x="0" y="0"/>
                 </a:moveTo>
@@ -1146,9 +1187,11 @@
       <p:sp>
         <p:nvSpPr>
           <p:cNvPr id="73" name="Google Shape;73;g1d2ad6a59b9_0_67:notes"/>
-          <p:cNvSpPr txBox="1"/>
+          <p:cNvSpPr txBox="1">
+            <a:spLocks noGrp="1"/>
+          </p:cNvSpPr>
           <p:nvPr>
-            <p:ph idx="1" type="body"/>
+            <p:ph type="body" idx="1"/>
           </p:nvPr>
         </p:nvSpPr>
         <p:spPr>
@@ -1161,12 +1204,12 @@
           </a:prstGeom>
         </p:spPr>
         <p:txBody>
-          <a:bodyPr anchorCtr="0" anchor="t" bIns="91425" lIns="91425" spcFirstLastPara="1" rIns="91425" wrap="square" tIns="91425">
+          <a:bodyPr spcFirstLastPara="1" wrap="square" lIns="91425" tIns="91425" rIns="91425" bIns="91425" anchor="t" anchorCtr="0">
             <a:noAutofit/>
           </a:bodyPr>
           <a:lstStyle/>
           <a:p>
-            <a:pPr indent="0" lvl="0" marL="0" rtl="0" algn="l">
+            <a:pPr marL="0" lvl="0" indent="0" algn="l" rtl="0">
               <a:spcBef>
                 <a:spcPts val="0"/>
               </a:spcBef>
@@ -1175,9 +1218,6 @@
               </a:spcAft>
               <a:buNone/>
             </a:pPr>
-            <a:r>
-              <a:t/>
-            </a:r>
             <a:endParaRPr/>
           </a:p>
         </p:txBody>
@@ -1191,11 +1231,11 @@
 </file>
 
 <file path=ppt/notesSlides/notesSlide5.xml><?xml version="1.0" encoding="utf-8"?>
-<p:notes xmlns:a="http://schemas.openxmlformats.org/drawingml/2006/main" xmlns:r="http://schemas.openxmlformats.org/officeDocument/2006/relationships" xmlns:mc="http://schemas.openxmlformats.org/markup-compatibility/2006" xmlns:mv="urn:schemas-microsoft-com:mac:vml" xmlns:p="http://schemas.openxmlformats.org/presentationml/2006/main" xmlns:c="http://schemas.openxmlformats.org/drawingml/2006/chart" xmlns:dgm="http://schemas.openxmlformats.org/drawingml/2006/diagram" xmlns:o="urn:schemas-microsoft-com:office:office" xmlns:v="urn:schemas-microsoft-com:vml" xmlns:pvml="urn:schemas-microsoft-com:office:powerpoint" xmlns:com="http://schemas.openxmlformats.org/drawingml/2006/compatibility" xmlns:p14="http://schemas.microsoft.com/office/powerpoint/2010/main" xmlns:p15="http://schemas.microsoft.com/office/powerpoint/2012/main" xmlns:ahyp="http://schemas.microsoft.com/office/drawing/2018/hyperlinkcolor" showMasterPhAnim="0" showMasterSp="0">
+<p:notes xmlns:a="http://schemas.openxmlformats.org/drawingml/2006/main" xmlns:r="http://schemas.openxmlformats.org/officeDocument/2006/relationships" xmlns:p="http://schemas.openxmlformats.org/presentationml/2006/main" showMasterSp="0" showMasterPhAnim="0">
   <p:cSld>
     <p:spTree>
       <p:nvGrpSpPr>
-        <p:cNvPr id="78" name="Shape 78"/>
+        <p:cNvPr id="1" name="Shape 78"/>
         <p:cNvGrpSpPr/>
         <p:nvPr/>
       </p:nvGrpSpPr>
@@ -1210,9 +1250,11 @@
       <p:sp>
         <p:nvSpPr>
           <p:cNvPr id="79" name="Google Shape;79;g1d2ad6a59b9_0_74:notes"/>
-          <p:cNvSpPr/>
+          <p:cNvSpPr>
+            <a:spLocks noGrp="1" noRot="1" noChangeAspect="1"/>
+          </p:cNvSpPr>
           <p:nvPr>
-            <p:ph idx="2" type="sldImg"/>
+            <p:ph type="sldImg" idx="2"/>
           </p:nvPr>
         </p:nvSpPr>
         <p:spPr>
@@ -1221,9 +1263,13 @@
             <a:ext cx="6096000" cy="3429000"/>
           </a:xfrm>
           <a:custGeom>
-            <a:rect b="b" l="l" r="r" t="t"/>
+            <a:avLst/>
+            <a:gdLst/>
+            <a:ahLst/>
+            <a:cxnLst/>
+            <a:rect l="l" t="t" r="r" b="b"/>
             <a:pathLst>
-              <a:path extrusionOk="0" h="120000" w="120000">
+              <a:path w="120000" h="120000" extrusionOk="0">
                 <a:moveTo>
                   <a:pt x="0" y="0"/>
                 </a:moveTo>
@@ -1245,9 +1291,11 @@
       <p:sp>
         <p:nvSpPr>
           <p:cNvPr id="80" name="Google Shape;80;g1d2ad6a59b9_0_74:notes"/>
-          <p:cNvSpPr txBox="1"/>
+          <p:cNvSpPr txBox="1">
+            <a:spLocks noGrp="1"/>
+          </p:cNvSpPr>
           <p:nvPr>
-            <p:ph idx="1" type="body"/>
+            <p:ph type="body" idx="1"/>
           </p:nvPr>
         </p:nvSpPr>
         <p:spPr>
@@ -1260,12 +1308,12 @@
           </a:prstGeom>
         </p:spPr>
         <p:txBody>
-          <a:bodyPr anchorCtr="0" anchor="t" bIns="91425" lIns="91425" spcFirstLastPara="1" rIns="91425" wrap="square" tIns="91425">
+          <a:bodyPr spcFirstLastPara="1" wrap="square" lIns="91425" tIns="91425" rIns="91425" bIns="91425" anchor="t" anchorCtr="0">
             <a:noAutofit/>
           </a:bodyPr>
           <a:lstStyle/>
           <a:p>
-            <a:pPr indent="0" lvl="0" marL="0" rtl="0" algn="l">
+            <a:pPr marL="0" lvl="0" indent="0" algn="l" rtl="0">
               <a:spcBef>
                 <a:spcPts val="0"/>
               </a:spcBef>
@@ -1274,9 +1322,6 @@
               </a:spcAft>
               <a:buNone/>
             </a:pPr>
-            <a:r>
-              <a:t/>
-            </a:r>
             <a:endParaRPr/>
           </a:p>
         </p:txBody>
@@ -1290,11 +1335,11 @@
 </file>
 
 <file path=ppt/notesSlides/notesSlide6.xml><?xml version="1.0" encoding="utf-8"?>
-<p:notes xmlns:a="http://schemas.openxmlformats.org/drawingml/2006/main" xmlns:r="http://schemas.openxmlformats.org/officeDocument/2006/relationships" xmlns:mc="http://schemas.openxmlformats.org/markup-compatibility/2006" xmlns:mv="urn:schemas-microsoft-com:mac:vml" xmlns:p="http://schemas.openxmlformats.org/presentationml/2006/main" xmlns:c="http://schemas.openxmlformats.org/drawingml/2006/chart" xmlns:dgm="http://schemas.openxmlformats.org/drawingml/2006/diagram" xmlns:o="urn:schemas-microsoft-com:office:office" xmlns:v="urn:schemas-microsoft-com:vml" xmlns:pvml="urn:schemas-microsoft-com:office:powerpoint" xmlns:com="http://schemas.openxmlformats.org/drawingml/2006/compatibility" xmlns:p14="http://schemas.microsoft.com/office/powerpoint/2010/main" xmlns:p15="http://schemas.microsoft.com/office/powerpoint/2012/main" xmlns:ahyp="http://schemas.microsoft.com/office/drawing/2018/hyperlinkcolor" showMasterPhAnim="0" showMasterSp="0">
+<p:notes xmlns:a="http://schemas.openxmlformats.org/drawingml/2006/main" xmlns:r="http://schemas.openxmlformats.org/officeDocument/2006/relationships" xmlns:p="http://schemas.openxmlformats.org/presentationml/2006/main" showMasterSp="0" showMasterPhAnim="0">
   <p:cSld>
     <p:spTree>
       <p:nvGrpSpPr>
-        <p:cNvPr id="85" name="Shape 85"/>
+        <p:cNvPr id="1" name="Shape 85"/>
         <p:cNvGrpSpPr/>
         <p:nvPr/>
       </p:nvGrpSpPr>
@@ -1309,9 +1354,11 @@
       <p:sp>
         <p:nvSpPr>
           <p:cNvPr id="86" name="Google Shape;86;g1d2ad6a59b9_0_82:notes"/>
-          <p:cNvSpPr/>
+          <p:cNvSpPr>
+            <a:spLocks noGrp="1" noRot="1" noChangeAspect="1"/>
+          </p:cNvSpPr>
           <p:nvPr>
-            <p:ph idx="2" type="sldImg"/>
+            <p:ph type="sldImg" idx="2"/>
           </p:nvPr>
         </p:nvSpPr>
         <p:spPr>
@@ -1320,9 +1367,13 @@
             <a:ext cx="6096000" cy="3429000"/>
           </a:xfrm>
           <a:custGeom>
-            <a:rect b="b" l="l" r="r" t="t"/>
+            <a:avLst/>
+            <a:gdLst/>
+            <a:ahLst/>
+            <a:cxnLst/>
+            <a:rect l="l" t="t" r="r" b="b"/>
             <a:pathLst>
-              <a:path extrusionOk="0" h="120000" w="120000">
+              <a:path w="120000" h="120000" extrusionOk="0">
                 <a:moveTo>
                   <a:pt x="0" y="0"/>
                 </a:moveTo>
@@ -1344,9 +1395,11 @@
       <p:sp>
         <p:nvSpPr>
           <p:cNvPr id="87" name="Google Shape;87;g1d2ad6a59b9_0_82:notes"/>
-          <p:cNvSpPr txBox="1"/>
+          <p:cNvSpPr txBox="1">
+            <a:spLocks noGrp="1"/>
+          </p:cNvSpPr>
           <p:nvPr>
-            <p:ph idx="1" type="body"/>
+            <p:ph type="body" idx="1"/>
           </p:nvPr>
         </p:nvSpPr>
         <p:spPr>
@@ -1359,12 +1412,12 @@
           </a:prstGeom>
         </p:spPr>
         <p:txBody>
-          <a:bodyPr anchorCtr="0" anchor="t" bIns="91425" lIns="91425" spcFirstLastPara="1" rIns="91425" wrap="square" tIns="91425">
+          <a:bodyPr spcFirstLastPara="1" wrap="square" lIns="91425" tIns="91425" rIns="91425" bIns="91425" anchor="t" anchorCtr="0">
             <a:noAutofit/>
           </a:bodyPr>
           <a:lstStyle/>
           <a:p>
-            <a:pPr indent="0" lvl="0" marL="0" rtl="0" algn="l">
+            <a:pPr marL="0" lvl="0" indent="0" algn="l" rtl="0">
               <a:spcBef>
                 <a:spcPts val="0"/>
               </a:spcBef>
@@ -1373,9 +1426,6 @@
               </a:spcAft>
               <a:buNone/>
             </a:pPr>
-            <a:r>
-              <a:t/>
-            </a:r>
             <a:endParaRPr/>
           </a:p>
         </p:txBody>
@@ -1389,11 +1439,11 @@
 </file>
 
 <file path=ppt/notesSlides/notesSlide7.xml><?xml version="1.0" encoding="utf-8"?>
-<p:notes xmlns:a="http://schemas.openxmlformats.org/drawingml/2006/main" xmlns:r="http://schemas.openxmlformats.org/officeDocument/2006/relationships" xmlns:mc="http://schemas.openxmlformats.org/markup-compatibility/2006" xmlns:mv="urn:schemas-microsoft-com:mac:vml" xmlns:p="http://schemas.openxmlformats.org/presentationml/2006/main" xmlns:c="http://schemas.openxmlformats.org/drawingml/2006/chart" xmlns:dgm="http://schemas.openxmlformats.org/drawingml/2006/diagram" xmlns:o="urn:schemas-microsoft-com:office:office" xmlns:v="urn:schemas-microsoft-com:vml" xmlns:pvml="urn:schemas-microsoft-com:office:powerpoint" xmlns:com="http://schemas.openxmlformats.org/drawingml/2006/compatibility" xmlns:p14="http://schemas.microsoft.com/office/powerpoint/2010/main" xmlns:p15="http://schemas.microsoft.com/office/powerpoint/2012/main" xmlns:ahyp="http://schemas.microsoft.com/office/drawing/2018/hyperlinkcolor" showMasterPhAnim="0" showMasterSp="0">
+<p:notes xmlns:a="http://schemas.openxmlformats.org/drawingml/2006/main" xmlns:r="http://schemas.openxmlformats.org/officeDocument/2006/relationships" xmlns:p="http://schemas.openxmlformats.org/presentationml/2006/main" showMasterSp="0" showMasterPhAnim="0">
   <p:cSld>
     <p:spTree>
       <p:nvGrpSpPr>
-        <p:cNvPr id="92" name="Shape 92"/>
+        <p:cNvPr id="1" name="Shape 92"/>
         <p:cNvGrpSpPr/>
         <p:nvPr/>
       </p:nvGrpSpPr>
@@ -1408,9 +1458,11 @@
       <p:sp>
         <p:nvSpPr>
           <p:cNvPr id="93" name="Google Shape;93;g1d2ad6a59b9_0_93:notes"/>
-          <p:cNvSpPr/>
+          <p:cNvSpPr>
+            <a:spLocks noGrp="1" noRot="1" noChangeAspect="1"/>
+          </p:cNvSpPr>
           <p:nvPr>
-            <p:ph idx="2" type="sldImg"/>
+            <p:ph type="sldImg" idx="2"/>
           </p:nvPr>
         </p:nvSpPr>
         <p:spPr>
@@ -1419,9 +1471,13 @@
             <a:ext cx="6096000" cy="3429000"/>
           </a:xfrm>
           <a:custGeom>
-            <a:rect b="b" l="l" r="r" t="t"/>
+            <a:avLst/>
+            <a:gdLst/>
+            <a:ahLst/>
+            <a:cxnLst/>
+            <a:rect l="l" t="t" r="r" b="b"/>
             <a:pathLst>
-              <a:path extrusionOk="0" h="120000" w="120000">
+              <a:path w="120000" h="120000" extrusionOk="0">
                 <a:moveTo>
                   <a:pt x="0" y="0"/>
                 </a:moveTo>
@@ -1443,9 +1499,11 @@
       <p:sp>
         <p:nvSpPr>
           <p:cNvPr id="94" name="Google Shape;94;g1d2ad6a59b9_0_93:notes"/>
-          <p:cNvSpPr txBox="1"/>
+          <p:cNvSpPr txBox="1">
+            <a:spLocks noGrp="1"/>
+          </p:cNvSpPr>
           <p:nvPr>
-            <p:ph idx="1" type="body"/>
+            <p:ph type="body" idx="1"/>
           </p:nvPr>
         </p:nvSpPr>
         <p:spPr>
@@ -1458,12 +1516,12 @@
           </a:prstGeom>
         </p:spPr>
         <p:txBody>
-          <a:bodyPr anchorCtr="0" anchor="t" bIns="91425" lIns="91425" spcFirstLastPara="1" rIns="91425" wrap="square" tIns="91425">
+          <a:bodyPr spcFirstLastPara="1" wrap="square" lIns="91425" tIns="91425" rIns="91425" bIns="91425" anchor="t" anchorCtr="0">
             <a:noAutofit/>
           </a:bodyPr>
           <a:lstStyle/>
           <a:p>
-            <a:pPr indent="0" lvl="0" marL="0" rtl="0" algn="l">
+            <a:pPr marL="0" lvl="0" indent="0" algn="l" rtl="0">
               <a:spcBef>
                 <a:spcPts val="0"/>
               </a:spcBef>
@@ -1472,9 +1530,6 @@
               </a:spcAft>
               <a:buNone/>
             </a:pPr>
-            <a:r>
-              <a:t/>
-            </a:r>
             <a:endParaRPr/>
           </a:p>
         </p:txBody>
@@ -1488,11 +1543,11 @@
 </file>
 
 <file path=ppt/notesSlides/notesSlide8.xml><?xml version="1.0" encoding="utf-8"?>
-<p:notes xmlns:a="http://schemas.openxmlformats.org/drawingml/2006/main" xmlns:r="http://schemas.openxmlformats.org/officeDocument/2006/relationships" xmlns:mc="http://schemas.openxmlformats.org/markup-compatibility/2006" xmlns:mv="urn:schemas-microsoft-com:mac:vml" xmlns:p="http://schemas.openxmlformats.org/presentationml/2006/main" xmlns:c="http://schemas.openxmlformats.org/drawingml/2006/chart" xmlns:dgm="http://schemas.openxmlformats.org/drawingml/2006/diagram" xmlns:o="urn:schemas-microsoft-com:office:office" xmlns:v="urn:schemas-microsoft-com:vml" xmlns:pvml="urn:schemas-microsoft-com:office:powerpoint" xmlns:com="http://schemas.openxmlformats.org/drawingml/2006/compatibility" xmlns:p14="http://schemas.microsoft.com/office/powerpoint/2010/main" xmlns:p15="http://schemas.microsoft.com/office/powerpoint/2012/main" xmlns:ahyp="http://schemas.microsoft.com/office/drawing/2018/hyperlinkcolor" showMasterPhAnim="0" showMasterSp="0">
+<p:notes xmlns:a="http://schemas.openxmlformats.org/drawingml/2006/main" xmlns:r="http://schemas.openxmlformats.org/officeDocument/2006/relationships" xmlns:p="http://schemas.openxmlformats.org/presentationml/2006/main" showMasterSp="0" showMasterPhAnim="0">
   <p:cSld>
     <p:spTree>
       <p:nvGrpSpPr>
-        <p:cNvPr id="99" name="Shape 99"/>
+        <p:cNvPr id="1" name="Shape 99"/>
         <p:cNvGrpSpPr/>
         <p:nvPr/>
       </p:nvGrpSpPr>
@@ -1507,9 +1562,11 @@
       <p:sp>
         <p:nvSpPr>
           <p:cNvPr id="100" name="Google Shape;100;g1d2ad6a59b9_0_99:notes"/>
-          <p:cNvSpPr/>
+          <p:cNvSpPr>
+            <a:spLocks noGrp="1" noRot="1" noChangeAspect="1"/>
+          </p:cNvSpPr>
           <p:nvPr>
-            <p:ph idx="2" type="sldImg"/>
+            <p:ph type="sldImg" idx="2"/>
           </p:nvPr>
         </p:nvSpPr>
         <p:spPr>
@@ -1518,9 +1575,13 @@
             <a:ext cx="6096000" cy="3429000"/>
           </a:xfrm>
           <a:custGeom>
-            <a:rect b="b" l="l" r="r" t="t"/>
+            <a:avLst/>
+            <a:gdLst/>
+            <a:ahLst/>
+            <a:cxnLst/>
+            <a:rect l="l" t="t" r="r" b="b"/>
             <a:pathLst>
-              <a:path extrusionOk="0" h="120000" w="120000">
+              <a:path w="120000" h="120000" extrusionOk="0">
                 <a:moveTo>
                   <a:pt x="0" y="0"/>
                 </a:moveTo>
@@ -1542,9 +1603,11 @@
       <p:sp>
         <p:nvSpPr>
           <p:cNvPr id="101" name="Google Shape;101;g1d2ad6a59b9_0_99:notes"/>
-          <p:cNvSpPr txBox="1"/>
+          <p:cNvSpPr txBox="1">
+            <a:spLocks noGrp="1"/>
+          </p:cNvSpPr>
           <p:nvPr>
-            <p:ph idx="1" type="body"/>
+            <p:ph type="body" idx="1"/>
           </p:nvPr>
         </p:nvSpPr>
         <p:spPr>
@@ -1557,12 +1620,12 @@
           </a:prstGeom>
         </p:spPr>
         <p:txBody>
-          <a:bodyPr anchorCtr="0" anchor="t" bIns="91425" lIns="91425" spcFirstLastPara="1" rIns="91425" wrap="square" tIns="91425">
+          <a:bodyPr spcFirstLastPara="1" wrap="square" lIns="91425" tIns="91425" rIns="91425" bIns="91425" anchor="t" anchorCtr="0">
             <a:noAutofit/>
           </a:bodyPr>
           <a:lstStyle/>
           <a:p>
-            <a:pPr indent="0" lvl="0" marL="0" rtl="0" algn="l">
+            <a:pPr marL="0" lvl="0" indent="0" algn="l" rtl="0">
               <a:spcBef>
                 <a:spcPts val="0"/>
               </a:spcBef>
@@ -1571,9 +1634,6 @@
               </a:spcAft>
               <a:buNone/>
             </a:pPr>
-            <a:r>
-              <a:t/>
-            </a:r>
             <a:endParaRPr/>
           </a:p>
         </p:txBody>
@@ -1587,11 +1647,11 @@
 </file>
 
 <file path=ppt/notesSlides/notesSlide9.xml><?xml version="1.0" encoding="utf-8"?>
-<p:notes xmlns:a="http://schemas.openxmlformats.org/drawingml/2006/main" xmlns:r="http://schemas.openxmlformats.org/officeDocument/2006/relationships" xmlns:mc="http://schemas.openxmlformats.org/markup-compatibility/2006" xmlns:mv="urn:schemas-microsoft-com:mac:vml" xmlns:p="http://schemas.openxmlformats.org/presentationml/2006/main" xmlns:c="http://schemas.openxmlformats.org/drawingml/2006/chart" xmlns:dgm="http://schemas.openxmlformats.org/drawingml/2006/diagram" xmlns:o="urn:schemas-microsoft-com:office:office" xmlns:v="urn:schemas-microsoft-com:vml" xmlns:pvml="urn:schemas-microsoft-com:office:powerpoint" xmlns:com="http://schemas.openxmlformats.org/drawingml/2006/compatibility" xmlns:p14="http://schemas.microsoft.com/office/powerpoint/2010/main" xmlns:p15="http://schemas.microsoft.com/office/powerpoint/2012/main" xmlns:ahyp="http://schemas.microsoft.com/office/drawing/2018/hyperlinkcolor" showMasterPhAnim="0" showMasterSp="0">
+<p:notes xmlns:a="http://schemas.openxmlformats.org/drawingml/2006/main" xmlns:r="http://schemas.openxmlformats.org/officeDocument/2006/relationships" xmlns:p="http://schemas.openxmlformats.org/presentationml/2006/main" showMasterSp="0" showMasterPhAnim="0">
   <p:cSld>
     <p:spTree>
       <p:nvGrpSpPr>
-        <p:cNvPr id="105" name="Shape 105"/>
+        <p:cNvPr id="1" name="Shape 105"/>
         <p:cNvGrpSpPr/>
         <p:nvPr/>
       </p:nvGrpSpPr>
@@ -1606,20 +1666,26 @@
       <p:sp>
         <p:nvSpPr>
           <p:cNvPr id="106" name="Google Shape;106;g1d2ad6a59b9_0_105:notes"/>
-          <p:cNvSpPr/>
+          <p:cNvSpPr>
+            <a:spLocks noGrp="1" noRot="1" noChangeAspect="1"/>
+          </p:cNvSpPr>
           <p:nvPr>
-            <p:ph idx="2" type="sldImg"/>
+            <p:ph type="sldImg" idx="2"/>
           </p:nvPr>
         </p:nvSpPr>
         <p:spPr>
           <a:xfrm>
-            <a:off x="381300" y="685800"/>
+            <a:off x="381000" y="685800"/>
             <a:ext cx="6096000" cy="3429000"/>
           </a:xfrm>
           <a:custGeom>
-            <a:rect b="b" l="l" r="r" t="t"/>
+            <a:avLst/>
+            <a:gdLst/>
+            <a:ahLst/>
+            <a:cxnLst/>
+            <a:rect l="l" t="t" r="r" b="b"/>
             <a:pathLst>
-              <a:path extrusionOk="0" h="120000" w="120000">
+              <a:path w="120000" h="120000" extrusionOk="0">
                 <a:moveTo>
                   <a:pt x="0" y="0"/>
                 </a:moveTo>
@@ -1641,9 +1707,11 @@
       <p:sp>
         <p:nvSpPr>
           <p:cNvPr id="107" name="Google Shape;107;g1d2ad6a59b9_0_105:notes"/>
-          <p:cNvSpPr txBox="1"/>
+          <p:cNvSpPr txBox="1">
+            <a:spLocks noGrp="1"/>
+          </p:cNvSpPr>
           <p:nvPr>
-            <p:ph idx="1" type="body"/>
+            <p:ph type="body" idx="1"/>
           </p:nvPr>
         </p:nvSpPr>
         <p:spPr>
@@ -1656,12 +1724,12 @@
           </a:prstGeom>
         </p:spPr>
         <p:txBody>
-          <a:bodyPr anchorCtr="0" anchor="t" bIns="91425" lIns="91425" spcFirstLastPara="1" rIns="91425" wrap="square" tIns="91425">
+          <a:bodyPr spcFirstLastPara="1" wrap="square" lIns="91425" tIns="91425" rIns="91425" bIns="91425" anchor="t" anchorCtr="0">
             <a:noAutofit/>
           </a:bodyPr>
           <a:lstStyle/>
           <a:p>
-            <a:pPr indent="0" lvl="0" marL="0" rtl="0" algn="l">
+            <a:pPr marL="0" lvl="0" indent="0" algn="l" rtl="0">
               <a:spcBef>
                 <a:spcPts val="0"/>
               </a:spcBef>
@@ -1670,9 +1738,6 @@
               </a:spcAft>
               <a:buNone/>
             </a:pPr>
-            <a:r>
-              <a:t/>
-            </a:r>
             <a:endParaRPr/>
           </a:p>
         </p:txBody>
@@ -1686,11 +1751,11 @@
 </file>
 
 <file path=ppt/slideLayouts/slideLayout1.xml><?xml version="1.0" encoding="utf-8"?>
-<p:sldLayout xmlns:a="http://schemas.openxmlformats.org/drawingml/2006/main" xmlns:r="http://schemas.openxmlformats.org/officeDocument/2006/relationships" xmlns:mc="http://schemas.openxmlformats.org/markup-compatibility/2006" xmlns:mv="urn:schemas-microsoft-com:mac:vml" xmlns:p="http://schemas.openxmlformats.org/presentationml/2006/main" xmlns:c="http://schemas.openxmlformats.org/drawingml/2006/chart" xmlns:dgm="http://schemas.openxmlformats.org/drawingml/2006/diagram" xmlns:o="urn:schemas-microsoft-com:office:office" xmlns:v="urn:schemas-microsoft-com:vml" xmlns:pvml="urn:schemas-microsoft-com:office:powerpoint" xmlns:com="http://schemas.openxmlformats.org/drawingml/2006/compatibility" xmlns:p14="http://schemas.microsoft.com/office/powerpoint/2010/main" xmlns:p15="http://schemas.microsoft.com/office/powerpoint/2012/main" xmlns:ahyp="http://schemas.microsoft.com/office/drawing/2018/hyperlinkcolor" matchingName="Title slide" type="title">
+<p:sldLayout xmlns:a="http://schemas.openxmlformats.org/drawingml/2006/main" xmlns:r="http://schemas.openxmlformats.org/officeDocument/2006/relationships" xmlns:p="http://schemas.openxmlformats.org/presentationml/2006/main" matchingName="Title slide" type="title">
   <p:cSld name="TITLE">
     <p:spTree>
       <p:nvGrpSpPr>
-        <p:cNvPr id="9" name="Shape 9"/>
+        <p:cNvPr id="1" name="Shape 9"/>
         <p:cNvGrpSpPr/>
         <p:nvPr/>
       </p:nvGrpSpPr>
@@ -1705,7 +1770,9 @@
       <p:sp>
         <p:nvSpPr>
           <p:cNvPr id="10" name="Google Shape;10;p2"/>
-          <p:cNvSpPr txBox="1"/>
+          <p:cNvSpPr txBox="1">
+            <a:spLocks noGrp="1"/>
+          </p:cNvSpPr>
           <p:nvPr>
             <p:ph type="ctrTitle"/>
           </p:nvPr>
@@ -1720,7 +1787,7 @@
           </a:prstGeom>
         </p:spPr>
         <p:txBody>
-          <a:bodyPr anchorCtr="0" anchor="b" bIns="91425" lIns="91425" spcFirstLastPara="1" rIns="91425" wrap="square" tIns="91425">
+          <a:bodyPr spcFirstLastPara="1" wrap="square" lIns="91425" tIns="91425" rIns="91425" bIns="91425" anchor="b" anchorCtr="0">
             <a:normAutofit/>
           </a:bodyPr>
           <a:lstStyle>
@@ -1824,15 +1891,19 @@
               <a:defRPr sz="5200"/>
             </a:lvl9pPr>
           </a:lstStyle>
-          <a:p/>
+          <a:p>
+            <a:endParaRPr/>
+          </a:p>
         </p:txBody>
       </p:sp>
       <p:sp>
         <p:nvSpPr>
           <p:cNvPr id="11" name="Google Shape;11;p2"/>
-          <p:cNvSpPr txBox="1"/>
+          <p:cNvSpPr txBox="1">
+            <a:spLocks noGrp="1"/>
+          </p:cNvSpPr>
           <p:nvPr>
-            <p:ph idx="1" type="subTitle"/>
+            <p:ph type="subTitle" idx="1"/>
           </p:nvPr>
         </p:nvSpPr>
         <p:spPr>
@@ -1845,7 +1916,7 @@
           </a:prstGeom>
         </p:spPr>
         <p:txBody>
-          <a:bodyPr anchorCtr="0" anchor="t" bIns="91425" lIns="91425" spcFirstLastPara="1" rIns="91425" wrap="square" tIns="91425">
+          <a:bodyPr spcFirstLastPara="1" wrap="square" lIns="91425" tIns="91425" rIns="91425" bIns="91425" anchor="t" anchorCtr="0">
             <a:normAutofit/>
           </a:bodyPr>
           <a:lstStyle>
@@ -1976,15 +2047,19 @@
               <a:defRPr sz="2800"/>
             </a:lvl9pPr>
           </a:lstStyle>
-          <a:p/>
+          <a:p>
+            <a:endParaRPr/>
+          </a:p>
         </p:txBody>
       </p:sp>
       <p:sp>
         <p:nvSpPr>
           <p:cNvPr id="12" name="Google Shape;12;p2"/>
-          <p:cNvSpPr txBox="1"/>
+          <p:cNvSpPr txBox="1">
+            <a:spLocks noGrp="1"/>
+          </p:cNvSpPr>
           <p:nvPr>
-            <p:ph idx="12" type="sldNum"/>
+            <p:ph type="sldNum" idx="12"/>
           </p:nvPr>
         </p:nvSpPr>
         <p:spPr>
@@ -1997,7 +2072,7 @@
           </a:prstGeom>
         </p:spPr>
         <p:txBody>
-          <a:bodyPr anchorCtr="0" anchor="ctr" bIns="91425" lIns="91425" spcFirstLastPara="1" rIns="91425" wrap="square" tIns="91425">
+          <a:bodyPr spcFirstLastPara="1" wrap="square" lIns="91425" tIns="91425" rIns="91425" bIns="91425" anchor="ctr" anchorCtr="0">
             <a:normAutofit/>
           </a:bodyPr>
           <a:lstStyle>
@@ -2039,7 +2114,7 @@
             </a:lvl9pPr>
           </a:lstStyle>
           <a:p>
-            <a:pPr indent="0" lvl="0" marL="0" rtl="0" algn="r">
+            <a:pPr marL="0" lvl="0" indent="0" algn="r" rtl="0">
               <a:spcBef>
                 <a:spcPts val="0"/>
               </a:spcBef>
@@ -2065,11 +2140,11 @@
 </file>
 
 <file path=ppt/slideLayouts/slideLayout10.xml><?xml version="1.0" encoding="utf-8"?>
-<p:sldLayout xmlns:a="http://schemas.openxmlformats.org/drawingml/2006/main" xmlns:r="http://schemas.openxmlformats.org/officeDocument/2006/relationships" xmlns:mc="http://schemas.openxmlformats.org/markup-compatibility/2006" xmlns:mv="urn:schemas-microsoft-com:mac:vml" xmlns:p="http://schemas.openxmlformats.org/presentationml/2006/main" xmlns:c="http://schemas.openxmlformats.org/drawingml/2006/chart" xmlns:dgm="http://schemas.openxmlformats.org/drawingml/2006/diagram" xmlns:o="urn:schemas-microsoft-com:office:office" xmlns:v="urn:schemas-microsoft-com:vml" xmlns:pvml="urn:schemas-microsoft-com:office:powerpoint" xmlns:com="http://schemas.openxmlformats.org/drawingml/2006/compatibility" xmlns:p14="http://schemas.microsoft.com/office/powerpoint/2010/main" xmlns:p15="http://schemas.microsoft.com/office/powerpoint/2012/main" xmlns:ahyp="http://schemas.microsoft.com/office/drawing/2018/hyperlinkcolor" matchingName="Big number">
+<p:sldLayout xmlns:a="http://schemas.openxmlformats.org/drawingml/2006/main" xmlns:r="http://schemas.openxmlformats.org/officeDocument/2006/relationships" xmlns:p="http://schemas.openxmlformats.org/presentationml/2006/main" matchingName="Big number">
   <p:cSld name="BIG_NUMBER">
     <p:spTree>
       <p:nvGrpSpPr>
-        <p:cNvPr id="44" name="Shape 44"/>
+        <p:cNvPr id="1" name="Shape 44"/>
         <p:cNvGrpSpPr/>
         <p:nvPr/>
       </p:nvGrpSpPr>
@@ -2084,9 +2159,11 @@
       <p:sp>
         <p:nvSpPr>
           <p:cNvPr id="45" name="Google Shape;45;p11"/>
-          <p:cNvSpPr txBox="1"/>
+          <p:cNvSpPr txBox="1">
+            <a:spLocks noGrp="1"/>
+          </p:cNvSpPr>
           <p:nvPr>
-            <p:ph hasCustomPrompt="1" type="title"/>
+            <p:ph type="title" hasCustomPrompt="1"/>
           </p:nvPr>
         </p:nvSpPr>
         <p:spPr>
@@ -2099,7 +2176,7 @@
           </a:prstGeom>
         </p:spPr>
         <p:txBody>
-          <a:bodyPr anchorCtr="0" anchor="b" bIns="91425" lIns="91425" spcFirstLastPara="1" rIns="91425" wrap="square" tIns="91425">
+          <a:bodyPr spcFirstLastPara="1" wrap="square" lIns="91425" tIns="91425" rIns="91425" bIns="91425" anchor="b" anchorCtr="0">
             <a:normAutofit/>
           </a:bodyPr>
           <a:lstStyle>
@@ -2213,9 +2290,11 @@
       <p:sp>
         <p:nvSpPr>
           <p:cNvPr id="46" name="Google Shape;46;p11"/>
-          <p:cNvSpPr txBox="1"/>
+          <p:cNvSpPr txBox="1">
+            <a:spLocks noGrp="1"/>
+          </p:cNvSpPr>
           <p:nvPr>
-            <p:ph idx="1" type="body"/>
+            <p:ph type="body" idx="1"/>
           </p:nvPr>
         </p:nvSpPr>
         <p:spPr>
@@ -2228,11 +2307,11 @@
           </a:prstGeom>
         </p:spPr>
         <p:txBody>
-          <a:bodyPr anchorCtr="0" anchor="t" bIns="91425" lIns="91425" spcFirstLastPara="1" rIns="91425" wrap="square" tIns="91425">
+          <a:bodyPr spcFirstLastPara="1" wrap="square" lIns="91425" tIns="91425" rIns="91425" bIns="91425" anchor="t" anchorCtr="0">
             <a:normAutofit/>
           </a:bodyPr>
           <a:lstStyle>
-            <a:lvl1pPr indent="-342900" lvl="0" marL="457200" algn="ctr">
+            <a:lvl1pPr marL="457200" lvl="0" indent="-342900" algn="ctr">
               <a:spcBef>
                 <a:spcPts val="0"/>
               </a:spcBef>
@@ -2243,7 +2322,7 @@
               <a:buChar char="●"/>
               <a:defRPr/>
             </a:lvl1pPr>
-            <a:lvl2pPr indent="-317500" lvl="1" marL="914400" algn="ctr">
+            <a:lvl2pPr marL="914400" lvl="1" indent="-317500" algn="ctr">
               <a:spcBef>
                 <a:spcPts val="0"/>
               </a:spcBef>
@@ -2254,7 +2333,7 @@
               <a:buChar char="○"/>
               <a:defRPr/>
             </a:lvl2pPr>
-            <a:lvl3pPr indent="-317500" lvl="2" marL="1371600" algn="ctr">
+            <a:lvl3pPr marL="1371600" lvl="2" indent="-317500" algn="ctr">
               <a:spcBef>
                 <a:spcPts val="0"/>
               </a:spcBef>
@@ -2265,7 +2344,7 @@
               <a:buChar char="■"/>
               <a:defRPr/>
             </a:lvl3pPr>
-            <a:lvl4pPr indent="-317500" lvl="3" marL="1828800" algn="ctr">
+            <a:lvl4pPr marL="1828800" lvl="3" indent="-317500" algn="ctr">
               <a:spcBef>
                 <a:spcPts val="0"/>
               </a:spcBef>
@@ -2276,7 +2355,7 @@
               <a:buChar char="●"/>
               <a:defRPr/>
             </a:lvl4pPr>
-            <a:lvl5pPr indent="-317500" lvl="4" marL="2286000" algn="ctr">
+            <a:lvl5pPr marL="2286000" lvl="4" indent="-317500" algn="ctr">
               <a:spcBef>
                 <a:spcPts val="0"/>
               </a:spcBef>
@@ -2287,7 +2366,7 @@
               <a:buChar char="○"/>
               <a:defRPr/>
             </a:lvl5pPr>
-            <a:lvl6pPr indent="-317500" lvl="5" marL="2743200" algn="ctr">
+            <a:lvl6pPr marL="2743200" lvl="5" indent="-317500" algn="ctr">
               <a:spcBef>
                 <a:spcPts val="0"/>
               </a:spcBef>
@@ -2298,7 +2377,7 @@
               <a:buChar char="■"/>
               <a:defRPr/>
             </a:lvl6pPr>
-            <a:lvl7pPr indent="-317500" lvl="6" marL="3200400" algn="ctr">
+            <a:lvl7pPr marL="3200400" lvl="6" indent="-317500" algn="ctr">
               <a:spcBef>
                 <a:spcPts val="0"/>
               </a:spcBef>
@@ -2309,7 +2388,7 @@
               <a:buChar char="●"/>
               <a:defRPr/>
             </a:lvl7pPr>
-            <a:lvl8pPr indent="-317500" lvl="7" marL="3657600" algn="ctr">
+            <a:lvl8pPr marL="3657600" lvl="7" indent="-317500" algn="ctr">
               <a:spcBef>
                 <a:spcPts val="0"/>
               </a:spcBef>
@@ -2320,7 +2399,7 @@
               <a:buChar char="○"/>
               <a:defRPr/>
             </a:lvl8pPr>
-            <a:lvl9pPr indent="-317500" lvl="8" marL="4114800" algn="ctr">
+            <a:lvl9pPr marL="4114800" lvl="8" indent="-317500" algn="ctr">
               <a:spcBef>
                 <a:spcPts val="0"/>
               </a:spcBef>
@@ -2332,15 +2411,19 @@
               <a:defRPr/>
             </a:lvl9pPr>
           </a:lstStyle>
-          <a:p/>
+          <a:p>
+            <a:endParaRPr/>
+          </a:p>
         </p:txBody>
       </p:sp>
       <p:sp>
         <p:nvSpPr>
           <p:cNvPr id="47" name="Google Shape;47;p11"/>
-          <p:cNvSpPr txBox="1"/>
+          <p:cNvSpPr txBox="1">
+            <a:spLocks noGrp="1"/>
+          </p:cNvSpPr>
           <p:nvPr>
-            <p:ph idx="12" type="sldNum"/>
+            <p:ph type="sldNum" idx="12"/>
           </p:nvPr>
         </p:nvSpPr>
         <p:spPr>
@@ -2353,7 +2436,7 @@
           </a:prstGeom>
         </p:spPr>
         <p:txBody>
-          <a:bodyPr anchorCtr="0" anchor="ctr" bIns="91425" lIns="91425" spcFirstLastPara="1" rIns="91425" wrap="square" tIns="91425">
+          <a:bodyPr spcFirstLastPara="1" wrap="square" lIns="91425" tIns="91425" rIns="91425" bIns="91425" anchor="ctr" anchorCtr="0">
             <a:normAutofit/>
           </a:bodyPr>
           <a:lstStyle>
@@ -2395,7 +2478,7 @@
             </a:lvl9pPr>
           </a:lstStyle>
           <a:p>
-            <a:pPr indent="0" lvl="0" marL="0" rtl="0" algn="r">
+            <a:pPr marL="0" lvl="0" indent="0" algn="r" rtl="0">
               <a:spcBef>
                 <a:spcPts val="0"/>
               </a:spcBef>
@@ -2421,11 +2504,11 @@
 </file>
 
 <file path=ppt/slideLayouts/slideLayout11.xml><?xml version="1.0" encoding="utf-8"?>
-<p:sldLayout xmlns:a="http://schemas.openxmlformats.org/drawingml/2006/main" xmlns:r="http://schemas.openxmlformats.org/officeDocument/2006/relationships" xmlns:mc="http://schemas.openxmlformats.org/markup-compatibility/2006" xmlns:mv="urn:schemas-microsoft-com:mac:vml" xmlns:p="http://schemas.openxmlformats.org/presentationml/2006/main" xmlns:c="http://schemas.openxmlformats.org/drawingml/2006/chart" xmlns:dgm="http://schemas.openxmlformats.org/drawingml/2006/diagram" xmlns:o="urn:schemas-microsoft-com:office:office" xmlns:v="urn:schemas-microsoft-com:vml" xmlns:pvml="urn:schemas-microsoft-com:office:powerpoint" xmlns:com="http://schemas.openxmlformats.org/drawingml/2006/compatibility" xmlns:p14="http://schemas.microsoft.com/office/powerpoint/2010/main" xmlns:p15="http://schemas.microsoft.com/office/powerpoint/2012/main" xmlns:ahyp="http://schemas.microsoft.com/office/drawing/2018/hyperlinkcolor" matchingName="Blank" type="blank">
+<p:sldLayout xmlns:a="http://schemas.openxmlformats.org/drawingml/2006/main" xmlns:r="http://schemas.openxmlformats.org/officeDocument/2006/relationships" xmlns:p="http://schemas.openxmlformats.org/presentationml/2006/main" matchingName="Blank" type="blank">
   <p:cSld name="BLANK">
     <p:spTree>
       <p:nvGrpSpPr>
-        <p:cNvPr id="48" name="Shape 48"/>
+        <p:cNvPr id="1" name="Shape 48"/>
         <p:cNvGrpSpPr/>
         <p:nvPr/>
       </p:nvGrpSpPr>
@@ -2440,9 +2523,11 @@
       <p:sp>
         <p:nvSpPr>
           <p:cNvPr id="49" name="Google Shape;49;p12"/>
-          <p:cNvSpPr txBox="1"/>
+          <p:cNvSpPr txBox="1">
+            <a:spLocks noGrp="1"/>
+          </p:cNvSpPr>
           <p:nvPr>
-            <p:ph idx="12" type="sldNum"/>
+            <p:ph type="sldNum" idx="12"/>
           </p:nvPr>
         </p:nvSpPr>
         <p:spPr>
@@ -2455,7 +2540,7 @@
           </a:prstGeom>
         </p:spPr>
         <p:txBody>
-          <a:bodyPr anchorCtr="0" anchor="ctr" bIns="91425" lIns="91425" spcFirstLastPara="1" rIns="91425" wrap="square" tIns="91425">
+          <a:bodyPr spcFirstLastPara="1" wrap="square" lIns="91425" tIns="91425" rIns="91425" bIns="91425" anchor="ctr" anchorCtr="0">
             <a:normAutofit/>
           </a:bodyPr>
           <a:lstStyle>
@@ -2497,7 +2582,7 @@
             </a:lvl9pPr>
           </a:lstStyle>
           <a:p>
-            <a:pPr indent="0" lvl="0" marL="0" rtl="0" algn="r">
+            <a:pPr marL="0" lvl="0" indent="0" algn="r" rtl="0">
               <a:spcBef>
                 <a:spcPts val="0"/>
               </a:spcBef>
@@ -2523,11 +2608,11 @@
 </file>
 
 <file path=ppt/slideLayouts/slideLayout2.xml><?xml version="1.0" encoding="utf-8"?>
-<p:sldLayout xmlns:a="http://schemas.openxmlformats.org/drawingml/2006/main" xmlns:r="http://schemas.openxmlformats.org/officeDocument/2006/relationships" xmlns:mc="http://schemas.openxmlformats.org/markup-compatibility/2006" xmlns:mv="urn:schemas-microsoft-com:mac:vml" xmlns:p="http://schemas.openxmlformats.org/presentationml/2006/main" xmlns:c="http://schemas.openxmlformats.org/drawingml/2006/chart" xmlns:dgm="http://schemas.openxmlformats.org/drawingml/2006/diagram" xmlns:o="urn:schemas-microsoft-com:office:office" xmlns:v="urn:schemas-microsoft-com:vml" xmlns:pvml="urn:schemas-microsoft-com:office:powerpoint" xmlns:com="http://schemas.openxmlformats.org/drawingml/2006/compatibility" xmlns:p14="http://schemas.microsoft.com/office/powerpoint/2010/main" xmlns:p15="http://schemas.microsoft.com/office/powerpoint/2012/main" xmlns:ahyp="http://schemas.microsoft.com/office/drawing/2018/hyperlinkcolor" matchingName="Section header" type="secHead">
+<p:sldLayout xmlns:a="http://schemas.openxmlformats.org/drawingml/2006/main" xmlns:r="http://schemas.openxmlformats.org/officeDocument/2006/relationships" xmlns:p="http://schemas.openxmlformats.org/presentationml/2006/main" matchingName="Section header" type="secHead">
   <p:cSld name="SECTION_HEADER">
     <p:spTree>
       <p:nvGrpSpPr>
-        <p:cNvPr id="13" name="Shape 13"/>
+        <p:cNvPr id="1" name="Shape 13"/>
         <p:cNvGrpSpPr/>
         <p:nvPr/>
       </p:nvGrpSpPr>
@@ -2542,7 +2627,9 @@
       <p:sp>
         <p:nvSpPr>
           <p:cNvPr id="14" name="Google Shape;14;p3"/>
-          <p:cNvSpPr txBox="1"/>
+          <p:cNvSpPr txBox="1">
+            <a:spLocks noGrp="1"/>
+          </p:cNvSpPr>
           <p:nvPr>
             <p:ph type="title"/>
           </p:nvPr>
@@ -2557,7 +2644,7 @@
           </a:prstGeom>
         </p:spPr>
         <p:txBody>
-          <a:bodyPr anchorCtr="0" anchor="ctr" bIns="91425" lIns="91425" spcFirstLastPara="1" rIns="91425" wrap="square" tIns="91425">
+          <a:bodyPr spcFirstLastPara="1" wrap="square" lIns="91425" tIns="91425" rIns="91425" bIns="91425" anchor="ctr" anchorCtr="0">
             <a:normAutofit/>
           </a:bodyPr>
           <a:lstStyle>
@@ -2661,15 +2748,19 @@
               <a:defRPr sz="3600"/>
             </a:lvl9pPr>
           </a:lstStyle>
-          <a:p/>
+          <a:p>
+            <a:endParaRPr/>
+          </a:p>
         </p:txBody>
       </p:sp>
       <p:sp>
         <p:nvSpPr>
           <p:cNvPr id="15" name="Google Shape;15;p3"/>
-          <p:cNvSpPr txBox="1"/>
+          <p:cNvSpPr txBox="1">
+            <a:spLocks noGrp="1"/>
+          </p:cNvSpPr>
           <p:nvPr>
-            <p:ph idx="12" type="sldNum"/>
+            <p:ph type="sldNum" idx="12"/>
           </p:nvPr>
         </p:nvSpPr>
         <p:spPr>
@@ -2682,7 +2773,7 @@
           </a:prstGeom>
         </p:spPr>
         <p:txBody>
-          <a:bodyPr anchorCtr="0" anchor="ctr" bIns="91425" lIns="91425" spcFirstLastPara="1" rIns="91425" wrap="square" tIns="91425">
+          <a:bodyPr spcFirstLastPara="1" wrap="square" lIns="91425" tIns="91425" rIns="91425" bIns="91425" anchor="ctr" anchorCtr="0">
             <a:normAutofit/>
           </a:bodyPr>
           <a:lstStyle>
@@ -2724,7 +2815,7 @@
             </a:lvl9pPr>
           </a:lstStyle>
           <a:p>
-            <a:pPr indent="0" lvl="0" marL="0" rtl="0" algn="r">
+            <a:pPr marL="0" lvl="0" indent="0" algn="r" rtl="0">
               <a:spcBef>
                 <a:spcPts val="0"/>
               </a:spcBef>
@@ -2750,11 +2841,11 @@
 </file>
 
 <file path=ppt/slideLayouts/slideLayout3.xml><?xml version="1.0" encoding="utf-8"?>
-<p:sldLayout xmlns:a="http://schemas.openxmlformats.org/drawingml/2006/main" xmlns:r="http://schemas.openxmlformats.org/officeDocument/2006/relationships" xmlns:mc="http://schemas.openxmlformats.org/markup-compatibility/2006" xmlns:mv="urn:schemas-microsoft-com:mac:vml" xmlns:p="http://schemas.openxmlformats.org/presentationml/2006/main" xmlns:c="http://schemas.openxmlformats.org/drawingml/2006/chart" xmlns:dgm="http://schemas.openxmlformats.org/drawingml/2006/diagram" xmlns:o="urn:schemas-microsoft-com:office:office" xmlns:v="urn:schemas-microsoft-com:vml" xmlns:pvml="urn:schemas-microsoft-com:office:powerpoint" xmlns:com="http://schemas.openxmlformats.org/drawingml/2006/compatibility" xmlns:p14="http://schemas.microsoft.com/office/powerpoint/2010/main" xmlns:p15="http://schemas.microsoft.com/office/powerpoint/2012/main" xmlns:ahyp="http://schemas.microsoft.com/office/drawing/2018/hyperlinkcolor" matchingName="Title and body" type="tx">
+<p:sldLayout xmlns:a="http://schemas.openxmlformats.org/drawingml/2006/main" xmlns:r="http://schemas.openxmlformats.org/officeDocument/2006/relationships" xmlns:p="http://schemas.openxmlformats.org/presentationml/2006/main" matchingName="Title and body" type="tx">
   <p:cSld name="TITLE_AND_BODY">
     <p:spTree>
       <p:nvGrpSpPr>
-        <p:cNvPr id="16" name="Shape 16"/>
+        <p:cNvPr id="1" name="Shape 16"/>
         <p:cNvGrpSpPr/>
         <p:nvPr/>
       </p:nvGrpSpPr>
@@ -2769,7 +2860,9 @@
       <p:sp>
         <p:nvSpPr>
           <p:cNvPr id="17" name="Google Shape;17;p4"/>
-          <p:cNvSpPr txBox="1"/>
+          <p:cNvSpPr txBox="1">
+            <a:spLocks noGrp="1"/>
+          </p:cNvSpPr>
           <p:nvPr>
             <p:ph type="title"/>
           </p:nvPr>
@@ -2784,7 +2877,7 @@
           </a:prstGeom>
         </p:spPr>
         <p:txBody>
-          <a:bodyPr anchorCtr="0" anchor="t" bIns="91425" lIns="91425" spcFirstLastPara="1" rIns="91425" wrap="square" tIns="91425">
+          <a:bodyPr spcFirstLastPara="1" wrap="square" lIns="91425" tIns="91425" rIns="91425" bIns="91425" anchor="t" anchorCtr="0">
             <a:normAutofit/>
           </a:bodyPr>
           <a:lstStyle>
@@ -2888,15 +2981,19 @@
               <a:defRPr/>
             </a:lvl9pPr>
           </a:lstStyle>
-          <a:p/>
+          <a:p>
+            <a:endParaRPr/>
+          </a:p>
         </p:txBody>
       </p:sp>
       <p:sp>
         <p:nvSpPr>
           <p:cNvPr id="18" name="Google Shape;18;p4"/>
-          <p:cNvSpPr txBox="1"/>
+          <p:cNvSpPr txBox="1">
+            <a:spLocks noGrp="1"/>
+          </p:cNvSpPr>
           <p:nvPr>
-            <p:ph idx="1" type="body"/>
+            <p:ph type="body" idx="1"/>
           </p:nvPr>
         </p:nvSpPr>
         <p:spPr>
@@ -2909,11 +3006,11 @@
           </a:prstGeom>
         </p:spPr>
         <p:txBody>
-          <a:bodyPr anchorCtr="0" anchor="t" bIns="91425" lIns="91425" spcFirstLastPara="1" rIns="91425" wrap="square" tIns="91425">
+          <a:bodyPr spcFirstLastPara="1" wrap="square" lIns="91425" tIns="91425" rIns="91425" bIns="91425" anchor="t" anchorCtr="0">
             <a:normAutofit/>
           </a:bodyPr>
           <a:lstStyle>
-            <a:lvl1pPr indent="-342900" lvl="0" marL="457200">
+            <a:lvl1pPr marL="457200" lvl="0" indent="-342900">
               <a:spcBef>
                 <a:spcPts val="0"/>
               </a:spcBef>
@@ -2924,7 +3021,7 @@
               <a:buChar char="●"/>
               <a:defRPr/>
             </a:lvl1pPr>
-            <a:lvl2pPr indent="-317500" lvl="1" marL="914400">
+            <a:lvl2pPr marL="914400" lvl="1" indent="-317500">
               <a:spcBef>
                 <a:spcPts val="0"/>
               </a:spcBef>
@@ -2935,7 +3032,7 @@
               <a:buChar char="○"/>
               <a:defRPr/>
             </a:lvl2pPr>
-            <a:lvl3pPr indent="-317500" lvl="2" marL="1371600">
+            <a:lvl3pPr marL="1371600" lvl="2" indent="-317500">
               <a:spcBef>
                 <a:spcPts val="0"/>
               </a:spcBef>
@@ -2946,7 +3043,7 @@
               <a:buChar char="■"/>
               <a:defRPr/>
             </a:lvl3pPr>
-            <a:lvl4pPr indent="-317500" lvl="3" marL="1828800">
+            <a:lvl4pPr marL="1828800" lvl="3" indent="-317500">
               <a:spcBef>
                 <a:spcPts val="0"/>
               </a:spcBef>
@@ -2957,7 +3054,7 @@
               <a:buChar char="●"/>
               <a:defRPr/>
             </a:lvl4pPr>
-            <a:lvl5pPr indent="-317500" lvl="4" marL="2286000">
+            <a:lvl5pPr marL="2286000" lvl="4" indent="-317500">
               <a:spcBef>
                 <a:spcPts val="0"/>
               </a:spcBef>
@@ -2968,7 +3065,7 @@
               <a:buChar char="○"/>
               <a:defRPr/>
             </a:lvl5pPr>
-            <a:lvl6pPr indent="-317500" lvl="5" marL="2743200">
+            <a:lvl6pPr marL="2743200" lvl="5" indent="-317500">
               <a:spcBef>
                 <a:spcPts val="0"/>
               </a:spcBef>
@@ -2979,7 +3076,7 @@
               <a:buChar char="■"/>
               <a:defRPr/>
             </a:lvl6pPr>
-            <a:lvl7pPr indent="-317500" lvl="6" marL="3200400">
+            <a:lvl7pPr marL="3200400" lvl="6" indent="-317500">
               <a:spcBef>
                 <a:spcPts val="0"/>
               </a:spcBef>
@@ -2990,7 +3087,7 @@
               <a:buChar char="●"/>
               <a:defRPr/>
             </a:lvl7pPr>
-            <a:lvl8pPr indent="-317500" lvl="7" marL="3657600">
+            <a:lvl8pPr marL="3657600" lvl="7" indent="-317500">
               <a:spcBef>
                 <a:spcPts val="0"/>
               </a:spcBef>
@@ -3001,7 +3098,7 @@
               <a:buChar char="○"/>
               <a:defRPr/>
             </a:lvl8pPr>
-            <a:lvl9pPr indent="-317500" lvl="8" marL="4114800">
+            <a:lvl9pPr marL="4114800" lvl="8" indent="-317500">
               <a:spcBef>
                 <a:spcPts val="0"/>
               </a:spcBef>
@@ -3013,15 +3110,19 @@
               <a:defRPr/>
             </a:lvl9pPr>
           </a:lstStyle>
-          <a:p/>
+          <a:p>
+            <a:endParaRPr/>
+          </a:p>
         </p:txBody>
       </p:sp>
       <p:sp>
         <p:nvSpPr>
           <p:cNvPr id="19" name="Google Shape;19;p4"/>
-          <p:cNvSpPr txBox="1"/>
+          <p:cNvSpPr txBox="1">
+            <a:spLocks noGrp="1"/>
+          </p:cNvSpPr>
           <p:nvPr>
-            <p:ph idx="12" type="sldNum"/>
+            <p:ph type="sldNum" idx="12"/>
           </p:nvPr>
         </p:nvSpPr>
         <p:spPr>
@@ -3034,7 +3135,7 @@
           </a:prstGeom>
         </p:spPr>
         <p:txBody>
-          <a:bodyPr anchorCtr="0" anchor="ctr" bIns="91425" lIns="91425" spcFirstLastPara="1" rIns="91425" wrap="square" tIns="91425">
+          <a:bodyPr spcFirstLastPara="1" wrap="square" lIns="91425" tIns="91425" rIns="91425" bIns="91425" anchor="ctr" anchorCtr="0">
             <a:normAutofit/>
           </a:bodyPr>
           <a:lstStyle>
@@ -3076,7 +3177,7 @@
             </a:lvl9pPr>
           </a:lstStyle>
           <a:p>
-            <a:pPr indent="0" lvl="0" marL="0" rtl="0" algn="r">
+            <a:pPr marL="0" lvl="0" indent="0" algn="r" rtl="0">
               <a:spcBef>
                 <a:spcPts val="0"/>
               </a:spcBef>
@@ -3102,11 +3203,11 @@
 </file>
 
 <file path=ppt/slideLayouts/slideLayout4.xml><?xml version="1.0" encoding="utf-8"?>
-<p:sldLayout xmlns:a="http://schemas.openxmlformats.org/drawingml/2006/main" xmlns:r="http://schemas.openxmlformats.org/officeDocument/2006/relationships" xmlns:mc="http://schemas.openxmlformats.org/markup-compatibility/2006" xmlns:mv="urn:schemas-microsoft-com:mac:vml" xmlns:p="http://schemas.openxmlformats.org/presentationml/2006/main" xmlns:c="http://schemas.openxmlformats.org/drawingml/2006/chart" xmlns:dgm="http://schemas.openxmlformats.org/drawingml/2006/diagram" xmlns:o="urn:schemas-microsoft-com:office:office" xmlns:v="urn:schemas-microsoft-com:vml" xmlns:pvml="urn:schemas-microsoft-com:office:powerpoint" xmlns:com="http://schemas.openxmlformats.org/drawingml/2006/compatibility" xmlns:p14="http://schemas.microsoft.com/office/powerpoint/2010/main" xmlns:p15="http://schemas.microsoft.com/office/powerpoint/2012/main" xmlns:ahyp="http://schemas.microsoft.com/office/drawing/2018/hyperlinkcolor" matchingName="Title and two columns" type="twoColTx">
+<p:sldLayout xmlns:a="http://schemas.openxmlformats.org/drawingml/2006/main" xmlns:r="http://schemas.openxmlformats.org/officeDocument/2006/relationships" xmlns:p="http://schemas.openxmlformats.org/presentationml/2006/main" matchingName="Title and two columns" type="twoColTx">
   <p:cSld name="TITLE_AND_TWO_COLUMNS">
     <p:spTree>
       <p:nvGrpSpPr>
-        <p:cNvPr id="20" name="Shape 20"/>
+        <p:cNvPr id="1" name="Shape 20"/>
         <p:cNvGrpSpPr/>
         <p:nvPr/>
       </p:nvGrpSpPr>
@@ -3121,7 +3222,9 @@
       <p:sp>
         <p:nvSpPr>
           <p:cNvPr id="21" name="Google Shape;21;p5"/>
-          <p:cNvSpPr txBox="1"/>
+          <p:cNvSpPr txBox="1">
+            <a:spLocks noGrp="1"/>
+          </p:cNvSpPr>
           <p:nvPr>
             <p:ph type="title"/>
           </p:nvPr>
@@ -3136,7 +3239,7 @@
           </a:prstGeom>
         </p:spPr>
         <p:txBody>
-          <a:bodyPr anchorCtr="0" anchor="t" bIns="91425" lIns="91425" spcFirstLastPara="1" rIns="91425" wrap="square" tIns="91425">
+          <a:bodyPr spcFirstLastPara="1" wrap="square" lIns="91425" tIns="91425" rIns="91425" bIns="91425" anchor="t" anchorCtr="0">
             <a:normAutofit/>
           </a:bodyPr>
           <a:lstStyle>
@@ -3240,15 +3343,19 @@
               <a:defRPr/>
             </a:lvl9pPr>
           </a:lstStyle>
-          <a:p/>
+          <a:p>
+            <a:endParaRPr/>
+          </a:p>
         </p:txBody>
       </p:sp>
       <p:sp>
         <p:nvSpPr>
           <p:cNvPr id="22" name="Google Shape;22;p5"/>
-          <p:cNvSpPr txBox="1"/>
+          <p:cNvSpPr txBox="1">
+            <a:spLocks noGrp="1"/>
+          </p:cNvSpPr>
           <p:nvPr>
-            <p:ph idx="1" type="body"/>
+            <p:ph type="body" idx="1"/>
           </p:nvPr>
         </p:nvSpPr>
         <p:spPr>
@@ -3261,11 +3368,11 @@
           </a:prstGeom>
         </p:spPr>
         <p:txBody>
-          <a:bodyPr anchorCtr="0" anchor="t" bIns="91425" lIns="91425" spcFirstLastPara="1" rIns="91425" wrap="square" tIns="91425">
+          <a:bodyPr spcFirstLastPara="1" wrap="square" lIns="91425" tIns="91425" rIns="91425" bIns="91425" anchor="t" anchorCtr="0">
             <a:normAutofit/>
           </a:bodyPr>
           <a:lstStyle>
-            <a:lvl1pPr indent="-317500" lvl="0" marL="457200">
+            <a:lvl1pPr marL="457200" lvl="0" indent="-317500">
               <a:spcBef>
                 <a:spcPts val="0"/>
               </a:spcBef>
@@ -3276,7 +3383,7 @@
               <a:buChar char="●"/>
               <a:defRPr sz="1400"/>
             </a:lvl1pPr>
-            <a:lvl2pPr indent="-304800" lvl="1" marL="914400">
+            <a:lvl2pPr marL="914400" lvl="1" indent="-304800">
               <a:spcBef>
                 <a:spcPts val="0"/>
               </a:spcBef>
@@ -3287,7 +3394,7 @@
               <a:buChar char="○"/>
               <a:defRPr sz="1200"/>
             </a:lvl2pPr>
-            <a:lvl3pPr indent="-304800" lvl="2" marL="1371600">
+            <a:lvl3pPr marL="1371600" lvl="2" indent="-304800">
               <a:spcBef>
                 <a:spcPts val="0"/>
               </a:spcBef>
@@ -3298,7 +3405,7 @@
               <a:buChar char="■"/>
               <a:defRPr sz="1200"/>
             </a:lvl3pPr>
-            <a:lvl4pPr indent="-304800" lvl="3" marL="1828800">
+            <a:lvl4pPr marL="1828800" lvl="3" indent="-304800">
               <a:spcBef>
                 <a:spcPts val="0"/>
               </a:spcBef>
@@ -3309,7 +3416,7 @@
               <a:buChar char="●"/>
               <a:defRPr sz="1200"/>
             </a:lvl4pPr>
-            <a:lvl5pPr indent="-304800" lvl="4" marL="2286000">
+            <a:lvl5pPr marL="2286000" lvl="4" indent="-304800">
               <a:spcBef>
                 <a:spcPts val="0"/>
               </a:spcBef>
@@ -3320,7 +3427,7 @@
               <a:buChar char="○"/>
               <a:defRPr sz="1200"/>
             </a:lvl5pPr>
-            <a:lvl6pPr indent="-304800" lvl="5" marL="2743200">
+            <a:lvl6pPr marL="2743200" lvl="5" indent="-304800">
               <a:spcBef>
                 <a:spcPts val="0"/>
               </a:spcBef>
@@ -3331,7 +3438,7 @@
               <a:buChar char="■"/>
               <a:defRPr sz="1200"/>
             </a:lvl6pPr>
-            <a:lvl7pPr indent="-304800" lvl="6" marL="3200400">
+            <a:lvl7pPr marL="3200400" lvl="6" indent="-304800">
               <a:spcBef>
                 <a:spcPts val="0"/>
               </a:spcBef>
@@ -3342,7 +3449,7 @@
               <a:buChar char="●"/>
               <a:defRPr sz="1200"/>
             </a:lvl7pPr>
-            <a:lvl8pPr indent="-304800" lvl="7" marL="3657600">
+            <a:lvl8pPr marL="3657600" lvl="7" indent="-304800">
               <a:spcBef>
                 <a:spcPts val="0"/>
               </a:spcBef>
@@ -3353,7 +3460,7 @@
               <a:buChar char="○"/>
               <a:defRPr sz="1200"/>
             </a:lvl8pPr>
-            <a:lvl9pPr indent="-304800" lvl="8" marL="4114800">
+            <a:lvl9pPr marL="4114800" lvl="8" indent="-304800">
               <a:spcBef>
                 <a:spcPts val="0"/>
               </a:spcBef>
@@ -3365,15 +3472,19 @@
               <a:defRPr sz="1200"/>
             </a:lvl9pPr>
           </a:lstStyle>
-          <a:p/>
+          <a:p>
+            <a:endParaRPr/>
+          </a:p>
         </p:txBody>
       </p:sp>
       <p:sp>
         <p:nvSpPr>
           <p:cNvPr id="23" name="Google Shape;23;p5"/>
-          <p:cNvSpPr txBox="1"/>
+          <p:cNvSpPr txBox="1">
+            <a:spLocks noGrp="1"/>
+          </p:cNvSpPr>
           <p:nvPr>
-            <p:ph idx="2" type="body"/>
+            <p:ph type="body" idx="2"/>
           </p:nvPr>
         </p:nvSpPr>
         <p:spPr>
@@ -3386,11 +3497,11 @@
           </a:prstGeom>
         </p:spPr>
         <p:txBody>
-          <a:bodyPr anchorCtr="0" anchor="t" bIns="91425" lIns="91425" spcFirstLastPara="1" rIns="91425" wrap="square" tIns="91425">
+          <a:bodyPr spcFirstLastPara="1" wrap="square" lIns="91425" tIns="91425" rIns="91425" bIns="91425" anchor="t" anchorCtr="0">
             <a:normAutofit/>
           </a:bodyPr>
           <a:lstStyle>
-            <a:lvl1pPr indent="-317500" lvl="0" marL="457200">
+            <a:lvl1pPr marL="457200" lvl="0" indent="-317500">
               <a:spcBef>
                 <a:spcPts val="0"/>
               </a:spcBef>
@@ -3401,7 +3512,7 @@
               <a:buChar char="●"/>
               <a:defRPr sz="1400"/>
             </a:lvl1pPr>
-            <a:lvl2pPr indent="-304800" lvl="1" marL="914400">
+            <a:lvl2pPr marL="914400" lvl="1" indent="-304800">
               <a:spcBef>
                 <a:spcPts val="0"/>
               </a:spcBef>
@@ -3412,7 +3523,7 @@
               <a:buChar char="○"/>
               <a:defRPr sz="1200"/>
             </a:lvl2pPr>
-            <a:lvl3pPr indent="-304800" lvl="2" marL="1371600">
+            <a:lvl3pPr marL="1371600" lvl="2" indent="-304800">
               <a:spcBef>
                 <a:spcPts val="0"/>
               </a:spcBef>
@@ -3423,7 +3534,7 @@
               <a:buChar char="■"/>
               <a:defRPr sz="1200"/>
             </a:lvl3pPr>
-            <a:lvl4pPr indent="-304800" lvl="3" marL="1828800">
+            <a:lvl4pPr marL="1828800" lvl="3" indent="-304800">
               <a:spcBef>
                 <a:spcPts val="0"/>
               </a:spcBef>
@@ -3434,7 +3545,7 @@
               <a:buChar char="●"/>
               <a:defRPr sz="1200"/>
             </a:lvl4pPr>
-            <a:lvl5pPr indent="-304800" lvl="4" marL="2286000">
+            <a:lvl5pPr marL="2286000" lvl="4" indent="-304800">
               <a:spcBef>
                 <a:spcPts val="0"/>
               </a:spcBef>
@@ -3445,7 +3556,7 @@
               <a:buChar char="○"/>
               <a:defRPr sz="1200"/>
             </a:lvl5pPr>
-            <a:lvl6pPr indent="-304800" lvl="5" marL="2743200">
+            <a:lvl6pPr marL="2743200" lvl="5" indent="-304800">
               <a:spcBef>
                 <a:spcPts val="0"/>
               </a:spcBef>
@@ -3456,7 +3567,7 @@
               <a:buChar char="■"/>
               <a:defRPr sz="1200"/>
             </a:lvl6pPr>
-            <a:lvl7pPr indent="-304800" lvl="6" marL="3200400">
+            <a:lvl7pPr marL="3200400" lvl="6" indent="-304800">
               <a:spcBef>
                 <a:spcPts val="0"/>
               </a:spcBef>
@@ -3467,7 +3578,7 @@
               <a:buChar char="●"/>
               <a:defRPr sz="1200"/>
             </a:lvl7pPr>
-            <a:lvl8pPr indent="-304800" lvl="7" marL="3657600">
+            <a:lvl8pPr marL="3657600" lvl="7" indent="-304800">
               <a:spcBef>
                 <a:spcPts val="0"/>
               </a:spcBef>
@@ -3478,7 +3589,7 @@
               <a:buChar char="○"/>
               <a:defRPr sz="1200"/>
             </a:lvl8pPr>
-            <a:lvl9pPr indent="-304800" lvl="8" marL="4114800">
+            <a:lvl9pPr marL="4114800" lvl="8" indent="-304800">
               <a:spcBef>
                 <a:spcPts val="0"/>
               </a:spcBef>
@@ -3490,15 +3601,19 @@
               <a:defRPr sz="1200"/>
             </a:lvl9pPr>
           </a:lstStyle>
-          <a:p/>
+          <a:p>
+            <a:endParaRPr/>
+          </a:p>
         </p:txBody>
       </p:sp>
       <p:sp>
         <p:nvSpPr>
           <p:cNvPr id="24" name="Google Shape;24;p5"/>
-          <p:cNvSpPr txBox="1"/>
+          <p:cNvSpPr txBox="1">
+            <a:spLocks noGrp="1"/>
+          </p:cNvSpPr>
           <p:nvPr>
-            <p:ph idx="12" type="sldNum"/>
+            <p:ph type="sldNum" idx="12"/>
           </p:nvPr>
         </p:nvSpPr>
         <p:spPr>
@@ -3511,7 +3626,7 @@
           </a:prstGeom>
         </p:spPr>
         <p:txBody>
-          <a:bodyPr anchorCtr="0" anchor="ctr" bIns="91425" lIns="91425" spcFirstLastPara="1" rIns="91425" wrap="square" tIns="91425">
+          <a:bodyPr spcFirstLastPara="1" wrap="square" lIns="91425" tIns="91425" rIns="91425" bIns="91425" anchor="ctr" anchorCtr="0">
             <a:normAutofit/>
           </a:bodyPr>
           <a:lstStyle>
@@ -3553,7 +3668,7 @@
             </a:lvl9pPr>
           </a:lstStyle>
           <a:p>
-            <a:pPr indent="0" lvl="0" marL="0" rtl="0" algn="r">
+            <a:pPr marL="0" lvl="0" indent="0" algn="r" rtl="0">
               <a:spcBef>
                 <a:spcPts val="0"/>
               </a:spcBef>
@@ -3579,11 +3694,11 @@
 </file>
 
 <file path=ppt/slideLayouts/slideLayout5.xml><?xml version="1.0" encoding="utf-8"?>
-<p:sldLayout xmlns:a="http://schemas.openxmlformats.org/drawingml/2006/main" xmlns:r="http://schemas.openxmlformats.org/officeDocument/2006/relationships" xmlns:mc="http://schemas.openxmlformats.org/markup-compatibility/2006" xmlns:mv="urn:schemas-microsoft-com:mac:vml" xmlns:p="http://schemas.openxmlformats.org/presentationml/2006/main" xmlns:c="http://schemas.openxmlformats.org/drawingml/2006/chart" xmlns:dgm="http://schemas.openxmlformats.org/drawingml/2006/diagram" xmlns:o="urn:schemas-microsoft-com:office:office" xmlns:v="urn:schemas-microsoft-com:vml" xmlns:pvml="urn:schemas-microsoft-com:office:powerpoint" xmlns:com="http://schemas.openxmlformats.org/drawingml/2006/compatibility" xmlns:p14="http://schemas.microsoft.com/office/powerpoint/2010/main" xmlns:p15="http://schemas.microsoft.com/office/powerpoint/2012/main" xmlns:ahyp="http://schemas.microsoft.com/office/drawing/2018/hyperlinkcolor" matchingName="Title only" type="titleOnly">
+<p:sldLayout xmlns:a="http://schemas.openxmlformats.org/drawingml/2006/main" xmlns:r="http://schemas.openxmlformats.org/officeDocument/2006/relationships" xmlns:p="http://schemas.openxmlformats.org/presentationml/2006/main" matchingName="Title only" type="titleOnly">
   <p:cSld name="TITLE_ONLY">
     <p:spTree>
       <p:nvGrpSpPr>
-        <p:cNvPr id="25" name="Shape 25"/>
+        <p:cNvPr id="1" name="Shape 25"/>
         <p:cNvGrpSpPr/>
         <p:nvPr/>
       </p:nvGrpSpPr>
@@ -3598,7 +3713,9 @@
       <p:sp>
         <p:nvSpPr>
           <p:cNvPr id="26" name="Google Shape;26;p6"/>
-          <p:cNvSpPr txBox="1"/>
+          <p:cNvSpPr txBox="1">
+            <a:spLocks noGrp="1"/>
+          </p:cNvSpPr>
           <p:nvPr>
             <p:ph type="title"/>
           </p:nvPr>
@@ -3613,7 +3730,7 @@
           </a:prstGeom>
         </p:spPr>
         <p:txBody>
-          <a:bodyPr anchorCtr="0" anchor="t" bIns="91425" lIns="91425" spcFirstLastPara="1" rIns="91425" wrap="square" tIns="91425">
+          <a:bodyPr spcFirstLastPara="1" wrap="square" lIns="91425" tIns="91425" rIns="91425" bIns="91425" anchor="t" anchorCtr="0">
             <a:normAutofit/>
           </a:bodyPr>
           <a:lstStyle>
@@ -3717,15 +3834,19 @@
               <a:defRPr/>
             </a:lvl9pPr>
           </a:lstStyle>
-          <a:p/>
+          <a:p>
+            <a:endParaRPr/>
+          </a:p>
         </p:txBody>
       </p:sp>
       <p:sp>
         <p:nvSpPr>
           <p:cNvPr id="27" name="Google Shape;27;p6"/>
-          <p:cNvSpPr txBox="1"/>
+          <p:cNvSpPr txBox="1">
+            <a:spLocks noGrp="1"/>
+          </p:cNvSpPr>
           <p:nvPr>
-            <p:ph idx="12" type="sldNum"/>
+            <p:ph type="sldNum" idx="12"/>
           </p:nvPr>
         </p:nvSpPr>
         <p:spPr>
@@ -3738,7 +3859,7 @@
           </a:prstGeom>
         </p:spPr>
         <p:txBody>
-          <a:bodyPr anchorCtr="0" anchor="ctr" bIns="91425" lIns="91425" spcFirstLastPara="1" rIns="91425" wrap="square" tIns="91425">
+          <a:bodyPr spcFirstLastPara="1" wrap="square" lIns="91425" tIns="91425" rIns="91425" bIns="91425" anchor="ctr" anchorCtr="0">
             <a:normAutofit/>
           </a:bodyPr>
           <a:lstStyle>
@@ -3780,7 +3901,7 @@
             </a:lvl9pPr>
           </a:lstStyle>
           <a:p>
-            <a:pPr indent="0" lvl="0" marL="0" rtl="0" algn="r">
+            <a:pPr marL="0" lvl="0" indent="0" algn="r" rtl="0">
               <a:spcBef>
                 <a:spcPts val="0"/>
               </a:spcBef>
@@ -3806,11 +3927,11 @@
 </file>
 
 <file path=ppt/slideLayouts/slideLayout6.xml><?xml version="1.0" encoding="utf-8"?>
-<p:sldLayout xmlns:a="http://schemas.openxmlformats.org/drawingml/2006/main" xmlns:r="http://schemas.openxmlformats.org/officeDocument/2006/relationships" xmlns:mc="http://schemas.openxmlformats.org/markup-compatibility/2006" xmlns:mv="urn:schemas-microsoft-com:mac:vml" xmlns:p="http://schemas.openxmlformats.org/presentationml/2006/main" xmlns:c="http://schemas.openxmlformats.org/drawingml/2006/chart" xmlns:dgm="http://schemas.openxmlformats.org/drawingml/2006/diagram" xmlns:o="urn:schemas-microsoft-com:office:office" xmlns:v="urn:schemas-microsoft-com:vml" xmlns:pvml="urn:schemas-microsoft-com:office:powerpoint" xmlns:com="http://schemas.openxmlformats.org/drawingml/2006/compatibility" xmlns:p14="http://schemas.microsoft.com/office/powerpoint/2010/main" xmlns:p15="http://schemas.microsoft.com/office/powerpoint/2012/main" xmlns:ahyp="http://schemas.microsoft.com/office/drawing/2018/hyperlinkcolor" matchingName="One column text">
+<p:sldLayout xmlns:a="http://schemas.openxmlformats.org/drawingml/2006/main" xmlns:r="http://schemas.openxmlformats.org/officeDocument/2006/relationships" xmlns:p="http://schemas.openxmlformats.org/presentationml/2006/main" matchingName="One column text">
   <p:cSld name="ONE_COLUMN_TEXT">
     <p:spTree>
       <p:nvGrpSpPr>
-        <p:cNvPr id="28" name="Shape 28"/>
+        <p:cNvPr id="1" name="Shape 28"/>
         <p:cNvGrpSpPr/>
         <p:nvPr/>
       </p:nvGrpSpPr>
@@ -3825,7 +3946,9 @@
       <p:sp>
         <p:nvSpPr>
           <p:cNvPr id="29" name="Google Shape;29;p7"/>
-          <p:cNvSpPr txBox="1"/>
+          <p:cNvSpPr txBox="1">
+            <a:spLocks noGrp="1"/>
+          </p:cNvSpPr>
           <p:nvPr>
             <p:ph type="title"/>
           </p:nvPr>
@@ -3840,7 +3963,7 @@
           </a:prstGeom>
         </p:spPr>
         <p:txBody>
-          <a:bodyPr anchorCtr="0" anchor="b" bIns="91425" lIns="91425" spcFirstLastPara="1" rIns="91425" wrap="square" tIns="91425">
+          <a:bodyPr spcFirstLastPara="1" wrap="square" lIns="91425" tIns="91425" rIns="91425" bIns="91425" anchor="b" anchorCtr="0">
             <a:normAutofit/>
           </a:bodyPr>
           <a:lstStyle>
@@ -3944,15 +4067,19 @@
               <a:defRPr sz="2400"/>
             </a:lvl9pPr>
           </a:lstStyle>
-          <a:p/>
+          <a:p>
+            <a:endParaRPr/>
+          </a:p>
         </p:txBody>
       </p:sp>
       <p:sp>
         <p:nvSpPr>
           <p:cNvPr id="30" name="Google Shape;30;p7"/>
-          <p:cNvSpPr txBox="1"/>
+          <p:cNvSpPr txBox="1">
+            <a:spLocks noGrp="1"/>
+          </p:cNvSpPr>
           <p:nvPr>
-            <p:ph idx="1" type="body"/>
+            <p:ph type="body" idx="1"/>
           </p:nvPr>
         </p:nvSpPr>
         <p:spPr>
@@ -3965,11 +4092,11 @@
           </a:prstGeom>
         </p:spPr>
         <p:txBody>
-          <a:bodyPr anchorCtr="0" anchor="t" bIns="91425" lIns="91425" spcFirstLastPara="1" rIns="91425" wrap="square" tIns="91425">
+          <a:bodyPr spcFirstLastPara="1" wrap="square" lIns="91425" tIns="91425" rIns="91425" bIns="91425" anchor="t" anchorCtr="0">
             <a:normAutofit/>
           </a:bodyPr>
           <a:lstStyle>
-            <a:lvl1pPr indent="-304800" lvl="0" marL="457200">
+            <a:lvl1pPr marL="457200" lvl="0" indent="-304800">
               <a:spcBef>
                 <a:spcPts val="0"/>
               </a:spcBef>
@@ -3980,7 +4107,7 @@
               <a:buChar char="●"/>
               <a:defRPr sz="1200"/>
             </a:lvl1pPr>
-            <a:lvl2pPr indent="-304800" lvl="1" marL="914400">
+            <a:lvl2pPr marL="914400" lvl="1" indent="-304800">
               <a:spcBef>
                 <a:spcPts val="0"/>
               </a:spcBef>
@@ -3991,7 +4118,7 @@
               <a:buChar char="○"/>
               <a:defRPr sz="1200"/>
             </a:lvl2pPr>
-            <a:lvl3pPr indent="-304800" lvl="2" marL="1371600">
+            <a:lvl3pPr marL="1371600" lvl="2" indent="-304800">
               <a:spcBef>
                 <a:spcPts val="0"/>
               </a:spcBef>
@@ -4002,7 +4129,7 @@
               <a:buChar char="■"/>
               <a:defRPr sz="1200"/>
             </a:lvl3pPr>
-            <a:lvl4pPr indent="-304800" lvl="3" marL="1828800">
+            <a:lvl4pPr marL="1828800" lvl="3" indent="-304800">
               <a:spcBef>
                 <a:spcPts val="0"/>
               </a:spcBef>
@@ -4013,7 +4140,7 @@
               <a:buChar char="●"/>
               <a:defRPr sz="1200"/>
             </a:lvl4pPr>
-            <a:lvl5pPr indent="-304800" lvl="4" marL="2286000">
+            <a:lvl5pPr marL="2286000" lvl="4" indent="-304800">
               <a:spcBef>
                 <a:spcPts val="0"/>
               </a:spcBef>
@@ -4024,7 +4151,7 @@
               <a:buChar char="○"/>
               <a:defRPr sz="1200"/>
             </a:lvl5pPr>
-            <a:lvl6pPr indent="-304800" lvl="5" marL="2743200">
+            <a:lvl6pPr marL="2743200" lvl="5" indent="-304800">
               <a:spcBef>
                 <a:spcPts val="0"/>
               </a:spcBef>
@@ -4035,7 +4162,7 @@
               <a:buChar char="■"/>
               <a:defRPr sz="1200"/>
             </a:lvl6pPr>
-            <a:lvl7pPr indent="-304800" lvl="6" marL="3200400">
+            <a:lvl7pPr marL="3200400" lvl="6" indent="-304800">
               <a:spcBef>
                 <a:spcPts val="0"/>
               </a:spcBef>
@@ -4046,7 +4173,7 @@
               <a:buChar char="●"/>
               <a:defRPr sz="1200"/>
             </a:lvl7pPr>
-            <a:lvl8pPr indent="-304800" lvl="7" marL="3657600">
+            <a:lvl8pPr marL="3657600" lvl="7" indent="-304800">
               <a:spcBef>
                 <a:spcPts val="0"/>
               </a:spcBef>
@@ -4057,7 +4184,7 @@
               <a:buChar char="○"/>
               <a:defRPr sz="1200"/>
             </a:lvl8pPr>
-            <a:lvl9pPr indent="-304800" lvl="8" marL="4114800">
+            <a:lvl9pPr marL="4114800" lvl="8" indent="-304800">
               <a:spcBef>
                 <a:spcPts val="0"/>
               </a:spcBef>
@@ -4069,15 +4196,19 @@
               <a:defRPr sz="1200"/>
             </a:lvl9pPr>
           </a:lstStyle>
-          <a:p/>
+          <a:p>
+            <a:endParaRPr/>
+          </a:p>
         </p:txBody>
       </p:sp>
       <p:sp>
         <p:nvSpPr>
           <p:cNvPr id="31" name="Google Shape;31;p7"/>
-          <p:cNvSpPr txBox="1"/>
+          <p:cNvSpPr txBox="1">
+            <a:spLocks noGrp="1"/>
+          </p:cNvSpPr>
           <p:nvPr>
-            <p:ph idx="12" type="sldNum"/>
+            <p:ph type="sldNum" idx="12"/>
           </p:nvPr>
         </p:nvSpPr>
         <p:spPr>
@@ -4090,7 +4221,7 @@
           </a:prstGeom>
         </p:spPr>
         <p:txBody>
-          <a:bodyPr anchorCtr="0" anchor="ctr" bIns="91425" lIns="91425" spcFirstLastPara="1" rIns="91425" wrap="square" tIns="91425">
+          <a:bodyPr spcFirstLastPara="1" wrap="square" lIns="91425" tIns="91425" rIns="91425" bIns="91425" anchor="ctr" anchorCtr="0">
             <a:normAutofit/>
           </a:bodyPr>
           <a:lstStyle>
@@ -4132,7 +4263,7 @@
             </a:lvl9pPr>
           </a:lstStyle>
           <a:p>
-            <a:pPr indent="0" lvl="0" marL="0" rtl="0" algn="r">
+            <a:pPr marL="0" lvl="0" indent="0" algn="r" rtl="0">
               <a:spcBef>
                 <a:spcPts val="0"/>
               </a:spcBef>
@@ -4158,11 +4289,11 @@
 </file>
 
 <file path=ppt/slideLayouts/slideLayout7.xml><?xml version="1.0" encoding="utf-8"?>
-<p:sldLayout xmlns:a="http://schemas.openxmlformats.org/drawingml/2006/main" xmlns:r="http://schemas.openxmlformats.org/officeDocument/2006/relationships" xmlns:mc="http://schemas.openxmlformats.org/markup-compatibility/2006" xmlns:mv="urn:schemas-microsoft-com:mac:vml" xmlns:p="http://schemas.openxmlformats.org/presentationml/2006/main" xmlns:c="http://schemas.openxmlformats.org/drawingml/2006/chart" xmlns:dgm="http://schemas.openxmlformats.org/drawingml/2006/diagram" xmlns:o="urn:schemas-microsoft-com:office:office" xmlns:v="urn:schemas-microsoft-com:vml" xmlns:pvml="urn:schemas-microsoft-com:office:powerpoint" xmlns:com="http://schemas.openxmlformats.org/drawingml/2006/compatibility" xmlns:p14="http://schemas.microsoft.com/office/powerpoint/2010/main" xmlns:p15="http://schemas.microsoft.com/office/powerpoint/2012/main" xmlns:ahyp="http://schemas.microsoft.com/office/drawing/2018/hyperlinkcolor" matchingName="Main point">
+<p:sldLayout xmlns:a="http://schemas.openxmlformats.org/drawingml/2006/main" xmlns:r="http://schemas.openxmlformats.org/officeDocument/2006/relationships" xmlns:p="http://schemas.openxmlformats.org/presentationml/2006/main" matchingName="Main point">
   <p:cSld name="MAIN_POINT">
     <p:spTree>
       <p:nvGrpSpPr>
-        <p:cNvPr id="32" name="Shape 32"/>
+        <p:cNvPr id="1" name="Shape 32"/>
         <p:cNvGrpSpPr/>
         <p:nvPr/>
       </p:nvGrpSpPr>
@@ -4177,7 +4308,9 @@
       <p:sp>
         <p:nvSpPr>
           <p:cNvPr id="33" name="Google Shape;33;p8"/>
-          <p:cNvSpPr txBox="1"/>
+          <p:cNvSpPr txBox="1">
+            <a:spLocks noGrp="1"/>
+          </p:cNvSpPr>
           <p:nvPr>
             <p:ph type="title"/>
           </p:nvPr>
@@ -4192,7 +4325,7 @@
           </a:prstGeom>
         </p:spPr>
         <p:txBody>
-          <a:bodyPr anchorCtr="0" anchor="ctr" bIns="91425" lIns="91425" spcFirstLastPara="1" rIns="91425" wrap="square" tIns="91425">
+          <a:bodyPr spcFirstLastPara="1" wrap="square" lIns="91425" tIns="91425" rIns="91425" bIns="91425" anchor="ctr" anchorCtr="0">
             <a:normAutofit/>
           </a:bodyPr>
           <a:lstStyle>
@@ -4296,15 +4429,19 @@
               <a:defRPr sz="4800"/>
             </a:lvl9pPr>
           </a:lstStyle>
-          <a:p/>
+          <a:p>
+            <a:endParaRPr/>
+          </a:p>
         </p:txBody>
       </p:sp>
       <p:sp>
         <p:nvSpPr>
           <p:cNvPr id="34" name="Google Shape;34;p8"/>
-          <p:cNvSpPr txBox="1"/>
+          <p:cNvSpPr txBox="1">
+            <a:spLocks noGrp="1"/>
+          </p:cNvSpPr>
           <p:nvPr>
-            <p:ph idx="12" type="sldNum"/>
+            <p:ph type="sldNum" idx="12"/>
           </p:nvPr>
         </p:nvSpPr>
         <p:spPr>
@@ -4317,7 +4454,7 @@
           </a:prstGeom>
         </p:spPr>
         <p:txBody>
-          <a:bodyPr anchorCtr="0" anchor="ctr" bIns="91425" lIns="91425" spcFirstLastPara="1" rIns="91425" wrap="square" tIns="91425">
+          <a:bodyPr spcFirstLastPara="1" wrap="square" lIns="91425" tIns="91425" rIns="91425" bIns="91425" anchor="ctr" anchorCtr="0">
             <a:normAutofit/>
           </a:bodyPr>
           <a:lstStyle>
@@ -4359,7 +4496,7 @@
             </a:lvl9pPr>
           </a:lstStyle>
           <a:p>
-            <a:pPr indent="0" lvl="0" marL="0" rtl="0" algn="r">
+            <a:pPr marL="0" lvl="0" indent="0" algn="r" rtl="0">
               <a:spcBef>
                 <a:spcPts val="0"/>
               </a:spcBef>
@@ -4385,11 +4522,11 @@
 </file>
 
 <file path=ppt/slideLayouts/slideLayout8.xml><?xml version="1.0" encoding="utf-8"?>
-<p:sldLayout xmlns:a="http://schemas.openxmlformats.org/drawingml/2006/main" xmlns:r="http://schemas.openxmlformats.org/officeDocument/2006/relationships" xmlns:mc="http://schemas.openxmlformats.org/markup-compatibility/2006" xmlns:mv="urn:schemas-microsoft-com:mac:vml" xmlns:p="http://schemas.openxmlformats.org/presentationml/2006/main" xmlns:c="http://schemas.openxmlformats.org/drawingml/2006/chart" xmlns:dgm="http://schemas.openxmlformats.org/drawingml/2006/diagram" xmlns:o="urn:schemas-microsoft-com:office:office" xmlns:v="urn:schemas-microsoft-com:vml" xmlns:pvml="urn:schemas-microsoft-com:office:powerpoint" xmlns:com="http://schemas.openxmlformats.org/drawingml/2006/compatibility" xmlns:p14="http://schemas.microsoft.com/office/powerpoint/2010/main" xmlns:p15="http://schemas.microsoft.com/office/powerpoint/2012/main" xmlns:ahyp="http://schemas.microsoft.com/office/drawing/2018/hyperlinkcolor" matchingName="Section title and description">
+<p:sldLayout xmlns:a="http://schemas.openxmlformats.org/drawingml/2006/main" xmlns:r="http://schemas.openxmlformats.org/officeDocument/2006/relationships" xmlns:p="http://schemas.openxmlformats.org/presentationml/2006/main" matchingName="Section title and description">
   <p:cSld name="SECTION_TITLE_AND_DESCRIPTION">
     <p:spTree>
       <p:nvGrpSpPr>
-        <p:cNvPr id="35" name="Shape 35"/>
+        <p:cNvPr id="1" name="Shape 35"/>
         <p:cNvGrpSpPr/>
         <p:nvPr/>
       </p:nvGrpSpPr>
@@ -4423,12 +4560,12 @@
           </a:ln>
         </p:spPr>
         <p:txBody>
-          <a:bodyPr anchorCtr="0" anchor="ctr" bIns="91425" lIns="91425" spcFirstLastPara="1" rIns="91425" wrap="square" tIns="91425">
+          <a:bodyPr spcFirstLastPara="1" wrap="square" lIns="91425" tIns="91425" rIns="91425" bIns="91425" anchor="ctr" anchorCtr="0">
             <a:noAutofit/>
           </a:bodyPr>
           <a:lstStyle/>
           <a:p>
-            <a:pPr indent="0" lvl="0" marL="0" rtl="0" algn="l">
+            <a:pPr marL="0" lvl="0" indent="0" algn="l" rtl="0">
               <a:spcBef>
                 <a:spcPts val="0"/>
               </a:spcBef>
@@ -4437,9 +4574,6 @@
               </a:spcAft>
               <a:buNone/>
             </a:pPr>
-            <a:r>
-              <a:t/>
-            </a:r>
             <a:endParaRPr/>
           </a:p>
         </p:txBody>
@@ -4447,7 +4581,9 @@
       <p:sp>
         <p:nvSpPr>
           <p:cNvPr id="37" name="Google Shape;37;p9"/>
-          <p:cNvSpPr txBox="1"/>
+          <p:cNvSpPr txBox="1">
+            <a:spLocks noGrp="1"/>
+          </p:cNvSpPr>
           <p:nvPr>
             <p:ph type="title"/>
           </p:nvPr>
@@ -4462,7 +4598,7 @@
           </a:prstGeom>
         </p:spPr>
         <p:txBody>
-          <a:bodyPr anchorCtr="0" anchor="b" bIns="91425" lIns="91425" spcFirstLastPara="1" rIns="91425" wrap="square" tIns="91425">
+          <a:bodyPr spcFirstLastPara="1" wrap="square" lIns="91425" tIns="91425" rIns="91425" bIns="91425" anchor="b" anchorCtr="0">
             <a:normAutofit/>
           </a:bodyPr>
           <a:lstStyle>
@@ -4566,15 +4702,19 @@
               <a:defRPr sz="4200"/>
             </a:lvl9pPr>
           </a:lstStyle>
-          <a:p/>
+          <a:p>
+            <a:endParaRPr/>
+          </a:p>
         </p:txBody>
       </p:sp>
       <p:sp>
         <p:nvSpPr>
           <p:cNvPr id="38" name="Google Shape;38;p9"/>
-          <p:cNvSpPr txBox="1"/>
+          <p:cNvSpPr txBox="1">
+            <a:spLocks noGrp="1"/>
+          </p:cNvSpPr>
           <p:nvPr>
-            <p:ph idx="1" type="subTitle"/>
+            <p:ph type="subTitle" idx="1"/>
           </p:nvPr>
         </p:nvSpPr>
         <p:spPr>
@@ -4587,7 +4727,7 @@
           </a:prstGeom>
         </p:spPr>
         <p:txBody>
-          <a:bodyPr anchorCtr="0" anchor="t" bIns="91425" lIns="91425" spcFirstLastPara="1" rIns="91425" wrap="square" tIns="91425">
+          <a:bodyPr spcFirstLastPara="1" wrap="square" lIns="91425" tIns="91425" rIns="91425" bIns="91425" anchor="t" anchorCtr="0">
             <a:normAutofit/>
           </a:bodyPr>
           <a:lstStyle>
@@ -4718,15 +4858,19 @@
               <a:defRPr sz="2100"/>
             </a:lvl9pPr>
           </a:lstStyle>
-          <a:p/>
+          <a:p>
+            <a:endParaRPr/>
+          </a:p>
         </p:txBody>
       </p:sp>
       <p:sp>
         <p:nvSpPr>
           <p:cNvPr id="39" name="Google Shape;39;p9"/>
-          <p:cNvSpPr txBox="1"/>
+          <p:cNvSpPr txBox="1">
+            <a:spLocks noGrp="1"/>
+          </p:cNvSpPr>
           <p:nvPr>
-            <p:ph idx="2" type="body"/>
+            <p:ph type="body" idx="2"/>
           </p:nvPr>
         </p:nvSpPr>
         <p:spPr>
@@ -4739,11 +4883,11 @@
           </a:prstGeom>
         </p:spPr>
         <p:txBody>
-          <a:bodyPr anchorCtr="0" anchor="ctr" bIns="91425" lIns="91425" spcFirstLastPara="1" rIns="91425" wrap="square" tIns="91425">
+          <a:bodyPr spcFirstLastPara="1" wrap="square" lIns="91425" tIns="91425" rIns="91425" bIns="91425" anchor="ctr" anchorCtr="0">
             <a:normAutofit/>
           </a:bodyPr>
           <a:lstStyle>
-            <a:lvl1pPr indent="-342900" lvl="0" marL="457200">
+            <a:lvl1pPr marL="457200" lvl="0" indent="-342900">
               <a:spcBef>
                 <a:spcPts val="0"/>
               </a:spcBef>
@@ -4761,7 +4905,7 @@
                 </a:solidFill>
               </a:defRPr>
             </a:lvl1pPr>
-            <a:lvl2pPr indent="-317500" lvl="1" marL="914400">
+            <a:lvl2pPr marL="914400" lvl="1" indent="-317500">
               <a:spcBef>
                 <a:spcPts val="0"/>
               </a:spcBef>
@@ -4779,7 +4923,7 @@
                 </a:solidFill>
               </a:defRPr>
             </a:lvl2pPr>
-            <a:lvl3pPr indent="-317500" lvl="2" marL="1371600">
+            <a:lvl3pPr marL="1371600" lvl="2" indent="-317500">
               <a:spcBef>
                 <a:spcPts val="0"/>
               </a:spcBef>
@@ -4797,7 +4941,7 @@
                 </a:solidFill>
               </a:defRPr>
             </a:lvl3pPr>
-            <a:lvl4pPr indent="-317500" lvl="3" marL="1828800">
+            <a:lvl4pPr marL="1828800" lvl="3" indent="-317500">
               <a:spcBef>
                 <a:spcPts val="0"/>
               </a:spcBef>
@@ -4815,7 +4959,7 @@
                 </a:solidFill>
               </a:defRPr>
             </a:lvl4pPr>
-            <a:lvl5pPr indent="-317500" lvl="4" marL="2286000">
+            <a:lvl5pPr marL="2286000" lvl="4" indent="-317500">
               <a:spcBef>
                 <a:spcPts val="0"/>
               </a:spcBef>
@@ -4833,7 +4977,7 @@
                 </a:solidFill>
               </a:defRPr>
             </a:lvl5pPr>
-            <a:lvl6pPr indent="-317500" lvl="5" marL="2743200">
+            <a:lvl6pPr marL="2743200" lvl="5" indent="-317500">
               <a:spcBef>
                 <a:spcPts val="0"/>
               </a:spcBef>
@@ -4851,7 +4995,7 @@
                 </a:solidFill>
               </a:defRPr>
             </a:lvl6pPr>
-            <a:lvl7pPr indent="-317500" lvl="6" marL="3200400">
+            <a:lvl7pPr marL="3200400" lvl="6" indent="-317500">
               <a:spcBef>
                 <a:spcPts val="0"/>
               </a:spcBef>
@@ -4869,7 +5013,7 @@
                 </a:solidFill>
               </a:defRPr>
             </a:lvl7pPr>
-            <a:lvl8pPr indent="-317500" lvl="7" marL="3657600">
+            <a:lvl8pPr marL="3657600" lvl="7" indent="-317500">
               <a:spcBef>
                 <a:spcPts val="0"/>
               </a:spcBef>
@@ -4887,7 +5031,7 @@
                 </a:solidFill>
               </a:defRPr>
             </a:lvl8pPr>
-            <a:lvl9pPr indent="-317500" lvl="8" marL="4114800">
+            <a:lvl9pPr marL="4114800" lvl="8" indent="-317500">
               <a:spcBef>
                 <a:spcPts val="0"/>
               </a:spcBef>
@@ -4906,15 +5050,19 @@
               </a:defRPr>
             </a:lvl9pPr>
           </a:lstStyle>
-          <a:p/>
+          <a:p>
+            <a:endParaRPr/>
+          </a:p>
         </p:txBody>
       </p:sp>
       <p:sp>
         <p:nvSpPr>
           <p:cNvPr id="40" name="Google Shape;40;p9"/>
-          <p:cNvSpPr txBox="1"/>
+          <p:cNvSpPr txBox="1">
+            <a:spLocks noGrp="1"/>
+          </p:cNvSpPr>
           <p:nvPr>
-            <p:ph idx="12" type="sldNum"/>
+            <p:ph type="sldNum" idx="12"/>
           </p:nvPr>
         </p:nvSpPr>
         <p:spPr>
@@ -4927,7 +5075,7 @@
           </a:prstGeom>
         </p:spPr>
         <p:txBody>
-          <a:bodyPr anchorCtr="0" anchor="ctr" bIns="91425" lIns="91425" spcFirstLastPara="1" rIns="91425" wrap="square" tIns="91425">
+          <a:bodyPr spcFirstLastPara="1" wrap="square" lIns="91425" tIns="91425" rIns="91425" bIns="91425" anchor="ctr" anchorCtr="0">
             <a:normAutofit/>
           </a:bodyPr>
           <a:lstStyle>
@@ -4969,7 +5117,7 @@
             </a:lvl9pPr>
           </a:lstStyle>
           <a:p>
-            <a:pPr indent="0" lvl="0" marL="0" rtl="0" algn="r">
+            <a:pPr marL="0" lvl="0" indent="0" algn="r" rtl="0">
               <a:spcBef>
                 <a:spcPts val="0"/>
               </a:spcBef>
@@ -4995,11 +5143,11 @@
 </file>
 
 <file path=ppt/slideLayouts/slideLayout9.xml><?xml version="1.0" encoding="utf-8"?>
-<p:sldLayout xmlns:a="http://schemas.openxmlformats.org/drawingml/2006/main" xmlns:r="http://schemas.openxmlformats.org/officeDocument/2006/relationships" xmlns:mc="http://schemas.openxmlformats.org/markup-compatibility/2006" xmlns:mv="urn:schemas-microsoft-com:mac:vml" xmlns:p="http://schemas.openxmlformats.org/presentationml/2006/main" xmlns:c="http://schemas.openxmlformats.org/drawingml/2006/chart" xmlns:dgm="http://schemas.openxmlformats.org/drawingml/2006/diagram" xmlns:o="urn:schemas-microsoft-com:office:office" xmlns:v="urn:schemas-microsoft-com:vml" xmlns:pvml="urn:schemas-microsoft-com:office:powerpoint" xmlns:com="http://schemas.openxmlformats.org/drawingml/2006/compatibility" xmlns:p14="http://schemas.microsoft.com/office/powerpoint/2010/main" xmlns:p15="http://schemas.microsoft.com/office/powerpoint/2012/main" xmlns:ahyp="http://schemas.microsoft.com/office/drawing/2018/hyperlinkcolor" matchingName="Caption">
+<p:sldLayout xmlns:a="http://schemas.openxmlformats.org/drawingml/2006/main" xmlns:r="http://schemas.openxmlformats.org/officeDocument/2006/relationships" xmlns:p="http://schemas.openxmlformats.org/presentationml/2006/main" matchingName="Caption">
   <p:cSld name="CAPTION_ONLY">
     <p:spTree>
       <p:nvGrpSpPr>
-        <p:cNvPr id="41" name="Shape 41"/>
+        <p:cNvPr id="1" name="Shape 41"/>
         <p:cNvGrpSpPr/>
         <p:nvPr/>
       </p:nvGrpSpPr>
@@ -5014,9 +5162,11 @@
       <p:sp>
         <p:nvSpPr>
           <p:cNvPr id="42" name="Google Shape;42;p10"/>
-          <p:cNvSpPr txBox="1"/>
+          <p:cNvSpPr txBox="1">
+            <a:spLocks noGrp="1"/>
+          </p:cNvSpPr>
           <p:nvPr>
-            <p:ph idx="1" type="body"/>
+            <p:ph type="body" idx="1"/>
           </p:nvPr>
         </p:nvSpPr>
         <p:spPr>
@@ -5029,11 +5179,11 @@
           </a:prstGeom>
         </p:spPr>
         <p:txBody>
-          <a:bodyPr anchorCtr="0" anchor="ctr" bIns="91425" lIns="91425" spcFirstLastPara="1" rIns="91425" wrap="square" tIns="91425">
+          <a:bodyPr spcFirstLastPara="1" wrap="square" lIns="91425" tIns="91425" rIns="91425" bIns="91425" anchor="ctr" anchorCtr="0">
             <a:normAutofit/>
           </a:bodyPr>
           <a:lstStyle>
-            <a:lvl1pPr indent="-228600" lvl="0" marL="457200">
+            <a:lvl1pPr marL="457200" lvl="0" indent="-228600">
               <a:lnSpc>
                 <a:spcPct val="100000"/>
               </a:lnSpc>
@@ -5048,15 +5198,19 @@
               <a:defRPr/>
             </a:lvl1pPr>
           </a:lstStyle>
-          <a:p/>
+          <a:p>
+            <a:endParaRPr/>
+          </a:p>
         </p:txBody>
       </p:sp>
       <p:sp>
         <p:nvSpPr>
           <p:cNvPr id="43" name="Google Shape;43;p10"/>
-          <p:cNvSpPr txBox="1"/>
+          <p:cNvSpPr txBox="1">
+            <a:spLocks noGrp="1"/>
+          </p:cNvSpPr>
           <p:nvPr>
-            <p:ph idx="12" type="sldNum"/>
+            <p:ph type="sldNum" idx="12"/>
           </p:nvPr>
         </p:nvSpPr>
         <p:spPr>
@@ -5069,7 +5223,7 @@
           </a:prstGeom>
         </p:spPr>
         <p:txBody>
-          <a:bodyPr anchorCtr="0" anchor="ctr" bIns="91425" lIns="91425" spcFirstLastPara="1" rIns="91425" wrap="square" tIns="91425">
+          <a:bodyPr spcFirstLastPara="1" wrap="square" lIns="91425" tIns="91425" rIns="91425" bIns="91425" anchor="ctr" anchorCtr="0">
             <a:normAutofit/>
           </a:bodyPr>
           <a:lstStyle>
@@ -5111,7 +5265,7 @@
             </a:lvl9pPr>
           </a:lstStyle>
           <a:p>
-            <a:pPr indent="0" lvl="0" marL="0" rtl="0" algn="r">
+            <a:pPr marL="0" lvl="0" indent="0" algn="r" rtl="0">
               <a:spcBef>
                 <a:spcPts val="0"/>
               </a:spcBef>
@@ -5137,18 +5291,19 @@
 </file>
 
 <file path=ppt/slideMasters/slideMaster1.xml><?xml version="1.0" encoding="utf-8"?>
-<p:sldMaster xmlns:a="http://schemas.openxmlformats.org/drawingml/2006/main" xmlns:r="http://schemas.openxmlformats.org/officeDocument/2006/relationships" xmlns:mc="http://schemas.openxmlformats.org/markup-compatibility/2006" xmlns:mv="urn:schemas-microsoft-com:mac:vml" xmlns:p="http://schemas.openxmlformats.org/presentationml/2006/main" xmlns:c="http://schemas.openxmlformats.org/drawingml/2006/chart" xmlns:dgm="http://schemas.openxmlformats.org/drawingml/2006/diagram" xmlns:o="urn:schemas-microsoft-com:office:office" xmlns:v="urn:schemas-microsoft-com:vml" xmlns:pvml="urn:schemas-microsoft-com:office:powerpoint" xmlns:com="http://schemas.openxmlformats.org/drawingml/2006/compatibility" xmlns:p14="http://schemas.microsoft.com/office/powerpoint/2010/main" xmlns:p15="http://schemas.microsoft.com/office/powerpoint/2012/main" xmlns:ahyp="http://schemas.microsoft.com/office/drawing/2018/hyperlinkcolor">
+<p:sldMaster xmlns:a="http://schemas.openxmlformats.org/drawingml/2006/main" xmlns:r="http://schemas.openxmlformats.org/officeDocument/2006/relationships" xmlns:p="http://schemas.openxmlformats.org/presentationml/2006/main">
   <p:cSld name="simple-dark-2">
     <p:bg>
       <p:bgPr>
         <a:solidFill>
           <a:schemeClr val="lt1"/>
         </a:solidFill>
+        <a:effectLst/>
       </p:bgPr>
     </p:bg>
     <p:spTree>
       <p:nvGrpSpPr>
-        <p:cNvPr id="5" name="Shape 5"/>
+        <p:cNvPr id="1" name="Shape 5"/>
         <p:cNvGrpSpPr/>
         <p:nvPr/>
       </p:nvGrpSpPr>
@@ -5163,7 +5318,9 @@
       <p:sp>
         <p:nvSpPr>
           <p:cNvPr id="6" name="Google Shape;6;p1"/>
-          <p:cNvSpPr txBox="1"/>
+          <p:cNvSpPr txBox="1">
+            <a:spLocks noGrp="1"/>
+          </p:cNvSpPr>
           <p:nvPr>
             <p:ph type="title"/>
           </p:nvPr>
@@ -5182,7 +5339,7 @@
           </a:ln>
         </p:spPr>
         <p:txBody>
-          <a:bodyPr anchorCtr="0" anchor="t" bIns="91425" lIns="91425" spcFirstLastPara="1" rIns="91425" wrap="square" tIns="91425">
+          <a:bodyPr spcFirstLastPara="1" wrap="square" lIns="91425" tIns="91425" rIns="91425" bIns="91425" anchor="t" anchorCtr="0">
             <a:normAutofit/>
           </a:bodyPr>
           <a:lstStyle>
@@ -5349,15 +5506,19 @@
               </a:defRPr>
             </a:lvl9pPr>
           </a:lstStyle>
-          <a:p/>
+          <a:p>
+            <a:endParaRPr/>
+          </a:p>
         </p:txBody>
       </p:sp>
       <p:sp>
         <p:nvSpPr>
           <p:cNvPr id="7" name="Google Shape;7;p1"/>
-          <p:cNvSpPr txBox="1"/>
+          <p:cNvSpPr txBox="1">
+            <a:spLocks noGrp="1"/>
+          </p:cNvSpPr>
           <p:nvPr>
-            <p:ph idx="1" type="body"/>
+            <p:ph type="body" idx="1"/>
           </p:nvPr>
         </p:nvSpPr>
         <p:spPr>
@@ -5374,11 +5535,11 @@
           </a:ln>
         </p:spPr>
         <p:txBody>
-          <a:bodyPr anchorCtr="0" anchor="t" bIns="91425" lIns="91425" spcFirstLastPara="1" rIns="91425" wrap="square" tIns="91425">
+          <a:bodyPr spcFirstLastPara="1" wrap="square" lIns="91425" tIns="91425" rIns="91425" bIns="91425" anchor="t" anchorCtr="0">
             <a:normAutofit/>
           </a:bodyPr>
           <a:lstStyle>
-            <a:lvl1pPr indent="-342900" lvl="0" marL="457200">
+            <a:lvl1pPr marL="457200" lvl="0" indent="-342900">
               <a:lnSpc>
                 <a:spcPct val="115000"/>
               </a:lnSpc>
@@ -5399,7 +5560,7 @@
                 </a:solidFill>
               </a:defRPr>
             </a:lvl1pPr>
-            <a:lvl2pPr indent="-317500" lvl="1" marL="914400">
+            <a:lvl2pPr marL="914400" lvl="1" indent="-317500">
               <a:lnSpc>
                 <a:spcPct val="115000"/>
               </a:lnSpc>
@@ -5420,7 +5581,7 @@
                 </a:solidFill>
               </a:defRPr>
             </a:lvl2pPr>
-            <a:lvl3pPr indent="-317500" lvl="2" marL="1371600">
+            <a:lvl3pPr marL="1371600" lvl="2" indent="-317500">
               <a:lnSpc>
                 <a:spcPct val="115000"/>
               </a:lnSpc>
@@ -5441,7 +5602,7 @@
                 </a:solidFill>
               </a:defRPr>
             </a:lvl3pPr>
-            <a:lvl4pPr indent="-317500" lvl="3" marL="1828800">
+            <a:lvl4pPr marL="1828800" lvl="3" indent="-317500">
               <a:lnSpc>
                 <a:spcPct val="115000"/>
               </a:lnSpc>
@@ -5462,7 +5623,7 @@
                 </a:solidFill>
               </a:defRPr>
             </a:lvl4pPr>
-            <a:lvl5pPr indent="-317500" lvl="4" marL="2286000">
+            <a:lvl5pPr marL="2286000" lvl="4" indent="-317500">
               <a:lnSpc>
                 <a:spcPct val="115000"/>
               </a:lnSpc>
@@ -5483,7 +5644,7 @@
                 </a:solidFill>
               </a:defRPr>
             </a:lvl5pPr>
-            <a:lvl6pPr indent="-317500" lvl="5" marL="2743200">
+            <a:lvl6pPr marL="2743200" lvl="5" indent="-317500">
               <a:lnSpc>
                 <a:spcPct val="115000"/>
               </a:lnSpc>
@@ -5504,7 +5665,7 @@
                 </a:solidFill>
               </a:defRPr>
             </a:lvl6pPr>
-            <a:lvl7pPr indent="-317500" lvl="6" marL="3200400">
+            <a:lvl7pPr marL="3200400" lvl="6" indent="-317500">
               <a:lnSpc>
                 <a:spcPct val="115000"/>
               </a:lnSpc>
@@ -5525,7 +5686,7 @@
                 </a:solidFill>
               </a:defRPr>
             </a:lvl7pPr>
-            <a:lvl8pPr indent="-317500" lvl="7" marL="3657600">
+            <a:lvl8pPr marL="3657600" lvl="7" indent="-317500">
               <a:lnSpc>
                 <a:spcPct val="115000"/>
               </a:lnSpc>
@@ -5546,7 +5707,7 @@
                 </a:solidFill>
               </a:defRPr>
             </a:lvl8pPr>
-            <a:lvl9pPr indent="-317500" lvl="8" marL="4114800">
+            <a:lvl9pPr marL="4114800" lvl="8" indent="-317500">
               <a:lnSpc>
                 <a:spcPct val="115000"/>
               </a:lnSpc>
@@ -5568,15 +5729,19 @@
               </a:defRPr>
             </a:lvl9pPr>
           </a:lstStyle>
-          <a:p/>
+          <a:p>
+            <a:endParaRPr/>
+          </a:p>
         </p:txBody>
       </p:sp>
       <p:sp>
         <p:nvSpPr>
           <p:cNvPr id="8" name="Google Shape;8;p1"/>
-          <p:cNvSpPr txBox="1"/>
+          <p:cNvSpPr txBox="1">
+            <a:spLocks noGrp="1"/>
+          </p:cNvSpPr>
           <p:nvPr>
-            <p:ph idx="12" type="sldNum"/>
+            <p:ph type="sldNum" idx="12"/>
           </p:nvPr>
         </p:nvSpPr>
         <p:spPr>
@@ -5593,7 +5758,7 @@
           </a:ln>
         </p:spPr>
         <p:txBody>
-          <a:bodyPr anchorCtr="0" anchor="ctr" bIns="91425" lIns="91425" spcFirstLastPara="1" rIns="91425" wrap="square" tIns="91425">
+          <a:bodyPr spcFirstLastPara="1" wrap="square" lIns="91425" tIns="91425" rIns="91425" bIns="91425" anchor="ctr" anchorCtr="0">
             <a:normAutofit/>
           </a:bodyPr>
           <a:lstStyle>
@@ -5671,7 +5836,7 @@
             </a:lvl9pPr>
           </a:lstStyle>
           <a:p>
-            <a:pPr indent="0" lvl="0" marL="0" rtl="0" algn="r">
+            <a:pPr marL="0" lvl="0" indent="0" algn="r" rtl="0">
               <a:spcBef>
                 <a:spcPts val="0"/>
               </a:spcBef>
@@ -5690,7 +5855,7 @@
       </p:sp>
     </p:spTree>
   </p:cSld>
-  <p:clrMap accent1="accent1" accent2="accent2" accent3="accent3" accent4="accent4" accent5="accent5" accent6="accent6" bg1="lt1" bg2="dk2" tx1="dk1" tx2="lt2" folHlink="folHlink" hlink="hlink"/>
+  <p:clrMap bg1="lt1" tx1="dk1" bg2="dk2" tx2="lt2" accent1="accent1" accent2="accent2" accent3="accent3" accent4="accent4" accent5="accent5" accent6="accent6" hlink="hlink" folHlink="folHlink"/>
   <p:sldLayoutIdLst>
     <p:sldLayoutId id="2147483648" r:id="rId1"/>
     <p:sldLayoutId id="2147483649" r:id="rId2"/>
@@ -5704,10 +5869,10 @@
     <p:sldLayoutId id="2147483657" r:id="rId10"/>
     <p:sldLayoutId id="2147483658" r:id="rId11"/>
   </p:sldLayoutIdLst>
-  <p:hf dt="0" ftr="0" hdr="0" sldNum="0"/>
+  <p:hf sldNum="0" hdr="0" ftr="0" dt="0"/>
   <p:txStyles>
     <p:titleStyle>
-      <a:defPPr lvl="0" marR="0" rtl="0" algn="l">
+      <a:defPPr marR="0" lvl="0" algn="l" rtl="0">
         <a:lnSpc>
           <a:spcPct val="100000"/>
         </a:lnSpc>
@@ -5718,7 +5883,7 @@
           <a:spcPts val="0"/>
         </a:spcAft>
       </a:defPPr>
-      <a:lvl1pPr lvl="0" marR="0" rtl="0" algn="l">
+      <a:lvl1pPr marR="0" lvl="0" algn="l" rtl="0">
         <a:lnSpc>
           <a:spcPct val="100000"/>
         </a:lnSpc>
@@ -5732,7 +5897,7 @@
           <a:srgbClr val="000000"/>
         </a:buClr>
         <a:buFont typeface="Arial"/>
-        <a:defRPr b="0" i="0" sz="1400" u="none" cap="none" strike="noStrike">
+        <a:defRPr sz="1400" b="0" i="0" u="none" strike="noStrike" cap="none">
           <a:solidFill>
             <a:srgbClr val="000000"/>
           </a:solidFill>
@@ -5742,7 +5907,7 @@
           <a:sym typeface="Arial"/>
         </a:defRPr>
       </a:lvl1pPr>
-      <a:lvl2pPr lvl="1" marR="0" rtl="0" algn="l">
+      <a:lvl2pPr marR="0" lvl="1" algn="l" rtl="0">
         <a:lnSpc>
           <a:spcPct val="100000"/>
         </a:lnSpc>
@@ -5756,7 +5921,7 @@
           <a:srgbClr val="000000"/>
         </a:buClr>
         <a:buFont typeface="Arial"/>
-        <a:defRPr b="0" i="0" sz="1400" u="none" cap="none" strike="noStrike">
+        <a:defRPr sz="1400" b="0" i="0" u="none" strike="noStrike" cap="none">
           <a:solidFill>
             <a:srgbClr val="000000"/>
           </a:solidFill>
@@ -5766,7 +5931,7 @@
           <a:sym typeface="Arial"/>
         </a:defRPr>
       </a:lvl2pPr>
-      <a:lvl3pPr lvl="2" marR="0" rtl="0" algn="l">
+      <a:lvl3pPr marR="0" lvl="2" algn="l" rtl="0">
         <a:lnSpc>
           <a:spcPct val="100000"/>
         </a:lnSpc>
@@ -5780,7 +5945,7 @@
           <a:srgbClr val="000000"/>
         </a:buClr>
         <a:buFont typeface="Arial"/>
-        <a:defRPr b="0" i="0" sz="1400" u="none" cap="none" strike="noStrike">
+        <a:defRPr sz="1400" b="0" i="0" u="none" strike="noStrike" cap="none">
           <a:solidFill>
             <a:srgbClr val="000000"/>
           </a:solidFill>
@@ -5790,7 +5955,7 @@
           <a:sym typeface="Arial"/>
         </a:defRPr>
       </a:lvl3pPr>
-      <a:lvl4pPr lvl="3" marR="0" rtl="0" algn="l">
+      <a:lvl4pPr marR="0" lvl="3" algn="l" rtl="0">
         <a:lnSpc>
           <a:spcPct val="100000"/>
         </a:lnSpc>
@@ -5804,7 +5969,7 @@
           <a:srgbClr val="000000"/>
         </a:buClr>
         <a:buFont typeface="Arial"/>
-        <a:defRPr b="0" i="0" sz="1400" u="none" cap="none" strike="noStrike">
+        <a:defRPr sz="1400" b="0" i="0" u="none" strike="noStrike" cap="none">
           <a:solidFill>
             <a:srgbClr val="000000"/>
           </a:solidFill>
@@ -5814,7 +5979,7 @@
           <a:sym typeface="Arial"/>
         </a:defRPr>
       </a:lvl4pPr>
-      <a:lvl5pPr lvl="4" marR="0" rtl="0" algn="l">
+      <a:lvl5pPr marR="0" lvl="4" algn="l" rtl="0">
         <a:lnSpc>
           <a:spcPct val="100000"/>
         </a:lnSpc>
@@ -5828,7 +5993,7 @@
           <a:srgbClr val="000000"/>
         </a:buClr>
         <a:buFont typeface="Arial"/>
-        <a:defRPr b="0" i="0" sz="1400" u="none" cap="none" strike="noStrike">
+        <a:defRPr sz="1400" b="0" i="0" u="none" strike="noStrike" cap="none">
           <a:solidFill>
             <a:srgbClr val="000000"/>
           </a:solidFill>
@@ -5838,7 +6003,7 @@
           <a:sym typeface="Arial"/>
         </a:defRPr>
       </a:lvl5pPr>
-      <a:lvl6pPr lvl="5" marR="0" rtl="0" algn="l">
+      <a:lvl6pPr marR="0" lvl="5" algn="l" rtl="0">
         <a:lnSpc>
           <a:spcPct val="100000"/>
         </a:lnSpc>
@@ -5852,7 +6017,7 @@
           <a:srgbClr val="000000"/>
         </a:buClr>
         <a:buFont typeface="Arial"/>
-        <a:defRPr b="0" i="0" sz="1400" u="none" cap="none" strike="noStrike">
+        <a:defRPr sz="1400" b="0" i="0" u="none" strike="noStrike" cap="none">
           <a:solidFill>
             <a:srgbClr val="000000"/>
           </a:solidFill>
@@ -5862,7 +6027,7 @@
           <a:sym typeface="Arial"/>
         </a:defRPr>
       </a:lvl6pPr>
-      <a:lvl7pPr lvl="6" marR="0" rtl="0" algn="l">
+      <a:lvl7pPr marR="0" lvl="6" algn="l" rtl="0">
         <a:lnSpc>
           <a:spcPct val="100000"/>
         </a:lnSpc>
@@ -5876,7 +6041,7 @@
           <a:srgbClr val="000000"/>
         </a:buClr>
         <a:buFont typeface="Arial"/>
-        <a:defRPr b="0" i="0" sz="1400" u="none" cap="none" strike="noStrike">
+        <a:defRPr sz="1400" b="0" i="0" u="none" strike="noStrike" cap="none">
           <a:solidFill>
             <a:srgbClr val="000000"/>
           </a:solidFill>
@@ -5886,7 +6051,7 @@
           <a:sym typeface="Arial"/>
         </a:defRPr>
       </a:lvl7pPr>
-      <a:lvl8pPr lvl="7" marR="0" rtl="0" algn="l">
+      <a:lvl8pPr marR="0" lvl="7" algn="l" rtl="0">
         <a:lnSpc>
           <a:spcPct val="100000"/>
         </a:lnSpc>
@@ -5900,7 +6065,7 @@
           <a:srgbClr val="000000"/>
         </a:buClr>
         <a:buFont typeface="Arial"/>
-        <a:defRPr b="0" i="0" sz="1400" u="none" cap="none" strike="noStrike">
+        <a:defRPr sz="1400" b="0" i="0" u="none" strike="noStrike" cap="none">
           <a:solidFill>
             <a:srgbClr val="000000"/>
           </a:solidFill>
@@ -5910,7 +6075,7 @@
           <a:sym typeface="Arial"/>
         </a:defRPr>
       </a:lvl8pPr>
-      <a:lvl9pPr lvl="8" marR="0" rtl="0" algn="l">
+      <a:lvl9pPr marR="0" lvl="8" algn="l" rtl="0">
         <a:lnSpc>
           <a:spcPct val="100000"/>
         </a:lnSpc>
@@ -5924,7 +6089,7 @@
           <a:srgbClr val="000000"/>
         </a:buClr>
         <a:buFont typeface="Arial"/>
-        <a:defRPr b="0" i="0" sz="1400" u="none" cap="none" strike="noStrike">
+        <a:defRPr sz="1400" b="0" i="0" u="none" strike="noStrike" cap="none">
           <a:solidFill>
             <a:srgbClr val="000000"/>
           </a:solidFill>
@@ -5936,7 +6101,7 @@
       </a:lvl9pPr>
     </p:titleStyle>
     <p:bodyStyle>
-      <a:defPPr lvl="0" marR="0" rtl="0" algn="l">
+      <a:defPPr marR="0" lvl="0" algn="l" rtl="0">
         <a:lnSpc>
           <a:spcPct val="100000"/>
         </a:lnSpc>
@@ -5947,7 +6112,7 @@
           <a:spcPts val="0"/>
         </a:spcAft>
       </a:defPPr>
-      <a:lvl1pPr lvl="0" marR="0" rtl="0" algn="l">
+      <a:lvl1pPr marR="0" lvl="0" algn="l" rtl="0">
         <a:lnSpc>
           <a:spcPct val="100000"/>
         </a:lnSpc>
@@ -5961,7 +6126,7 @@
           <a:srgbClr val="000000"/>
         </a:buClr>
         <a:buFont typeface="Arial"/>
-        <a:defRPr b="0" i="0" sz="1400" u="none" cap="none" strike="noStrike">
+        <a:defRPr sz="1400" b="0" i="0" u="none" strike="noStrike" cap="none">
           <a:solidFill>
             <a:srgbClr val="000000"/>
           </a:solidFill>
@@ -5971,7 +6136,7 @@
           <a:sym typeface="Arial"/>
         </a:defRPr>
       </a:lvl1pPr>
-      <a:lvl2pPr lvl="1" marR="0" rtl="0" algn="l">
+      <a:lvl2pPr marR="0" lvl="1" algn="l" rtl="0">
         <a:lnSpc>
           <a:spcPct val="100000"/>
         </a:lnSpc>
@@ -5985,7 +6150,7 @@
           <a:srgbClr val="000000"/>
         </a:buClr>
         <a:buFont typeface="Arial"/>
-        <a:defRPr b="0" i="0" sz="1400" u="none" cap="none" strike="noStrike">
+        <a:defRPr sz="1400" b="0" i="0" u="none" strike="noStrike" cap="none">
           <a:solidFill>
             <a:srgbClr val="000000"/>
           </a:solidFill>
@@ -5995,7 +6160,7 @@
           <a:sym typeface="Arial"/>
         </a:defRPr>
       </a:lvl2pPr>
-      <a:lvl3pPr lvl="2" marR="0" rtl="0" algn="l">
+      <a:lvl3pPr marR="0" lvl="2" algn="l" rtl="0">
         <a:lnSpc>
           <a:spcPct val="100000"/>
         </a:lnSpc>
@@ -6009,7 +6174,7 @@
           <a:srgbClr val="000000"/>
         </a:buClr>
         <a:buFont typeface="Arial"/>
-        <a:defRPr b="0" i="0" sz="1400" u="none" cap="none" strike="noStrike">
+        <a:defRPr sz="1400" b="0" i="0" u="none" strike="noStrike" cap="none">
           <a:solidFill>
             <a:srgbClr val="000000"/>
           </a:solidFill>
@@ -6019,7 +6184,7 @@
           <a:sym typeface="Arial"/>
         </a:defRPr>
       </a:lvl3pPr>
-      <a:lvl4pPr lvl="3" marR="0" rtl="0" algn="l">
+      <a:lvl4pPr marR="0" lvl="3" algn="l" rtl="0">
         <a:lnSpc>
           <a:spcPct val="100000"/>
         </a:lnSpc>
@@ -6033,7 +6198,7 @@
           <a:srgbClr val="000000"/>
         </a:buClr>
         <a:buFont typeface="Arial"/>
-        <a:defRPr b="0" i="0" sz="1400" u="none" cap="none" strike="noStrike">
+        <a:defRPr sz="1400" b="0" i="0" u="none" strike="noStrike" cap="none">
           <a:solidFill>
             <a:srgbClr val="000000"/>
           </a:solidFill>
@@ -6043,7 +6208,7 @@
           <a:sym typeface="Arial"/>
         </a:defRPr>
       </a:lvl4pPr>
-      <a:lvl5pPr lvl="4" marR="0" rtl="0" algn="l">
+      <a:lvl5pPr marR="0" lvl="4" algn="l" rtl="0">
         <a:lnSpc>
           <a:spcPct val="100000"/>
         </a:lnSpc>
@@ -6057,7 +6222,7 @@
           <a:srgbClr val="000000"/>
         </a:buClr>
         <a:buFont typeface="Arial"/>
-        <a:defRPr b="0" i="0" sz="1400" u="none" cap="none" strike="noStrike">
+        <a:defRPr sz="1400" b="0" i="0" u="none" strike="noStrike" cap="none">
           <a:solidFill>
             <a:srgbClr val="000000"/>
           </a:solidFill>
@@ -6067,7 +6232,7 @@
           <a:sym typeface="Arial"/>
         </a:defRPr>
       </a:lvl5pPr>
-      <a:lvl6pPr lvl="5" marR="0" rtl="0" algn="l">
+      <a:lvl6pPr marR="0" lvl="5" algn="l" rtl="0">
         <a:lnSpc>
           <a:spcPct val="100000"/>
         </a:lnSpc>
@@ -6081,7 +6246,7 @@
           <a:srgbClr val="000000"/>
         </a:buClr>
         <a:buFont typeface="Arial"/>
-        <a:defRPr b="0" i="0" sz="1400" u="none" cap="none" strike="noStrike">
+        <a:defRPr sz="1400" b="0" i="0" u="none" strike="noStrike" cap="none">
           <a:solidFill>
             <a:srgbClr val="000000"/>
           </a:solidFill>
@@ -6091,7 +6256,7 @@
           <a:sym typeface="Arial"/>
         </a:defRPr>
       </a:lvl6pPr>
-      <a:lvl7pPr lvl="6" marR="0" rtl="0" algn="l">
+      <a:lvl7pPr marR="0" lvl="6" algn="l" rtl="0">
         <a:lnSpc>
           <a:spcPct val="100000"/>
         </a:lnSpc>
@@ -6105,7 +6270,7 @@
           <a:srgbClr val="000000"/>
         </a:buClr>
         <a:buFont typeface="Arial"/>
-        <a:defRPr b="0" i="0" sz="1400" u="none" cap="none" strike="noStrike">
+        <a:defRPr sz="1400" b="0" i="0" u="none" strike="noStrike" cap="none">
           <a:solidFill>
             <a:srgbClr val="000000"/>
           </a:solidFill>
@@ -6115,7 +6280,7 @@
           <a:sym typeface="Arial"/>
         </a:defRPr>
       </a:lvl7pPr>
-      <a:lvl8pPr lvl="7" marR="0" rtl="0" algn="l">
+      <a:lvl8pPr marR="0" lvl="7" algn="l" rtl="0">
         <a:lnSpc>
           <a:spcPct val="100000"/>
         </a:lnSpc>
@@ -6129,7 +6294,7 @@
           <a:srgbClr val="000000"/>
         </a:buClr>
         <a:buFont typeface="Arial"/>
-        <a:defRPr b="0" i="0" sz="1400" u="none" cap="none" strike="noStrike">
+        <a:defRPr sz="1400" b="0" i="0" u="none" strike="noStrike" cap="none">
           <a:solidFill>
             <a:srgbClr val="000000"/>
           </a:solidFill>
@@ -6139,7 +6304,7 @@
           <a:sym typeface="Arial"/>
         </a:defRPr>
       </a:lvl8pPr>
-      <a:lvl9pPr lvl="8" marR="0" rtl="0" algn="l">
+      <a:lvl9pPr marR="0" lvl="8" algn="l" rtl="0">
         <a:lnSpc>
           <a:spcPct val="100000"/>
         </a:lnSpc>
@@ -6153,7 +6318,7 @@
           <a:srgbClr val="000000"/>
         </a:buClr>
         <a:buFont typeface="Arial"/>
-        <a:defRPr b="0" i="0" sz="1400" u="none" cap="none" strike="noStrike">
+        <a:defRPr sz="1400" b="0" i="0" u="none" strike="noStrike" cap="none">
           <a:solidFill>
             <a:srgbClr val="000000"/>
           </a:solidFill>
@@ -6165,7 +6330,7 @@
       </a:lvl9pPr>
     </p:bodyStyle>
     <p:otherStyle>
-      <a:defPPr lvl="0" marR="0" rtl="0" algn="l">
+      <a:defPPr marR="0" lvl="0" algn="l" rtl="0">
         <a:lnSpc>
           <a:spcPct val="100000"/>
         </a:lnSpc>
@@ -6176,7 +6341,7 @@
           <a:spcPts val="0"/>
         </a:spcAft>
       </a:defPPr>
-      <a:lvl1pPr lvl="0" marR="0" rtl="0" algn="l">
+      <a:lvl1pPr marR="0" lvl="0" algn="l" rtl="0">
         <a:lnSpc>
           <a:spcPct val="100000"/>
         </a:lnSpc>
@@ -6190,7 +6355,7 @@
           <a:srgbClr val="000000"/>
         </a:buClr>
         <a:buFont typeface="Arial"/>
-        <a:defRPr b="0" i="0" sz="1400" u="none" cap="none" strike="noStrike">
+        <a:defRPr sz="1400" b="0" i="0" u="none" strike="noStrike" cap="none">
           <a:solidFill>
             <a:srgbClr val="000000"/>
           </a:solidFill>
@@ -6200,7 +6365,7 @@
           <a:sym typeface="Arial"/>
         </a:defRPr>
       </a:lvl1pPr>
-      <a:lvl2pPr lvl="1" marR="0" rtl="0" algn="l">
+      <a:lvl2pPr marR="0" lvl="1" algn="l" rtl="0">
         <a:lnSpc>
           <a:spcPct val="100000"/>
         </a:lnSpc>
@@ -6214,7 +6379,7 @@
           <a:srgbClr val="000000"/>
         </a:buClr>
         <a:buFont typeface="Arial"/>
-        <a:defRPr b="0" i="0" sz="1400" u="none" cap="none" strike="noStrike">
+        <a:defRPr sz="1400" b="0" i="0" u="none" strike="noStrike" cap="none">
           <a:solidFill>
             <a:srgbClr val="000000"/>
           </a:solidFill>
@@ -6224,7 +6389,7 @@
           <a:sym typeface="Arial"/>
         </a:defRPr>
       </a:lvl2pPr>
-      <a:lvl3pPr lvl="2" marR="0" rtl="0" algn="l">
+      <a:lvl3pPr marR="0" lvl="2" algn="l" rtl="0">
         <a:lnSpc>
           <a:spcPct val="100000"/>
         </a:lnSpc>
@@ -6238,7 +6403,7 @@
           <a:srgbClr val="000000"/>
         </a:buClr>
         <a:buFont typeface="Arial"/>
-        <a:defRPr b="0" i="0" sz="1400" u="none" cap="none" strike="noStrike">
+        <a:defRPr sz="1400" b="0" i="0" u="none" strike="noStrike" cap="none">
           <a:solidFill>
             <a:srgbClr val="000000"/>
           </a:solidFill>
@@ -6248,7 +6413,7 @@
           <a:sym typeface="Arial"/>
         </a:defRPr>
       </a:lvl3pPr>
-      <a:lvl4pPr lvl="3" marR="0" rtl="0" algn="l">
+      <a:lvl4pPr marR="0" lvl="3" algn="l" rtl="0">
         <a:lnSpc>
           <a:spcPct val="100000"/>
         </a:lnSpc>
@@ -6262,7 +6427,7 @@
           <a:srgbClr val="000000"/>
         </a:buClr>
         <a:buFont typeface="Arial"/>
-        <a:defRPr b="0" i="0" sz="1400" u="none" cap="none" strike="noStrike">
+        <a:defRPr sz="1400" b="0" i="0" u="none" strike="noStrike" cap="none">
           <a:solidFill>
             <a:srgbClr val="000000"/>
           </a:solidFill>
@@ -6272,7 +6437,7 @@
           <a:sym typeface="Arial"/>
         </a:defRPr>
       </a:lvl4pPr>
-      <a:lvl5pPr lvl="4" marR="0" rtl="0" algn="l">
+      <a:lvl5pPr marR="0" lvl="4" algn="l" rtl="0">
         <a:lnSpc>
           <a:spcPct val="100000"/>
         </a:lnSpc>
@@ -6286,7 +6451,7 @@
           <a:srgbClr val="000000"/>
         </a:buClr>
         <a:buFont typeface="Arial"/>
-        <a:defRPr b="0" i="0" sz="1400" u="none" cap="none" strike="noStrike">
+        <a:defRPr sz="1400" b="0" i="0" u="none" strike="noStrike" cap="none">
           <a:solidFill>
             <a:srgbClr val="000000"/>
           </a:solidFill>
@@ -6296,7 +6461,7 @@
           <a:sym typeface="Arial"/>
         </a:defRPr>
       </a:lvl5pPr>
-      <a:lvl6pPr lvl="5" marR="0" rtl="0" algn="l">
+      <a:lvl6pPr marR="0" lvl="5" algn="l" rtl="0">
         <a:lnSpc>
           <a:spcPct val="100000"/>
         </a:lnSpc>
@@ -6310,7 +6475,7 @@
           <a:srgbClr val="000000"/>
         </a:buClr>
         <a:buFont typeface="Arial"/>
-        <a:defRPr b="0" i="0" sz="1400" u="none" cap="none" strike="noStrike">
+        <a:defRPr sz="1400" b="0" i="0" u="none" strike="noStrike" cap="none">
           <a:solidFill>
             <a:srgbClr val="000000"/>
           </a:solidFill>
@@ -6320,7 +6485,7 @@
           <a:sym typeface="Arial"/>
         </a:defRPr>
       </a:lvl6pPr>
-      <a:lvl7pPr lvl="6" marR="0" rtl="0" algn="l">
+      <a:lvl7pPr marR="0" lvl="6" algn="l" rtl="0">
         <a:lnSpc>
           <a:spcPct val="100000"/>
         </a:lnSpc>
@@ -6334,7 +6499,7 @@
           <a:srgbClr val="000000"/>
         </a:buClr>
         <a:buFont typeface="Arial"/>
-        <a:defRPr b="0" i="0" sz="1400" u="none" cap="none" strike="noStrike">
+        <a:defRPr sz="1400" b="0" i="0" u="none" strike="noStrike" cap="none">
           <a:solidFill>
             <a:srgbClr val="000000"/>
           </a:solidFill>
@@ -6344,7 +6509,7 @@
           <a:sym typeface="Arial"/>
         </a:defRPr>
       </a:lvl7pPr>
-      <a:lvl8pPr lvl="7" marR="0" rtl="0" algn="l">
+      <a:lvl8pPr marR="0" lvl="7" algn="l" rtl="0">
         <a:lnSpc>
           <a:spcPct val="100000"/>
         </a:lnSpc>
@@ -6358,7 +6523,7 @@
           <a:srgbClr val="000000"/>
         </a:buClr>
         <a:buFont typeface="Arial"/>
-        <a:defRPr b="0" i="0" sz="1400" u="none" cap="none" strike="noStrike">
+        <a:defRPr sz="1400" b="0" i="0" u="none" strike="noStrike" cap="none">
           <a:solidFill>
             <a:srgbClr val="000000"/>
           </a:solidFill>
@@ -6368,7 +6533,7 @@
           <a:sym typeface="Arial"/>
         </a:defRPr>
       </a:lvl8pPr>
-      <a:lvl9pPr lvl="8" marR="0" rtl="0" algn="l">
+      <a:lvl9pPr marR="0" lvl="8" algn="l" rtl="0">
         <a:lnSpc>
           <a:spcPct val="100000"/>
         </a:lnSpc>
@@ -6382,7 +6547,7 @@
           <a:srgbClr val="000000"/>
         </a:buClr>
         <a:buFont typeface="Arial"/>
-        <a:defRPr b="0" i="0" sz="1400" u="none" cap="none" strike="noStrike">
+        <a:defRPr sz="1400" b="0" i="0" u="none" strike="noStrike" cap="none">
           <a:solidFill>
             <a:srgbClr val="000000"/>
           </a:solidFill>
@@ -6398,11 +6563,11 @@
 </file>
 
 <file path=ppt/slides/slide1.xml><?xml version="1.0" encoding="utf-8"?>
-<p:sld xmlns:a="http://schemas.openxmlformats.org/drawingml/2006/main" xmlns:r="http://schemas.openxmlformats.org/officeDocument/2006/relationships" xmlns:mc="http://schemas.openxmlformats.org/markup-compatibility/2006" xmlns:mv="urn:schemas-microsoft-com:mac:vml" xmlns:p="http://schemas.openxmlformats.org/presentationml/2006/main" xmlns:c="http://schemas.openxmlformats.org/drawingml/2006/chart" xmlns:dgm="http://schemas.openxmlformats.org/drawingml/2006/diagram" xmlns:o="urn:schemas-microsoft-com:office:office" xmlns:v="urn:schemas-microsoft-com:vml" xmlns:pvml="urn:schemas-microsoft-com:office:powerpoint" xmlns:com="http://schemas.openxmlformats.org/drawingml/2006/compatibility" xmlns:p14="http://schemas.microsoft.com/office/powerpoint/2010/main" xmlns:p15="http://schemas.microsoft.com/office/powerpoint/2012/main" xmlns:ahyp="http://schemas.microsoft.com/office/drawing/2018/hyperlinkcolor">
+<p:sld xmlns:a="http://schemas.openxmlformats.org/drawingml/2006/main" xmlns:r="http://schemas.openxmlformats.org/officeDocument/2006/relationships" xmlns:p="http://schemas.openxmlformats.org/presentationml/2006/main">
   <p:cSld>
     <p:spTree>
       <p:nvGrpSpPr>
-        <p:cNvPr id="53" name="Shape 53"/>
+        <p:cNvPr id="1" name="Shape 53"/>
         <p:cNvGrpSpPr/>
         <p:nvPr/>
       </p:nvGrpSpPr>
@@ -6417,7 +6582,9 @@
       <p:sp>
         <p:nvSpPr>
           <p:cNvPr id="54" name="Google Shape;54;p13"/>
-          <p:cNvSpPr txBox="1"/>
+          <p:cNvSpPr txBox="1">
+            <a:spLocks noGrp="1"/>
+          </p:cNvSpPr>
           <p:nvPr>
             <p:ph type="ctrTitle"/>
           </p:nvPr>
@@ -6432,12 +6599,12 @@
           </a:prstGeom>
         </p:spPr>
         <p:txBody>
-          <a:bodyPr anchorCtr="0" anchor="b" bIns="91425" lIns="91425" spcFirstLastPara="1" rIns="91425" wrap="square" tIns="91425">
+          <a:bodyPr spcFirstLastPara="1" wrap="square" lIns="91425" tIns="91425" rIns="91425" bIns="91425" anchor="b" anchorCtr="0">
             <a:normAutofit/>
           </a:bodyPr>
           <a:lstStyle/>
           <a:p>
-            <a:pPr indent="0" lvl="0" marL="0" rtl="0" algn="ctr">
+            <a:pPr marL="0" lvl="0" indent="0" algn="ctr" rtl="0">
               <a:spcBef>
                 <a:spcPts val="0"/>
               </a:spcBef>
@@ -6457,9 +6624,11 @@
       <p:sp>
         <p:nvSpPr>
           <p:cNvPr id="55" name="Google Shape;55;p13"/>
-          <p:cNvSpPr txBox="1"/>
+          <p:cNvSpPr txBox="1">
+            <a:spLocks noGrp="1"/>
+          </p:cNvSpPr>
           <p:nvPr>
-            <p:ph idx="1" type="subTitle"/>
+            <p:ph type="subTitle" idx="1"/>
           </p:nvPr>
         </p:nvSpPr>
         <p:spPr>
@@ -6472,12 +6641,12 @@
           </a:prstGeom>
         </p:spPr>
         <p:txBody>
-          <a:bodyPr anchorCtr="0" anchor="t" bIns="91425" lIns="91425" spcFirstLastPara="1" rIns="91425" wrap="square" tIns="91425">
+          <a:bodyPr spcFirstLastPara="1" wrap="square" lIns="91425" tIns="91425" rIns="91425" bIns="91425" anchor="t" anchorCtr="0">
             <a:normAutofit/>
           </a:bodyPr>
           <a:lstStyle/>
           <a:p>
-            <a:pPr indent="0" lvl="0" marL="0" rtl="0" algn="ctr">
+            <a:pPr marL="0" lvl="0" indent="0" algn="ctr" rtl="0">
               <a:spcBef>
                 <a:spcPts val="0"/>
               </a:spcBef>
@@ -6488,11 +6657,7 @@
             </a:pPr>
             <a:r>
               <a:rPr lang="zh-TW" sz="2000"/>
-              <a:t>G14 </a:t>
-            </a:r>
-            <a:r>
-              <a:rPr lang="zh-TW" sz="2000"/>
-              <a:t>李承哲, 張景洋, 朱祐麟, 劉世文</a:t>
+              <a:t>G14 李承哲, 張景洋, 朱祐麟, 劉世文</a:t>
             </a:r>
             <a:endParaRPr sz="2000"/>
           </a:p>
@@ -6535,11 +6700,11 @@
 </file>
 
 <file path=ppt/slides/slide10.xml><?xml version="1.0" encoding="utf-8"?>
-<p:sld xmlns:a="http://schemas.openxmlformats.org/drawingml/2006/main" xmlns:r="http://schemas.openxmlformats.org/officeDocument/2006/relationships" xmlns:mc="http://schemas.openxmlformats.org/markup-compatibility/2006" xmlns:mv="urn:schemas-microsoft-com:mac:vml" xmlns:p="http://schemas.openxmlformats.org/presentationml/2006/main" xmlns:c="http://schemas.openxmlformats.org/drawingml/2006/chart" xmlns:dgm="http://schemas.openxmlformats.org/drawingml/2006/diagram" xmlns:o="urn:schemas-microsoft-com:office:office" xmlns:v="urn:schemas-microsoft-com:vml" xmlns:pvml="urn:schemas-microsoft-com:office:powerpoint" xmlns:com="http://schemas.openxmlformats.org/drawingml/2006/compatibility" xmlns:p14="http://schemas.microsoft.com/office/powerpoint/2010/main" xmlns:p15="http://schemas.microsoft.com/office/powerpoint/2012/main" xmlns:ahyp="http://schemas.microsoft.com/office/drawing/2018/hyperlinkcolor">
+<p:sld xmlns:a="http://schemas.openxmlformats.org/drawingml/2006/main" xmlns:r="http://schemas.openxmlformats.org/officeDocument/2006/relationships" xmlns:p="http://schemas.openxmlformats.org/presentationml/2006/main">
   <p:cSld>
     <p:spTree>
       <p:nvGrpSpPr>
-        <p:cNvPr id="115" name="Shape 115"/>
+        <p:cNvPr id="1" name="Shape 115"/>
         <p:cNvGrpSpPr/>
         <p:nvPr/>
       </p:nvGrpSpPr>
@@ -6554,7 +6719,9 @@
       <p:sp>
         <p:nvSpPr>
           <p:cNvPr id="116" name="Google Shape;116;p22"/>
-          <p:cNvSpPr txBox="1"/>
+          <p:cNvSpPr txBox="1">
+            <a:spLocks noGrp="1"/>
+          </p:cNvSpPr>
           <p:nvPr>
             <p:ph type="title"/>
           </p:nvPr>
@@ -6569,12 +6736,12 @@
           </a:prstGeom>
         </p:spPr>
         <p:txBody>
-          <a:bodyPr anchorCtr="0" anchor="t" bIns="91425" lIns="91425" spcFirstLastPara="1" rIns="91425" wrap="square" tIns="91425">
+          <a:bodyPr spcFirstLastPara="1" wrap="square" lIns="91425" tIns="91425" rIns="91425" bIns="91425" anchor="t" anchorCtr="0">
             <a:normAutofit fontScale="90000"/>
           </a:bodyPr>
           <a:lstStyle/>
           <a:p>
-            <a:pPr indent="0" lvl="0" marL="0" rtl="0" algn="l">
+            <a:pPr marL="0" lvl="0" indent="0" algn="l" rtl="0">
               <a:spcBef>
                 <a:spcPts val="0"/>
               </a:spcBef>
@@ -6594,9 +6761,11 @@
       <p:sp>
         <p:nvSpPr>
           <p:cNvPr id="117" name="Google Shape;117;p22"/>
-          <p:cNvSpPr txBox="1"/>
+          <p:cNvSpPr txBox="1">
+            <a:spLocks noGrp="1"/>
+          </p:cNvSpPr>
           <p:nvPr>
-            <p:ph idx="1" type="body"/>
+            <p:ph type="body" idx="1"/>
           </p:nvPr>
         </p:nvSpPr>
         <p:spPr>
@@ -6609,12 +6778,12 @@
           </a:prstGeom>
         </p:spPr>
         <p:txBody>
-          <a:bodyPr anchorCtr="0" anchor="t" bIns="91425" lIns="91425" spcFirstLastPara="1" rIns="91425" wrap="square" tIns="91425">
+          <a:bodyPr spcFirstLastPara="1" wrap="square" lIns="91425" tIns="91425" rIns="91425" bIns="91425" anchor="t" anchorCtr="0">
             <a:normAutofit/>
           </a:bodyPr>
           <a:lstStyle/>
           <a:p>
-            <a:pPr indent="-355600" lvl="0" marL="457200" rtl="0" algn="l">
+            <a:pPr marL="457200" lvl="0" indent="-355600" algn="l" rtl="0">
               <a:spcBef>
                 <a:spcPts val="0"/>
               </a:spcBef>
@@ -6631,7 +6800,7 @@
             <a:endParaRPr sz="2000"/>
           </a:p>
           <a:p>
-            <a:pPr indent="-342900" lvl="1" marL="914400" rtl="0" algn="l">
+            <a:pPr marL="914400" lvl="1" indent="-342900" algn="l" rtl="0">
               <a:spcBef>
                 <a:spcPts val="0"/>
               </a:spcBef>
@@ -6648,7 +6817,7 @@
             <a:endParaRPr sz="1800"/>
           </a:p>
           <a:p>
-            <a:pPr indent="-342900" lvl="0" marL="457200" rtl="0" algn="l">
+            <a:pPr marL="457200" lvl="0" indent="-342900" algn="l" rtl="0">
               <a:spcBef>
                 <a:spcPts val="0"/>
               </a:spcBef>
@@ -6665,7 +6834,7 @@
             <a:endParaRPr/>
           </a:p>
           <a:p>
-            <a:pPr indent="-342900" lvl="1" marL="914400" rtl="0" algn="l">
+            <a:pPr marL="914400" lvl="1" indent="-342900" algn="l" rtl="0">
               <a:spcBef>
                 <a:spcPts val="0"/>
               </a:spcBef>
@@ -6714,9 +6883,11 @@
       <p:sp>
         <p:nvSpPr>
           <p:cNvPr id="119" name="Google Shape;119;p22"/>
-          <p:cNvSpPr txBox="1"/>
+          <p:cNvSpPr txBox="1">
+            <a:spLocks noGrp="1"/>
+          </p:cNvSpPr>
           <p:nvPr>
-            <p:ph idx="1" type="body"/>
+            <p:ph type="body" idx="1"/>
           </p:nvPr>
         </p:nvSpPr>
         <p:spPr>
@@ -6729,12 +6900,12 @@
           </a:prstGeom>
         </p:spPr>
         <p:txBody>
-          <a:bodyPr anchorCtr="0" anchor="t" bIns="91425" lIns="91425" spcFirstLastPara="1" rIns="91425" wrap="square" tIns="91425">
+          <a:bodyPr spcFirstLastPara="1" wrap="square" lIns="91425" tIns="91425" rIns="91425" bIns="91425" anchor="t" anchorCtr="0">
             <a:normAutofit/>
           </a:bodyPr>
           <a:lstStyle/>
           <a:p>
-            <a:pPr indent="-317500" lvl="0" marL="457200" rtl="0" algn="l">
+            <a:pPr marL="457200" lvl="0" indent="-317500" algn="l" rtl="0">
               <a:spcBef>
                 <a:spcPts val="0"/>
               </a:spcBef>
@@ -6751,7 +6922,7 @@
             <a:endParaRPr sz="1200"/>
           </a:p>
           <a:p>
-            <a:pPr indent="-304800" lvl="1" marL="914400" rtl="0" algn="l">
+            <a:pPr marL="914400" lvl="1" indent="-304800" algn="l" rtl="0">
               <a:spcBef>
                 <a:spcPts val="0"/>
               </a:spcBef>
@@ -6773,7 +6944,7 @@
             <a:endParaRPr sz="1200"/>
           </a:p>
           <a:p>
-            <a:pPr indent="-304800" lvl="0" marL="457200" rtl="0" algn="l">
+            <a:pPr marL="457200" lvl="0" indent="-304800" algn="l" rtl="0">
               <a:spcBef>
                 <a:spcPts val="0"/>
               </a:spcBef>
@@ -6790,7 +6961,7 @@
             <a:endParaRPr sz="1200"/>
           </a:p>
           <a:p>
-            <a:pPr indent="-304800" lvl="1" marL="914400" rtl="0" algn="l">
+            <a:pPr marL="914400" lvl="1" indent="-304800" algn="l" rtl="0">
               <a:spcBef>
                 <a:spcPts val="0"/>
               </a:spcBef>
@@ -6822,11 +6993,11 @@
 </file>
 
 <file path=ppt/slides/slide2.xml><?xml version="1.0" encoding="utf-8"?>
-<p:sld xmlns:a="http://schemas.openxmlformats.org/drawingml/2006/main" xmlns:r="http://schemas.openxmlformats.org/officeDocument/2006/relationships" xmlns:mc="http://schemas.openxmlformats.org/markup-compatibility/2006" xmlns:mv="urn:schemas-microsoft-com:mac:vml" xmlns:p="http://schemas.openxmlformats.org/presentationml/2006/main" xmlns:c="http://schemas.openxmlformats.org/drawingml/2006/chart" xmlns:dgm="http://schemas.openxmlformats.org/drawingml/2006/diagram" xmlns:o="urn:schemas-microsoft-com:office:office" xmlns:v="urn:schemas-microsoft-com:vml" xmlns:pvml="urn:schemas-microsoft-com:office:powerpoint" xmlns:com="http://schemas.openxmlformats.org/drawingml/2006/compatibility" xmlns:p14="http://schemas.microsoft.com/office/powerpoint/2010/main" xmlns:p15="http://schemas.microsoft.com/office/powerpoint/2012/main" xmlns:ahyp="http://schemas.microsoft.com/office/drawing/2018/hyperlinkcolor">
+<p:sld xmlns:a="http://schemas.openxmlformats.org/drawingml/2006/main" xmlns:r="http://schemas.openxmlformats.org/officeDocument/2006/relationships" xmlns:p="http://schemas.openxmlformats.org/presentationml/2006/main">
   <p:cSld>
     <p:spTree>
       <p:nvGrpSpPr>
-        <p:cNvPr id="60" name="Shape 60"/>
+        <p:cNvPr id="1" name="Shape 60"/>
         <p:cNvGrpSpPr/>
         <p:nvPr/>
       </p:nvGrpSpPr>
@@ -6841,7 +7012,9 @@
       <p:sp>
         <p:nvSpPr>
           <p:cNvPr id="61" name="Google Shape;61;p14"/>
-          <p:cNvSpPr txBox="1"/>
+          <p:cNvSpPr txBox="1">
+            <a:spLocks noGrp="1"/>
+          </p:cNvSpPr>
           <p:nvPr>
             <p:ph type="title"/>
           </p:nvPr>
@@ -6856,12 +7029,12 @@
           </a:prstGeom>
         </p:spPr>
         <p:txBody>
-          <a:bodyPr anchorCtr="0" anchor="t" bIns="91425" lIns="91425" spcFirstLastPara="1" rIns="91425" wrap="square" tIns="91425">
+          <a:bodyPr spcFirstLastPara="1" wrap="square" lIns="91425" tIns="91425" rIns="91425" bIns="91425" anchor="t" anchorCtr="0">
             <a:normAutofit fontScale="90000"/>
           </a:bodyPr>
           <a:lstStyle/>
           <a:p>
-            <a:pPr indent="0" lvl="0" marL="0" rtl="0" algn="l">
+            <a:pPr marL="0" lvl="0" indent="0" algn="l" rtl="0">
               <a:spcBef>
                 <a:spcPts val="0"/>
               </a:spcBef>
@@ -6881,9 +7054,11 @@
       <p:sp>
         <p:nvSpPr>
           <p:cNvPr id="62" name="Google Shape;62;p14"/>
-          <p:cNvSpPr txBox="1"/>
+          <p:cNvSpPr txBox="1">
+            <a:spLocks noGrp="1"/>
+          </p:cNvSpPr>
           <p:nvPr>
-            <p:ph idx="1" type="body"/>
+            <p:ph type="body" idx="1"/>
           </p:nvPr>
         </p:nvSpPr>
         <p:spPr>
@@ -6896,12 +7071,12 @@
           </a:prstGeom>
         </p:spPr>
         <p:txBody>
-          <a:bodyPr anchorCtr="0" anchor="t" bIns="91425" lIns="91425" spcFirstLastPara="1" rIns="91425" wrap="square" tIns="91425">
+          <a:bodyPr spcFirstLastPara="1" wrap="square" lIns="91425" tIns="91425" rIns="91425" bIns="91425" anchor="t" anchorCtr="0">
             <a:normAutofit/>
           </a:bodyPr>
           <a:lstStyle/>
           <a:p>
-            <a:pPr indent="-355600" lvl="0" marL="457200" rtl="0" algn="l">
+            <a:pPr marL="457200" lvl="0" indent="-355600" algn="l" rtl="0">
               <a:spcBef>
                 <a:spcPts val="0"/>
               </a:spcBef>
@@ -6918,7 +7093,7 @@
             <a:endParaRPr sz="2000"/>
           </a:p>
           <a:p>
-            <a:pPr indent="-342900" lvl="1" marL="914400" rtl="0" algn="l">
+            <a:pPr marL="914400" lvl="1" indent="-342900" algn="l" rtl="0">
               <a:spcBef>
                 <a:spcPts val="0"/>
               </a:spcBef>
@@ -6935,7 +7110,7 @@
             <a:endParaRPr sz="1800"/>
           </a:p>
           <a:p>
-            <a:pPr indent="-342900" lvl="1" marL="914400" rtl="0" algn="l">
+            <a:pPr marL="914400" lvl="1" indent="-342900" algn="l" rtl="0">
               <a:spcBef>
                 <a:spcPts val="0"/>
               </a:spcBef>
@@ -6952,7 +7127,7 @@
             <a:endParaRPr sz="1800"/>
           </a:p>
           <a:p>
-            <a:pPr indent="-355600" lvl="0" marL="457200" rtl="0" algn="l">
+            <a:pPr marL="457200" lvl="0" indent="-355600" algn="l" rtl="0">
               <a:spcBef>
                 <a:spcPts val="0"/>
               </a:spcBef>
@@ -6969,7 +7144,7 @@
             <a:endParaRPr sz="2000"/>
           </a:p>
           <a:p>
-            <a:pPr indent="-342900" lvl="1" marL="914400" rtl="0" algn="l">
+            <a:pPr marL="914400" lvl="1" indent="-342900" algn="l" rtl="0">
               <a:spcBef>
                 <a:spcPts val="0"/>
               </a:spcBef>
@@ -6986,7 +7161,7 @@
             <a:endParaRPr sz="1800"/>
           </a:p>
           <a:p>
-            <a:pPr indent="-342900" lvl="1" marL="914400" rtl="0" algn="l">
+            <a:pPr marL="914400" lvl="1" indent="-342900" algn="l" rtl="0">
               <a:spcBef>
                 <a:spcPts val="0"/>
               </a:spcBef>
@@ -7003,7 +7178,7 @@
             <a:endParaRPr sz="1800"/>
           </a:p>
           <a:p>
-            <a:pPr indent="-342900" lvl="1" marL="914400" rtl="0" algn="l">
+            <a:pPr marL="914400" lvl="1" indent="-342900" algn="l" rtl="0">
               <a:spcBef>
                 <a:spcPts val="0"/>
               </a:spcBef>
@@ -7020,7 +7195,7 @@
             <a:endParaRPr sz="1800"/>
           </a:p>
           <a:p>
-            <a:pPr indent="-342900" lvl="1" marL="914400" rtl="0" algn="l">
+            <a:pPr marL="914400" lvl="1" indent="-342900" algn="l" rtl="0">
               <a:spcBef>
                 <a:spcPts val="0"/>
               </a:spcBef>
@@ -7082,11 +7257,11 @@
 </file>
 
 <file path=ppt/slides/slide3.xml><?xml version="1.0" encoding="utf-8"?>
-<p:sld xmlns:a="http://schemas.openxmlformats.org/drawingml/2006/main" xmlns:r="http://schemas.openxmlformats.org/officeDocument/2006/relationships" xmlns:mc="http://schemas.openxmlformats.org/markup-compatibility/2006" xmlns:mv="urn:schemas-microsoft-com:mac:vml" xmlns:p="http://schemas.openxmlformats.org/presentationml/2006/main" xmlns:c="http://schemas.openxmlformats.org/drawingml/2006/chart" xmlns:dgm="http://schemas.openxmlformats.org/drawingml/2006/diagram" xmlns:o="urn:schemas-microsoft-com:office:office" xmlns:v="urn:schemas-microsoft-com:vml" xmlns:pvml="urn:schemas-microsoft-com:office:powerpoint" xmlns:com="http://schemas.openxmlformats.org/drawingml/2006/compatibility" xmlns:p14="http://schemas.microsoft.com/office/powerpoint/2010/main" xmlns:p15="http://schemas.microsoft.com/office/powerpoint/2012/main" xmlns:ahyp="http://schemas.microsoft.com/office/drawing/2018/hyperlinkcolor">
+<p:sld xmlns:a="http://schemas.openxmlformats.org/drawingml/2006/main" xmlns:r="http://schemas.openxmlformats.org/officeDocument/2006/relationships" xmlns:p="http://schemas.openxmlformats.org/presentationml/2006/main">
   <p:cSld>
     <p:spTree>
       <p:nvGrpSpPr>
-        <p:cNvPr id="67" name="Shape 67"/>
+        <p:cNvPr id="1" name="Shape 67"/>
         <p:cNvGrpSpPr/>
         <p:nvPr/>
       </p:nvGrpSpPr>
@@ -7101,7 +7276,9 @@
       <p:sp>
         <p:nvSpPr>
           <p:cNvPr id="68" name="Google Shape;68;p15"/>
-          <p:cNvSpPr txBox="1"/>
+          <p:cNvSpPr txBox="1">
+            <a:spLocks noGrp="1"/>
+          </p:cNvSpPr>
           <p:nvPr>
             <p:ph type="title"/>
           </p:nvPr>
@@ -7116,12 +7293,12 @@
           </a:prstGeom>
         </p:spPr>
         <p:txBody>
-          <a:bodyPr anchorCtr="0" anchor="t" bIns="91425" lIns="91425" spcFirstLastPara="1" rIns="91425" wrap="square" tIns="91425">
+          <a:bodyPr spcFirstLastPara="1" wrap="square" lIns="91425" tIns="91425" rIns="91425" bIns="91425" anchor="t" anchorCtr="0">
             <a:normAutofit fontScale="90000"/>
           </a:bodyPr>
           <a:lstStyle/>
           <a:p>
-            <a:pPr indent="0" lvl="0" marL="0" rtl="0" algn="l">
+            <a:pPr marL="0" lvl="0" indent="0" algn="l" rtl="0">
               <a:spcBef>
                 <a:spcPts val="0"/>
               </a:spcBef>
@@ -7141,9 +7318,11 @@
       <p:sp>
         <p:nvSpPr>
           <p:cNvPr id="69" name="Google Shape;69;p15"/>
-          <p:cNvSpPr txBox="1"/>
+          <p:cNvSpPr txBox="1">
+            <a:spLocks noGrp="1"/>
+          </p:cNvSpPr>
           <p:nvPr>
-            <p:ph idx="1" type="body"/>
+            <p:ph type="body" idx="1"/>
           </p:nvPr>
         </p:nvSpPr>
         <p:spPr>
@@ -7156,12 +7335,12 @@
           </a:prstGeom>
         </p:spPr>
         <p:txBody>
-          <a:bodyPr anchorCtr="0" anchor="t" bIns="91425" lIns="91425" spcFirstLastPara="1" rIns="91425" wrap="square" tIns="91425">
+          <a:bodyPr spcFirstLastPara="1" wrap="square" lIns="91425" tIns="91425" rIns="91425" bIns="91425" anchor="t" anchorCtr="0">
             <a:normAutofit/>
           </a:bodyPr>
           <a:lstStyle/>
           <a:p>
-            <a:pPr indent="-355600" lvl="0" marL="457200" rtl="0" algn="l">
+            <a:pPr marL="457200" lvl="0" indent="-355600" algn="l" rtl="0">
               <a:spcBef>
                 <a:spcPts val="0"/>
               </a:spcBef>
@@ -7178,7 +7357,7 @@
             <a:endParaRPr sz="2000"/>
           </a:p>
           <a:p>
-            <a:pPr indent="-342900" lvl="1" marL="914400" rtl="0" algn="l">
+            <a:pPr marL="914400" lvl="1" indent="-342900" algn="l" rtl="0">
               <a:spcBef>
                 <a:spcPts val="0"/>
               </a:spcBef>
@@ -7195,7 +7374,7 @@
             <a:endParaRPr sz="1800"/>
           </a:p>
           <a:p>
-            <a:pPr indent="-342900" lvl="0" marL="457200" rtl="0" algn="l">
+            <a:pPr marL="457200" lvl="0" indent="-342900" algn="l" rtl="0">
               <a:spcBef>
                 <a:spcPts val="0"/>
               </a:spcBef>
@@ -7212,7 +7391,7 @@
             <a:endParaRPr/>
           </a:p>
           <a:p>
-            <a:pPr indent="-342900" lvl="1" marL="914400" rtl="0" algn="l">
+            <a:pPr marL="914400" lvl="1" indent="-342900" algn="l" rtl="0">
               <a:spcBef>
                 <a:spcPts val="0"/>
               </a:spcBef>
@@ -7267,11 +7446,11 @@
 </file>
 
 <file path=ppt/slides/slide4.xml><?xml version="1.0" encoding="utf-8"?>
-<p:sld xmlns:a="http://schemas.openxmlformats.org/drawingml/2006/main" xmlns:r="http://schemas.openxmlformats.org/officeDocument/2006/relationships" xmlns:mc="http://schemas.openxmlformats.org/markup-compatibility/2006" xmlns:mv="urn:schemas-microsoft-com:mac:vml" xmlns:p="http://schemas.openxmlformats.org/presentationml/2006/main" xmlns:c="http://schemas.openxmlformats.org/drawingml/2006/chart" xmlns:dgm="http://schemas.openxmlformats.org/drawingml/2006/diagram" xmlns:o="urn:schemas-microsoft-com:office:office" xmlns:v="urn:schemas-microsoft-com:vml" xmlns:pvml="urn:schemas-microsoft-com:office:powerpoint" xmlns:com="http://schemas.openxmlformats.org/drawingml/2006/compatibility" xmlns:p14="http://schemas.microsoft.com/office/powerpoint/2010/main" xmlns:p15="http://schemas.microsoft.com/office/powerpoint/2012/main" xmlns:ahyp="http://schemas.microsoft.com/office/drawing/2018/hyperlinkcolor">
+<p:sld xmlns:a="http://schemas.openxmlformats.org/drawingml/2006/main" xmlns:r="http://schemas.openxmlformats.org/officeDocument/2006/relationships" xmlns:p="http://schemas.openxmlformats.org/presentationml/2006/main">
   <p:cSld>
     <p:spTree>
       <p:nvGrpSpPr>
-        <p:cNvPr id="74" name="Shape 74"/>
+        <p:cNvPr id="1" name="Shape 74"/>
         <p:cNvGrpSpPr/>
         <p:nvPr/>
       </p:nvGrpSpPr>
@@ -7286,7 +7465,9 @@
       <p:sp>
         <p:nvSpPr>
           <p:cNvPr id="75" name="Google Shape;75;p16"/>
-          <p:cNvSpPr txBox="1"/>
+          <p:cNvSpPr txBox="1">
+            <a:spLocks noGrp="1"/>
+          </p:cNvSpPr>
           <p:nvPr>
             <p:ph type="title"/>
           </p:nvPr>
@@ -7301,12 +7482,12 @@
           </a:prstGeom>
         </p:spPr>
         <p:txBody>
-          <a:bodyPr anchorCtr="0" anchor="t" bIns="91425" lIns="91425" spcFirstLastPara="1" rIns="91425" wrap="square" tIns="91425">
+          <a:bodyPr spcFirstLastPara="1" wrap="square" lIns="91425" tIns="91425" rIns="91425" bIns="91425" anchor="t" anchorCtr="0">
             <a:normAutofit fontScale="90000"/>
           </a:bodyPr>
           <a:lstStyle/>
           <a:p>
-            <a:pPr indent="0" lvl="0" marL="0" rtl="0" algn="l">
+            <a:pPr marL="0" lvl="0" indent="0" algn="l" rtl="0">
               <a:spcBef>
                 <a:spcPts val="0"/>
               </a:spcBef>
@@ -7326,9 +7507,11 @@
       <p:sp>
         <p:nvSpPr>
           <p:cNvPr id="76" name="Google Shape;76;p16"/>
-          <p:cNvSpPr txBox="1"/>
+          <p:cNvSpPr txBox="1">
+            <a:spLocks noGrp="1"/>
+          </p:cNvSpPr>
           <p:nvPr>
-            <p:ph idx="1" type="body"/>
+            <p:ph type="body" idx="1"/>
           </p:nvPr>
         </p:nvSpPr>
         <p:spPr>
@@ -7341,12 +7524,12 @@
           </a:prstGeom>
         </p:spPr>
         <p:txBody>
-          <a:bodyPr anchorCtr="0" anchor="t" bIns="91425" lIns="91425" spcFirstLastPara="1" rIns="91425" wrap="square" tIns="91425">
+          <a:bodyPr spcFirstLastPara="1" wrap="square" lIns="91425" tIns="91425" rIns="91425" bIns="91425" anchor="t" anchorCtr="0">
             <a:normAutofit/>
           </a:bodyPr>
           <a:lstStyle/>
           <a:p>
-            <a:pPr indent="-355600" lvl="0" marL="457200" rtl="0" algn="l">
+            <a:pPr marL="457200" lvl="0" indent="-355600" algn="l" rtl="0">
               <a:spcBef>
                 <a:spcPts val="0"/>
               </a:spcBef>
@@ -7401,11 +7584,11 @@
 </file>
 
 <file path=ppt/slides/slide5.xml><?xml version="1.0" encoding="utf-8"?>
-<p:sld xmlns:a="http://schemas.openxmlformats.org/drawingml/2006/main" xmlns:r="http://schemas.openxmlformats.org/officeDocument/2006/relationships" xmlns:mc="http://schemas.openxmlformats.org/markup-compatibility/2006" xmlns:mv="urn:schemas-microsoft-com:mac:vml" xmlns:p="http://schemas.openxmlformats.org/presentationml/2006/main" xmlns:c="http://schemas.openxmlformats.org/drawingml/2006/chart" xmlns:dgm="http://schemas.openxmlformats.org/drawingml/2006/diagram" xmlns:o="urn:schemas-microsoft-com:office:office" xmlns:v="urn:schemas-microsoft-com:vml" xmlns:pvml="urn:schemas-microsoft-com:office:powerpoint" xmlns:com="http://schemas.openxmlformats.org/drawingml/2006/compatibility" xmlns:p14="http://schemas.microsoft.com/office/powerpoint/2010/main" xmlns:p15="http://schemas.microsoft.com/office/powerpoint/2012/main" xmlns:ahyp="http://schemas.microsoft.com/office/drawing/2018/hyperlinkcolor">
+<p:sld xmlns:a="http://schemas.openxmlformats.org/drawingml/2006/main" xmlns:r="http://schemas.openxmlformats.org/officeDocument/2006/relationships" xmlns:p="http://schemas.openxmlformats.org/presentationml/2006/main">
   <p:cSld>
     <p:spTree>
       <p:nvGrpSpPr>
-        <p:cNvPr id="81" name="Shape 81"/>
+        <p:cNvPr id="1" name="Shape 81"/>
         <p:cNvGrpSpPr/>
         <p:nvPr/>
       </p:nvGrpSpPr>
@@ -7420,7 +7603,9 @@
       <p:sp>
         <p:nvSpPr>
           <p:cNvPr id="82" name="Google Shape;82;p17"/>
-          <p:cNvSpPr txBox="1"/>
+          <p:cNvSpPr txBox="1">
+            <a:spLocks noGrp="1"/>
+          </p:cNvSpPr>
           <p:nvPr>
             <p:ph type="title"/>
           </p:nvPr>
@@ -7435,12 +7620,12 @@
           </a:prstGeom>
         </p:spPr>
         <p:txBody>
-          <a:bodyPr anchorCtr="0" anchor="t" bIns="91425" lIns="91425" spcFirstLastPara="1" rIns="91425" wrap="square" tIns="91425">
+          <a:bodyPr spcFirstLastPara="1" wrap="square" lIns="91425" tIns="91425" rIns="91425" bIns="91425" anchor="t" anchorCtr="0">
             <a:normAutofit fontScale="90000"/>
           </a:bodyPr>
           <a:lstStyle/>
           <a:p>
-            <a:pPr indent="0" lvl="0" marL="0" rtl="0" algn="l">
+            <a:pPr marL="0" lvl="0" indent="0" algn="l" rtl="0">
               <a:spcBef>
                 <a:spcPts val="0"/>
               </a:spcBef>
@@ -7460,9 +7645,11 @@
       <p:sp>
         <p:nvSpPr>
           <p:cNvPr id="83" name="Google Shape;83;p17"/>
-          <p:cNvSpPr txBox="1"/>
+          <p:cNvSpPr txBox="1">
+            <a:spLocks noGrp="1"/>
+          </p:cNvSpPr>
           <p:nvPr>
-            <p:ph idx="1" type="body"/>
+            <p:ph type="body" idx="1"/>
           </p:nvPr>
         </p:nvSpPr>
         <p:spPr>
@@ -7475,12 +7662,12 @@
           </a:prstGeom>
         </p:spPr>
         <p:txBody>
-          <a:bodyPr anchorCtr="0" anchor="t" bIns="91425" lIns="91425" spcFirstLastPara="1" rIns="91425" wrap="square" tIns="91425">
+          <a:bodyPr spcFirstLastPara="1" wrap="square" lIns="91425" tIns="91425" rIns="91425" bIns="91425" anchor="t" anchorCtr="0">
             <a:normAutofit/>
           </a:bodyPr>
           <a:lstStyle/>
           <a:p>
-            <a:pPr indent="-355600" lvl="0" marL="457200" rtl="0" algn="l">
+            <a:pPr marL="457200" lvl="0" indent="-355600" algn="l" rtl="0">
               <a:spcBef>
                 <a:spcPts val="0"/>
               </a:spcBef>
@@ -7508,7 +7695,7 @@
           <a:blip r:embed="rId3">
             <a:alphaModFix/>
           </a:blip>
-          <a:srcRect b="9992" l="0" r="0" t="3345"/>
+          <a:srcRect t="3345" b="9992"/>
           <a:stretch/>
         </p:blipFill>
         <p:spPr>
@@ -7534,11 +7721,11 @@
 </file>
 
 <file path=ppt/slides/slide6.xml><?xml version="1.0" encoding="utf-8"?>
-<p:sld xmlns:a="http://schemas.openxmlformats.org/drawingml/2006/main" xmlns:r="http://schemas.openxmlformats.org/officeDocument/2006/relationships" xmlns:mc="http://schemas.openxmlformats.org/markup-compatibility/2006" xmlns:mv="urn:schemas-microsoft-com:mac:vml" xmlns:p="http://schemas.openxmlformats.org/presentationml/2006/main" xmlns:c="http://schemas.openxmlformats.org/drawingml/2006/chart" xmlns:dgm="http://schemas.openxmlformats.org/drawingml/2006/diagram" xmlns:o="urn:schemas-microsoft-com:office:office" xmlns:v="urn:schemas-microsoft-com:vml" xmlns:pvml="urn:schemas-microsoft-com:office:powerpoint" xmlns:com="http://schemas.openxmlformats.org/drawingml/2006/compatibility" xmlns:p14="http://schemas.microsoft.com/office/powerpoint/2010/main" xmlns:p15="http://schemas.microsoft.com/office/powerpoint/2012/main" xmlns:ahyp="http://schemas.microsoft.com/office/drawing/2018/hyperlinkcolor">
+<p:sld xmlns:a="http://schemas.openxmlformats.org/drawingml/2006/main" xmlns:r="http://schemas.openxmlformats.org/officeDocument/2006/relationships" xmlns:p="http://schemas.openxmlformats.org/presentationml/2006/main">
   <p:cSld>
     <p:spTree>
       <p:nvGrpSpPr>
-        <p:cNvPr id="88" name="Shape 88"/>
+        <p:cNvPr id="1" name="Shape 88"/>
         <p:cNvGrpSpPr/>
         <p:nvPr/>
       </p:nvGrpSpPr>
@@ -7553,7 +7740,9 @@
       <p:sp>
         <p:nvSpPr>
           <p:cNvPr id="89" name="Google Shape;89;p18"/>
-          <p:cNvSpPr txBox="1"/>
+          <p:cNvSpPr txBox="1">
+            <a:spLocks noGrp="1"/>
+          </p:cNvSpPr>
           <p:nvPr>
             <p:ph type="title"/>
           </p:nvPr>
@@ -7568,12 +7757,12 @@
           </a:prstGeom>
         </p:spPr>
         <p:txBody>
-          <a:bodyPr anchorCtr="0" anchor="t" bIns="91425" lIns="91425" spcFirstLastPara="1" rIns="91425" wrap="square" tIns="91425">
+          <a:bodyPr spcFirstLastPara="1" wrap="square" lIns="91425" tIns="91425" rIns="91425" bIns="91425" anchor="t" anchorCtr="0">
             <a:normAutofit fontScale="90000"/>
           </a:bodyPr>
           <a:lstStyle/>
           <a:p>
-            <a:pPr indent="0" lvl="0" marL="0" rtl="0" algn="l">
+            <a:pPr marL="0" lvl="0" indent="0" algn="l" rtl="0">
               <a:spcBef>
                 <a:spcPts val="0"/>
               </a:spcBef>
@@ -7584,15 +7773,7 @@
             </a:pPr>
             <a:r>
               <a:rPr lang="zh-TW"/>
-              <a:t>系統</a:t>
-            </a:r>
-            <a:r>
-              <a:rPr lang="zh-TW"/>
-              <a:t>開發工具</a:t>
-            </a:r>
-            <a:r>
-              <a:rPr lang="zh-TW"/>
-              <a:t>、材料及技術 </a:t>
+              <a:t>系統開發工具、材料及技術 </a:t>
             </a:r>
             <a:endParaRPr/>
           </a:p>
@@ -7601,9 +7782,11 @@
       <p:sp>
         <p:nvSpPr>
           <p:cNvPr id="90" name="Google Shape;90;p18"/>
-          <p:cNvSpPr txBox="1"/>
+          <p:cNvSpPr txBox="1">
+            <a:spLocks noGrp="1"/>
+          </p:cNvSpPr>
           <p:nvPr>
-            <p:ph idx="1" type="body"/>
+            <p:ph type="body" idx="1"/>
           </p:nvPr>
         </p:nvSpPr>
         <p:spPr>
@@ -7616,12 +7799,12 @@
           </a:prstGeom>
         </p:spPr>
         <p:txBody>
-          <a:bodyPr anchorCtr="0" anchor="t" bIns="91425" lIns="91425" spcFirstLastPara="1" rIns="91425" wrap="square" tIns="91425">
+          <a:bodyPr spcFirstLastPara="1" wrap="square" lIns="91425" tIns="91425" rIns="91425" bIns="91425" anchor="t" anchorCtr="0">
             <a:normAutofit lnSpcReduction="20000"/>
           </a:bodyPr>
           <a:lstStyle/>
           <a:p>
-            <a:pPr indent="-355600" lvl="0" marL="457200" rtl="0" algn="l">
+            <a:pPr marL="457200" lvl="0" indent="-355600" algn="l" rtl="0">
               <a:spcBef>
                 <a:spcPts val="0"/>
               </a:spcBef>
@@ -7638,7 +7821,7 @@
             <a:endParaRPr sz="2000"/>
           </a:p>
           <a:p>
-            <a:pPr indent="-342900" lvl="1" marL="914400" rtl="0" algn="l">
+            <a:pPr marL="914400" lvl="1" indent="-342900" algn="l" rtl="0">
               <a:spcBef>
                 <a:spcPts val="0"/>
               </a:spcBef>
@@ -7655,7 +7838,7 @@
             <a:endParaRPr sz="1800"/>
           </a:p>
           <a:p>
-            <a:pPr indent="-342900" lvl="0" marL="457200" rtl="0" algn="l">
+            <a:pPr marL="457200" lvl="0" indent="-342900" algn="l" rtl="0">
               <a:spcBef>
                 <a:spcPts val="0"/>
               </a:spcBef>
@@ -7672,7 +7855,7 @@
             <a:endParaRPr/>
           </a:p>
           <a:p>
-            <a:pPr indent="-342900" lvl="1" marL="914400" rtl="0" algn="l">
+            <a:pPr marL="914400" lvl="1" indent="-342900" algn="l" rtl="0">
               <a:spcBef>
                 <a:spcPts val="0"/>
               </a:spcBef>
@@ -7689,7 +7872,7 @@
             <a:endParaRPr sz="1800"/>
           </a:p>
           <a:p>
-            <a:pPr indent="-342900" lvl="1" marL="914400" rtl="0" algn="l">
+            <a:pPr marL="914400" lvl="1" indent="-342900" algn="l" rtl="0">
               <a:spcBef>
                 <a:spcPts val="0"/>
               </a:spcBef>
@@ -7706,7 +7889,7 @@
             <a:endParaRPr sz="1800"/>
           </a:p>
           <a:p>
-            <a:pPr indent="-342900" lvl="1" marL="914400" rtl="0" algn="l">
+            <a:pPr marL="914400" lvl="1" indent="-342900" algn="l" rtl="0">
               <a:spcBef>
                 <a:spcPts val="0"/>
               </a:spcBef>
@@ -7723,7 +7906,7 @@
             <a:endParaRPr sz="1800"/>
           </a:p>
           <a:p>
-            <a:pPr indent="-342900" lvl="1" marL="914400" rtl="0" algn="l">
+            <a:pPr marL="914400" lvl="1" indent="-342900" algn="l" rtl="0">
               <a:spcBef>
                 <a:spcPts val="0"/>
               </a:spcBef>
@@ -7740,7 +7923,7 @@
             <a:endParaRPr sz="1800"/>
           </a:p>
           <a:p>
-            <a:pPr indent="-342900" lvl="1" marL="914400" rtl="0" algn="l">
+            <a:pPr marL="914400" lvl="1" indent="-342900" algn="l" rtl="0">
               <a:spcBef>
                 <a:spcPts val="0"/>
               </a:spcBef>
@@ -7757,7 +7940,7 @@
             <a:endParaRPr sz="1800"/>
           </a:p>
           <a:p>
-            <a:pPr indent="-342900" lvl="1" marL="914400" rtl="0" algn="l">
+            <a:pPr marL="914400" lvl="1" indent="-342900" algn="l" rtl="0">
               <a:spcBef>
                 <a:spcPts val="0"/>
               </a:spcBef>
@@ -7774,7 +7957,7 @@
             <a:endParaRPr sz="1800"/>
           </a:p>
           <a:p>
-            <a:pPr indent="-342900" lvl="1" marL="914400" rtl="0" algn="l">
+            <a:pPr marL="914400" lvl="1" indent="-342900" algn="l" rtl="0">
               <a:spcBef>
                 <a:spcPts val="0"/>
               </a:spcBef>
@@ -7791,7 +7974,7 @@
             <a:endParaRPr sz="1800"/>
           </a:p>
           <a:p>
-            <a:pPr indent="-342900" lvl="1" marL="914400" rtl="0" algn="l">
+            <a:pPr marL="914400" lvl="1" indent="-342900" algn="l" rtl="0">
               <a:spcBef>
                 <a:spcPts val="0"/>
               </a:spcBef>
@@ -7808,7 +7991,7 @@
             <a:endParaRPr sz="1800"/>
           </a:p>
           <a:p>
-            <a:pPr indent="-342900" lvl="1" marL="914400" rtl="0" algn="l">
+            <a:pPr marL="914400" lvl="1" indent="-342900" algn="l" rtl="0">
               <a:spcBef>
                 <a:spcPts val="0"/>
               </a:spcBef>
@@ -7825,7 +8008,7 @@
             <a:endParaRPr sz="1800"/>
           </a:p>
           <a:p>
-            <a:pPr indent="-342900" lvl="1" marL="914400" rtl="0" algn="l">
+            <a:pPr marL="914400" lvl="1" indent="-342900" algn="l" rtl="0">
               <a:spcBef>
                 <a:spcPts val="0"/>
               </a:spcBef>
@@ -7880,11 +8063,11 @@
 </file>
 
 <file path=ppt/slides/slide7.xml><?xml version="1.0" encoding="utf-8"?>
-<p:sld xmlns:a="http://schemas.openxmlformats.org/drawingml/2006/main" xmlns:r="http://schemas.openxmlformats.org/officeDocument/2006/relationships" xmlns:mc="http://schemas.openxmlformats.org/markup-compatibility/2006" xmlns:mv="urn:schemas-microsoft-com:mac:vml" xmlns:p="http://schemas.openxmlformats.org/presentationml/2006/main" xmlns:c="http://schemas.openxmlformats.org/drawingml/2006/chart" xmlns:dgm="http://schemas.openxmlformats.org/drawingml/2006/diagram" xmlns:o="urn:schemas-microsoft-com:office:office" xmlns:v="urn:schemas-microsoft-com:vml" xmlns:pvml="urn:schemas-microsoft-com:office:powerpoint" xmlns:com="http://schemas.openxmlformats.org/drawingml/2006/compatibility" xmlns:p14="http://schemas.microsoft.com/office/powerpoint/2010/main" xmlns:p15="http://schemas.microsoft.com/office/powerpoint/2012/main" xmlns:ahyp="http://schemas.microsoft.com/office/drawing/2018/hyperlinkcolor">
+<p:sld xmlns:a="http://schemas.openxmlformats.org/drawingml/2006/main" xmlns:r="http://schemas.openxmlformats.org/officeDocument/2006/relationships" xmlns:p="http://schemas.openxmlformats.org/presentationml/2006/main">
   <p:cSld>
     <p:spTree>
       <p:nvGrpSpPr>
-        <p:cNvPr id="95" name="Shape 95"/>
+        <p:cNvPr id="1" name="Shape 95"/>
         <p:cNvGrpSpPr/>
         <p:nvPr/>
       </p:nvGrpSpPr>
@@ -7899,7 +8082,9 @@
       <p:sp>
         <p:nvSpPr>
           <p:cNvPr id="96" name="Google Shape;96;p19"/>
-          <p:cNvSpPr txBox="1"/>
+          <p:cNvSpPr txBox="1">
+            <a:spLocks noGrp="1"/>
+          </p:cNvSpPr>
           <p:nvPr>
             <p:ph type="title"/>
           </p:nvPr>
@@ -7914,12 +8099,12 @@
           </a:prstGeom>
         </p:spPr>
         <p:txBody>
-          <a:bodyPr anchorCtr="0" anchor="t" bIns="91425" lIns="91425" spcFirstLastPara="1" rIns="91425" wrap="square" tIns="91425">
+          <a:bodyPr spcFirstLastPara="1" wrap="square" lIns="91425" tIns="91425" rIns="91425" bIns="91425" anchor="t" anchorCtr="0">
             <a:normAutofit fontScale="90000"/>
           </a:bodyPr>
           <a:lstStyle/>
           <a:p>
-            <a:pPr indent="0" lvl="0" marL="0" rtl="0" algn="l">
+            <a:pPr marL="0" lvl="0" indent="0" algn="l" rtl="0">
               <a:spcBef>
                 <a:spcPts val="0"/>
               </a:spcBef>
@@ -7939,9 +8124,11 @@
       <p:sp>
         <p:nvSpPr>
           <p:cNvPr id="97" name="Google Shape;97;p19"/>
-          <p:cNvSpPr txBox="1"/>
+          <p:cNvSpPr txBox="1">
+            <a:spLocks noGrp="1"/>
+          </p:cNvSpPr>
           <p:nvPr>
-            <p:ph idx="1" type="body"/>
+            <p:ph type="body" idx="1"/>
           </p:nvPr>
         </p:nvSpPr>
         <p:spPr>
@@ -7954,12 +8141,12 @@
           </a:prstGeom>
         </p:spPr>
         <p:txBody>
-          <a:bodyPr anchorCtr="0" anchor="t" bIns="91425" lIns="91425" spcFirstLastPara="1" rIns="91425" wrap="square" tIns="91425">
+          <a:bodyPr spcFirstLastPara="1" wrap="square" lIns="91425" tIns="91425" rIns="91425" bIns="91425" anchor="t" anchorCtr="0">
             <a:normAutofit/>
           </a:bodyPr>
           <a:lstStyle/>
           <a:p>
-            <a:pPr indent="-355600" lvl="0" marL="457200" rtl="0" algn="l">
+            <a:pPr marL="457200" lvl="0" indent="-355600" algn="l" rtl="0">
               <a:spcBef>
                 <a:spcPts val="0"/>
               </a:spcBef>
@@ -7976,7 +8163,7 @@
             <a:endParaRPr sz="2000"/>
           </a:p>
           <a:p>
-            <a:pPr indent="-342900" lvl="1" marL="914400" rtl="0" algn="l">
+            <a:pPr marL="914400" lvl="1" indent="-342900" algn="l" rtl="0">
               <a:spcBef>
                 <a:spcPts val="0"/>
               </a:spcBef>
@@ -7993,7 +8180,7 @@
             <a:endParaRPr sz="1800"/>
           </a:p>
           <a:p>
-            <a:pPr indent="-342900" lvl="1" marL="914400" rtl="0" algn="l">
+            <a:pPr marL="914400" lvl="1" indent="-342900" algn="l" rtl="0">
               <a:spcBef>
                 <a:spcPts val="0"/>
               </a:spcBef>
@@ -8010,7 +8197,7 @@
             <a:endParaRPr sz="1800"/>
           </a:p>
           <a:p>
-            <a:pPr indent="-342900" lvl="1" marL="914400" rtl="0" algn="l">
+            <a:pPr marL="914400" lvl="1" indent="-342900" algn="l" rtl="0">
               <a:spcBef>
                 <a:spcPts val="0"/>
               </a:spcBef>
@@ -8027,7 +8214,7 @@
             <a:endParaRPr sz="1800"/>
           </a:p>
           <a:p>
-            <a:pPr indent="-342900" lvl="1" marL="914400" rtl="0" algn="l">
+            <a:pPr marL="914400" lvl="1" indent="-342900" algn="l" rtl="0">
               <a:spcBef>
                 <a:spcPts val="0"/>
               </a:spcBef>
@@ -8044,7 +8231,7 @@
             <a:endParaRPr sz="1800"/>
           </a:p>
           <a:p>
-            <a:pPr indent="-342900" lvl="1" marL="914400" rtl="0" algn="l">
+            <a:pPr marL="914400" lvl="1" indent="-342900" algn="l" rtl="0">
               <a:spcBef>
                 <a:spcPts val="0"/>
               </a:spcBef>
@@ -8061,7 +8248,7 @@
             <a:endParaRPr sz="1800"/>
           </a:p>
           <a:p>
-            <a:pPr indent="-342900" lvl="1" marL="914400" rtl="0" algn="l">
+            <a:pPr marL="914400" lvl="1" indent="-342900" algn="l" rtl="0">
               <a:spcBef>
                 <a:spcPts val="0"/>
               </a:spcBef>
@@ -8116,11 +8303,11 @@
 </file>
 
 <file path=ppt/slides/slide8.xml><?xml version="1.0" encoding="utf-8"?>
-<p:sld xmlns:a="http://schemas.openxmlformats.org/drawingml/2006/main" xmlns:r="http://schemas.openxmlformats.org/officeDocument/2006/relationships" xmlns:mc="http://schemas.openxmlformats.org/markup-compatibility/2006" xmlns:mv="urn:schemas-microsoft-com:mac:vml" xmlns:p="http://schemas.openxmlformats.org/presentationml/2006/main" xmlns:c="http://schemas.openxmlformats.org/drawingml/2006/chart" xmlns:dgm="http://schemas.openxmlformats.org/drawingml/2006/diagram" xmlns:o="urn:schemas-microsoft-com:office:office" xmlns:v="urn:schemas-microsoft-com:vml" xmlns:pvml="urn:schemas-microsoft-com:office:powerpoint" xmlns:com="http://schemas.openxmlformats.org/drawingml/2006/compatibility" xmlns:p14="http://schemas.microsoft.com/office/powerpoint/2010/main" xmlns:p15="http://schemas.microsoft.com/office/powerpoint/2012/main" xmlns:ahyp="http://schemas.microsoft.com/office/drawing/2018/hyperlinkcolor">
+<p:sld xmlns:a="http://schemas.openxmlformats.org/drawingml/2006/main" xmlns:r="http://schemas.openxmlformats.org/officeDocument/2006/relationships" xmlns:p="http://schemas.openxmlformats.org/presentationml/2006/main">
   <p:cSld>
     <p:spTree>
       <p:nvGrpSpPr>
-        <p:cNvPr id="102" name="Shape 102"/>
+        <p:cNvPr id="1" name="Shape 102"/>
         <p:cNvGrpSpPr/>
         <p:nvPr/>
       </p:nvGrpSpPr>
@@ -8135,7 +8322,9 @@
       <p:sp>
         <p:nvSpPr>
           <p:cNvPr id="103" name="Google Shape;103;p20"/>
-          <p:cNvSpPr txBox="1"/>
+          <p:cNvSpPr txBox="1">
+            <a:spLocks noGrp="1"/>
+          </p:cNvSpPr>
           <p:nvPr>
             <p:ph type="title"/>
           </p:nvPr>
@@ -8150,12 +8339,12 @@
           </a:prstGeom>
         </p:spPr>
         <p:txBody>
-          <a:bodyPr anchorCtr="0" anchor="t" bIns="91425" lIns="91425" spcFirstLastPara="1" rIns="91425" wrap="square" tIns="91425">
+          <a:bodyPr spcFirstLastPara="1" wrap="square" lIns="91425" tIns="91425" rIns="91425" bIns="91425" anchor="t" anchorCtr="0">
             <a:normAutofit fontScale="90000"/>
           </a:bodyPr>
           <a:lstStyle/>
           <a:p>
-            <a:pPr indent="0" lvl="0" marL="0" rtl="0" algn="l">
+            <a:pPr marL="0" lvl="0" indent="0" algn="l" rtl="0">
               <a:spcBef>
                 <a:spcPts val="0"/>
               </a:spcBef>
@@ -8175,9 +8364,11 @@
       <p:sp>
         <p:nvSpPr>
           <p:cNvPr id="104" name="Google Shape;104;p20"/>
-          <p:cNvSpPr txBox="1"/>
+          <p:cNvSpPr txBox="1">
+            <a:spLocks noGrp="1"/>
+          </p:cNvSpPr>
           <p:nvPr>
-            <p:ph idx="1" type="body"/>
+            <p:ph type="body" idx="1"/>
           </p:nvPr>
         </p:nvSpPr>
         <p:spPr>
@@ -8190,12 +8381,12 @@
           </a:prstGeom>
         </p:spPr>
         <p:txBody>
-          <a:bodyPr anchorCtr="0" anchor="t" bIns="91425" lIns="91425" spcFirstLastPara="1" rIns="91425" wrap="square" tIns="91425">
+          <a:bodyPr spcFirstLastPara="1" wrap="square" lIns="91425" tIns="91425" rIns="91425" bIns="91425" anchor="t" anchorCtr="0">
             <a:normAutofit/>
           </a:bodyPr>
           <a:lstStyle/>
           <a:p>
-            <a:pPr indent="-342900" lvl="0" marL="457200" rtl="0" algn="l">
+            <a:pPr marL="457200" lvl="0" indent="-342900" algn="l" rtl="0">
               <a:spcBef>
                 <a:spcPts val="0"/>
               </a:spcBef>
@@ -8222,11 +8413,11 @@
 </file>
 
 <file path=ppt/slides/slide9.xml><?xml version="1.0" encoding="utf-8"?>
-<p:sld xmlns:a="http://schemas.openxmlformats.org/drawingml/2006/main" xmlns:r="http://schemas.openxmlformats.org/officeDocument/2006/relationships" xmlns:mc="http://schemas.openxmlformats.org/markup-compatibility/2006" xmlns:mv="urn:schemas-microsoft-com:mac:vml" xmlns:p="http://schemas.openxmlformats.org/presentationml/2006/main" xmlns:c="http://schemas.openxmlformats.org/drawingml/2006/chart" xmlns:dgm="http://schemas.openxmlformats.org/drawingml/2006/diagram" xmlns:o="urn:schemas-microsoft-com:office:office" xmlns:v="urn:schemas-microsoft-com:vml" xmlns:pvml="urn:schemas-microsoft-com:office:powerpoint" xmlns:com="http://schemas.openxmlformats.org/drawingml/2006/compatibility" xmlns:p14="http://schemas.microsoft.com/office/powerpoint/2010/main" xmlns:p15="http://schemas.microsoft.com/office/powerpoint/2012/main" xmlns:ahyp="http://schemas.microsoft.com/office/drawing/2018/hyperlinkcolor">
+<p:sld xmlns:a="http://schemas.openxmlformats.org/drawingml/2006/main" xmlns:r="http://schemas.openxmlformats.org/officeDocument/2006/relationships" xmlns:p="http://schemas.openxmlformats.org/presentationml/2006/main">
   <p:cSld>
     <p:spTree>
       <p:nvGrpSpPr>
-        <p:cNvPr id="108" name="Shape 108"/>
+        <p:cNvPr id="1" name="Shape 108"/>
         <p:cNvGrpSpPr/>
         <p:nvPr/>
       </p:nvGrpSpPr>
@@ -8241,7 +8432,9 @@
       <p:sp>
         <p:nvSpPr>
           <p:cNvPr id="109" name="Google Shape;109;p21"/>
-          <p:cNvSpPr txBox="1"/>
+          <p:cNvSpPr txBox="1">
+            <a:spLocks noGrp="1"/>
+          </p:cNvSpPr>
           <p:nvPr>
             <p:ph type="title"/>
           </p:nvPr>
@@ -8256,12 +8449,12 @@
           </a:prstGeom>
         </p:spPr>
         <p:txBody>
-          <a:bodyPr anchorCtr="0" anchor="t" bIns="91425" lIns="91425" spcFirstLastPara="1" rIns="91425" wrap="square" tIns="91425">
+          <a:bodyPr spcFirstLastPara="1" wrap="square" lIns="91425" tIns="91425" rIns="91425" bIns="91425" anchor="t" anchorCtr="0">
             <a:normAutofit fontScale="90000"/>
           </a:bodyPr>
           <a:lstStyle/>
           <a:p>
-            <a:pPr indent="0" lvl="0" marL="0" rtl="0" algn="l">
+            <a:pPr marL="0" lvl="0" indent="0" algn="l" rtl="0">
               <a:spcBef>
                 <a:spcPts val="0"/>
               </a:spcBef>
@@ -8281,9 +8474,11 @@
       <p:sp>
         <p:nvSpPr>
           <p:cNvPr id="110" name="Google Shape;110;p21"/>
-          <p:cNvSpPr txBox="1"/>
+          <p:cNvSpPr txBox="1">
+            <a:spLocks noGrp="1"/>
+          </p:cNvSpPr>
           <p:nvPr>
-            <p:ph idx="1" type="body"/>
+            <p:ph type="body" idx="1"/>
           </p:nvPr>
         </p:nvSpPr>
         <p:spPr>
@@ -8296,12 +8491,12 @@
           </a:prstGeom>
         </p:spPr>
         <p:txBody>
-          <a:bodyPr anchorCtr="0" anchor="t" bIns="91425" lIns="91425" spcFirstLastPara="1" rIns="91425" wrap="square" tIns="91425">
+          <a:bodyPr spcFirstLastPara="1" wrap="square" lIns="91425" tIns="91425" rIns="91425" bIns="91425" anchor="t" anchorCtr="0">
             <a:normAutofit/>
           </a:bodyPr>
           <a:lstStyle/>
           <a:p>
-            <a:pPr indent="-355600" lvl="0" marL="457200" rtl="0" algn="l">
+            <a:pPr marL="457200" lvl="0" indent="-355600" algn="l" rtl="0">
               <a:lnSpc>
                 <a:spcPct val="150000"/>
               </a:lnSpc>
@@ -8315,13 +8510,25 @@
               <a:buAutoNum type="arabicPeriod"/>
             </a:pPr>
             <a:r>
-              <a:rPr lang="zh-TW" sz="2000"/>
-              <a:t>李承哲: 焊接, 基礎程式架構, 企劃書撰寫</a:t>
+              <a:rPr lang="zh-TW" sz="2000" dirty="0"/>
+              <a:t>李承哲: 焊接, </a:t>
             </a:r>
-            <a:endParaRPr sz="2000"/>
-          </a:p>
-          <a:p>
-            <a:pPr indent="-355600" lvl="0" marL="457200" rtl="0" algn="l">
+            <a:r>
+              <a:rPr lang="zh-TW" altLang="en-US" sz="2000" dirty="0"/>
+              <a:t> 電路設計</a:t>
+            </a:r>
+            <a:r>
+              <a:rPr lang="en-US" altLang="zh-TW" sz="2000" dirty="0"/>
+              <a:t>, </a:t>
+            </a:r>
+            <a:r>
+              <a:rPr lang="zh-TW" sz="2000" dirty="0"/>
+              <a:t>基礎程式架構, 企劃書撰寫</a:t>
+            </a:r>
+            <a:endParaRPr sz="2000" dirty="0"/>
+          </a:p>
+          <a:p>
+            <a:pPr marL="457200" lvl="0" indent="-355600" algn="l" rtl="0">
               <a:lnSpc>
                 <a:spcPct val="150000"/>
               </a:lnSpc>
@@ -8335,13 +8542,13 @@
               <a:buAutoNum type="arabicPeriod"/>
             </a:pPr>
             <a:r>
-              <a:rPr lang="zh-TW" sz="2000"/>
+              <a:rPr lang="zh-TW" sz="2000" dirty="0"/>
               <a:t>張景洋: 焊接, 零件處理, 功能實作, 企劃書撰寫</a:t>
             </a:r>
-            <a:endParaRPr sz="2000"/>
-          </a:p>
-          <a:p>
-            <a:pPr indent="-355600" lvl="0" marL="457200" rtl="0" algn="l">
+            <a:endParaRPr sz="2000" dirty="0"/>
+          </a:p>
+          <a:p>
+            <a:pPr marL="457200" lvl="0" indent="-355600" algn="l" rtl="0">
               <a:lnSpc>
                 <a:spcPct val="150000"/>
               </a:lnSpc>
@@ -8355,13 +8562,13 @@
               <a:buAutoNum type="arabicPeriod"/>
             </a:pPr>
             <a:r>
-              <a:rPr lang="zh-TW" sz="2000"/>
+              <a:rPr lang="zh-TW" sz="2000" dirty="0"/>
               <a:t>朱祐麟: 零件處理, 功能實作, 簡報製作</a:t>
             </a:r>
-            <a:endParaRPr sz="2000"/>
-          </a:p>
-          <a:p>
-            <a:pPr indent="-355600" lvl="0" marL="457200" rtl="0" algn="l">
+            <a:endParaRPr sz="2000" dirty="0"/>
+          </a:p>
+          <a:p>
+            <a:pPr marL="457200" lvl="0" indent="-355600" algn="l" rtl="0">
               <a:lnSpc>
                 <a:spcPct val="150000"/>
               </a:lnSpc>
@@ -8375,14 +8582,10 @@
               <a:buAutoNum type="arabicPeriod"/>
             </a:pPr>
             <a:r>
-              <a:rPr lang="zh-TW" sz="2000"/>
-              <a:t>劉力文: 程式發想</a:t>
+              <a:rPr lang="zh-TW" sz="2000" dirty="0"/>
+              <a:t>劉力文: 程式發想, 功能實作</a:t>
             </a:r>
-            <a:r>
-              <a:rPr lang="zh-TW" sz="2000"/>
-              <a:t>, 功能實作</a:t>
-            </a:r>
-            <a:endParaRPr sz="2000"/>
+            <a:endParaRPr sz="2000" dirty="0"/>
           </a:p>
         </p:txBody>
       </p:sp>
@@ -8423,7 +8626,7 @@
 </file>
 
 <file path=ppt/theme/theme1.xml><?xml version="1.0" encoding="utf-8"?>
-<a:theme xmlns:a="http://schemas.openxmlformats.org/drawingml/2006/main" xmlns:r="http://schemas.openxmlformats.org/officeDocument/2006/relationships" name="Simple Dark">
+<a:theme xmlns:a="http://schemas.openxmlformats.org/drawingml/2006/main" name="Simple Dark">
   <a:themeElements>
     <a:clrScheme name="Simple Dark">
       <a:dk1>
@@ -8698,11 +8901,13 @@
       </a:bgFillStyleLst>
     </a:fmtScheme>
   </a:themeElements>
+  <a:objectDefaults/>
+  <a:extraClrSchemeLst/>
 </a:theme>
 </file>
 
 <file path=ppt/theme/theme2.xml><?xml version="1.0" encoding="utf-8"?>
-<a:theme xmlns:a="http://schemas.openxmlformats.org/drawingml/2006/main" xmlns:r="http://schemas.openxmlformats.org/officeDocument/2006/relationships">
+<a:theme xmlns:a="http://schemas.openxmlformats.org/drawingml/2006/main">
   <a:themeElements>
     <a:clrScheme name="Default">
       <a:dk1>
@@ -8977,5 +9182,7 @@
       </a:bgFillStyleLst>
     </a:fmtScheme>
   </a:themeElements>
+  <a:objectDefaults/>
+  <a:extraClrSchemeLst/>
 </a:theme>
 </file>